--- a/DesignPhase/colloqium_design.pptx
+++ b/DesignPhase/colloqium_design.pptx
@@ -5,10 +5,10 @@
     <p:sldMasterId id="2147483648" r:id="rId1"/>
   </p:sldMasterIdLst>
   <p:notesMasterIdLst>
-    <p:notesMasterId r:id="rId10"/>
+    <p:notesMasterId r:id="rId11"/>
   </p:notesMasterIdLst>
   <p:handoutMasterIdLst>
-    <p:handoutMasterId r:id="rId11"/>
+    <p:handoutMasterId r:id="rId12"/>
   </p:handoutMasterIdLst>
   <p:sldIdLst>
     <p:sldId id="273" r:id="rId2"/>
@@ -19,6 +19,7 @@
     <p:sldId id="278" r:id="rId7"/>
     <p:sldId id="279" r:id="rId8"/>
     <p:sldId id="280" r:id="rId9"/>
+    <p:sldId id="281" r:id="rId10"/>
   </p:sldIdLst>
   <p:sldSz cx="9144000" cy="6858000" type="screen4x3"/>
   <p:notesSz cx="6858000" cy="9144000"/>
@@ -978,7 +979,110 @@
           <a:bodyPr/>
           <a:lstStyle/>
           <a:p>
-            <a:endParaRPr lang="en-US" dirty="0"/>
+            <a:r>
+              <a:rPr lang="en-US" dirty="0"/>
+              <a:t>Who designed what…</a:t>
+            </a:r>
+          </a:p>
+          <a:p>
+            <a:r>
+              <a:rPr lang="en-US" dirty="0"/>
+              <a:t>6 eyes principle </a:t>
+            </a:r>
+            <a:r>
+              <a:rPr lang="en-US" dirty="0">
+                <a:sym typeface="Wingdings" panose="05000000000000000000" pitchFamily="2" charset="2"/>
+              </a:rPr>
+              <a:t> 2 Reviewer</a:t>
+            </a:r>
+          </a:p>
+          <a:p>
+            <a:r>
+              <a:rPr lang="en-US" dirty="0" err="1">
+                <a:sym typeface="Wingdings" panose="05000000000000000000" pitchFamily="2" charset="2"/>
+              </a:rPr>
+              <a:t>Pairprogamming</a:t>
+            </a:r>
+            <a:endParaRPr lang="en-US" dirty="0">
+              <a:sym typeface="Wingdings" panose="05000000000000000000" pitchFamily="2" charset="2"/>
+            </a:endParaRPr>
+          </a:p>
+          <a:p>
+            <a:endParaRPr lang="en-US" dirty="0">
+              <a:sym typeface="Wingdings" panose="05000000000000000000" pitchFamily="2" charset="2"/>
+            </a:endParaRPr>
+          </a:p>
+          <a:p>
+            <a:r>
+              <a:rPr lang="en-US" dirty="0">
+                <a:sym typeface="Wingdings" panose="05000000000000000000" pitchFamily="2" charset="2"/>
+              </a:rPr>
+              <a:t>MVC</a:t>
+            </a:r>
+          </a:p>
+          <a:p>
+            <a:r>
+              <a:rPr lang="en-US" dirty="0">
+                <a:sym typeface="Wingdings" panose="05000000000000000000" pitchFamily="2" charset="2"/>
+              </a:rPr>
+              <a:t>Observer pattern</a:t>
+            </a:r>
+          </a:p>
+          <a:p>
+            <a:r>
+              <a:rPr lang="en-US" dirty="0">
+                <a:sym typeface="Wingdings" panose="05000000000000000000" pitchFamily="2" charset="2"/>
+              </a:rPr>
+              <a:t>Controller pushes to the view and pulls from the view</a:t>
+            </a:r>
+          </a:p>
+          <a:p>
+            <a:r>
+              <a:rPr lang="en-US" dirty="0">
+                <a:sym typeface="Wingdings" panose="05000000000000000000" pitchFamily="2" charset="2"/>
+              </a:rPr>
+              <a:t>Controller pushes to the model and pulls from the model</a:t>
+            </a:r>
+          </a:p>
+          <a:p>
+            <a:endParaRPr lang="en-US" dirty="0">
+              <a:sym typeface="Wingdings" panose="05000000000000000000" pitchFamily="2" charset="2"/>
+            </a:endParaRPr>
+          </a:p>
+          <a:p>
+            <a:r>
+              <a:rPr lang="en-US" dirty="0" err="1">
+                <a:sym typeface="Wingdings" panose="05000000000000000000" pitchFamily="2" charset="2"/>
+              </a:rPr>
+              <a:t>FileStorage</a:t>
+            </a:r>
+            <a:r>
+              <a:rPr lang="en-US" dirty="0">
+                <a:sym typeface="Wingdings" panose="05000000000000000000" pitchFamily="2" charset="2"/>
+              </a:rPr>
+              <a:t> as external package to access files</a:t>
+            </a:r>
+          </a:p>
+          <a:p>
+            <a:r>
+              <a:rPr lang="en-US" dirty="0">
+                <a:sym typeface="Wingdings" panose="05000000000000000000" pitchFamily="2" charset="2"/>
+              </a:rPr>
+              <a:t>OpenCV as external package to manipulate the camera and videos</a:t>
+            </a:r>
+          </a:p>
+          <a:p>
+            <a:endParaRPr lang="en-US" dirty="0">
+              <a:sym typeface="Wingdings" panose="05000000000000000000" pitchFamily="2" charset="2"/>
+            </a:endParaRPr>
+          </a:p>
+          <a:p>
+            <a:r>
+              <a:rPr lang="en-US" dirty="0">
+                <a:sym typeface="Wingdings" panose="05000000000000000000" pitchFamily="2" charset="2"/>
+              </a:rPr>
+              <a:t>QT as view framework</a:t>
+            </a:r>
           </a:p>
         </p:txBody>
       </p:sp>
@@ -3885,6 +3989,12 @@
             </a:r>
           </a:p>
           <a:p>
+            <a:pPr marL="0" indent="0">
+              <a:buNone/>
+            </a:pPr>
+            <a:endParaRPr lang="en-US" dirty="0"/>
+          </a:p>
+          <a:p>
             <a:r>
               <a:rPr lang="en-US" dirty="0"/>
               <a:t>Process of image classification</a:t>
@@ -3894,14 +4004,23 @@
             <a:pPr lvl="1"/>
             <a:r>
               <a:rPr lang="en-US" dirty="0"/>
-              <a:t>Class diagram</a:t>
+              <a:t>Class diagrams of the process in the controller</a:t>
             </a:r>
           </a:p>
           <a:p>
             <a:pPr lvl="1"/>
             <a:r>
               <a:rPr lang="en-US" dirty="0"/>
-              <a:t>Activity diagram</a:t>
+              <a:t>Sequence diagram for getting the image</a:t>
+            </a:r>
+          </a:p>
+          <a:p>
+            <a:endParaRPr lang="en-US" dirty="0"/>
+          </a:p>
+          <a:p>
+            <a:r>
+              <a:rPr lang="en-US" dirty="0"/>
+              <a:t>Next steps</a:t>
             </a:r>
           </a:p>
         </p:txBody>
@@ -5411,7 +5530,7 @@
             </a:br>
             <a:r>
               <a:rPr lang="en-US" dirty="0"/>
-              <a:t>	 – class diagram</a:t>
+              <a:t>	 – class diagram of inferencing</a:t>
             </a:r>
           </a:p>
         </p:txBody>
@@ -5509,6 +5628,42 @@
           </a:p>
         </p:txBody>
       </p:sp>
+      <p:pic>
+        <p:nvPicPr>
+          <p:cNvPr id="9" name="Grafik 8" descr="Ein Bild, das Text, Screenshot enthält.&#10;&#10;Automatisch generierte Beschreibung">
+            <a:extLst>
+              <a:ext uri="{FF2B5EF4-FFF2-40B4-BE49-F238E27FC236}">
+                <a16:creationId xmlns:a16="http://schemas.microsoft.com/office/drawing/2014/main" id="{0644959A-FF73-4F16-AA11-1E45E1A8BBA5}"/>
+              </a:ext>
+            </a:extLst>
+          </p:cNvPr>
+          <p:cNvPicPr>
+            <a:picLocks noChangeAspect="1"/>
+          </p:cNvPicPr>
+          <p:nvPr/>
+        </p:nvPicPr>
+        <p:blipFill>
+          <a:blip r:embed="rId2">
+            <a:extLst>
+              <a:ext uri="{28A0092B-C50C-407E-A947-70E740481C1C}">
+                <a14:useLocalDpi xmlns:a14="http://schemas.microsoft.com/office/drawing/2010/main" val="0"/>
+              </a:ext>
+            </a:extLst>
+          </a:blip>
+          <a:stretch>
+            <a:fillRect/>
+          </a:stretch>
+        </p:blipFill>
+        <p:spPr>
+          <a:xfrm>
+            <a:off x="883636" y="1141252"/>
+            <a:ext cx="7376728" cy="5040000"/>
+          </a:xfrm>
+          <a:prstGeom prst="rect">
+            <a:avLst/>
+          </a:prstGeom>
+        </p:spPr>
+      </p:pic>
     </p:spTree>
     <p:extLst>
       <p:ext uri="{BB962C8B-B14F-4D97-AF65-F5344CB8AC3E}">
@@ -5569,7 +5724,7 @@
             </a:br>
             <a:r>
               <a:rPr lang="en-US" dirty="0"/>
-              <a:t>	 – class diagram</a:t>
+              <a:t>	 – class diagram of dispatcher</a:t>
             </a:r>
           </a:p>
         </p:txBody>
@@ -5667,6 +5822,42 @@
           </a:p>
         </p:txBody>
       </p:sp>
+      <p:pic>
+        <p:nvPicPr>
+          <p:cNvPr id="7" name="Grafik 6" descr="Ein Bild, das Text enthält.&#10;&#10;Automatisch generierte Beschreibung">
+            <a:extLst>
+              <a:ext uri="{FF2B5EF4-FFF2-40B4-BE49-F238E27FC236}">
+                <a16:creationId xmlns:a16="http://schemas.microsoft.com/office/drawing/2014/main" id="{846E56AD-3165-4FC1-B073-B49822223007}"/>
+              </a:ext>
+            </a:extLst>
+          </p:cNvPr>
+          <p:cNvPicPr>
+            <a:picLocks noChangeAspect="1"/>
+          </p:cNvPicPr>
+          <p:nvPr/>
+        </p:nvPicPr>
+        <p:blipFill>
+          <a:blip r:embed="rId2">
+            <a:extLst>
+              <a:ext uri="{28A0092B-C50C-407E-A947-70E740481C1C}">
+                <a14:useLocalDpi xmlns:a14="http://schemas.microsoft.com/office/drawing/2010/main" val="0"/>
+              </a:ext>
+            </a:extLst>
+          </a:blip>
+          <a:stretch>
+            <a:fillRect/>
+          </a:stretch>
+        </p:blipFill>
+        <p:spPr>
+          <a:xfrm>
+            <a:off x="390525" y="1158205"/>
+            <a:ext cx="7834455" cy="5040000"/>
+          </a:xfrm>
+          <a:prstGeom prst="rect">
+            <a:avLst/>
+          </a:prstGeom>
+        </p:spPr>
+      </p:pic>
     </p:spTree>
     <p:extLst>
       <p:ext uri="{BB962C8B-B14F-4D97-AF65-F5344CB8AC3E}">
@@ -5825,6 +6016,42 @@
           </a:p>
         </p:txBody>
       </p:sp>
+      <p:pic>
+        <p:nvPicPr>
+          <p:cNvPr id="7" name="Grafik 6" descr="Ein Bild, das Screenshot enthält.&#10;&#10;Automatisch generierte Beschreibung">
+            <a:extLst>
+              <a:ext uri="{FF2B5EF4-FFF2-40B4-BE49-F238E27FC236}">
+                <a16:creationId xmlns:a16="http://schemas.microsoft.com/office/drawing/2014/main" id="{DC4ADC09-2A7B-4630-9C67-490335AAF86A}"/>
+              </a:ext>
+            </a:extLst>
+          </p:cNvPr>
+          <p:cNvPicPr>
+            <a:picLocks noChangeAspect="1"/>
+          </p:cNvPicPr>
+          <p:nvPr/>
+        </p:nvPicPr>
+        <p:blipFill>
+          <a:blip r:embed="rId2">
+            <a:extLst>
+              <a:ext uri="{28A0092B-C50C-407E-A947-70E740481C1C}">
+                <a14:useLocalDpi xmlns:a14="http://schemas.microsoft.com/office/drawing/2010/main" val="0"/>
+              </a:ext>
+            </a:extLst>
+          </a:blip>
+          <a:stretch>
+            <a:fillRect/>
+          </a:stretch>
+        </p:blipFill>
+        <p:spPr>
+          <a:xfrm>
+            <a:off x="448363" y="1158205"/>
+            <a:ext cx="8247273" cy="5040000"/>
+          </a:xfrm>
+          <a:prstGeom prst="rect">
+            <a:avLst/>
+          </a:prstGeom>
+        </p:spPr>
+      </p:pic>
     </p:spTree>
     <p:extLst>
       <p:ext uri="{BB962C8B-B14F-4D97-AF65-F5344CB8AC3E}">
@@ -5885,7 +6112,7 @@
             </a:br>
             <a:r>
               <a:rPr lang="en-US" dirty="0"/>
-              <a:t>	 – class diagram</a:t>
+              <a:t>	 – class diagram of the predictor</a:t>
             </a:r>
           </a:p>
         </p:txBody>
@@ -5983,6 +6210,42 @@
           </a:p>
         </p:txBody>
       </p:sp>
+      <p:pic>
+        <p:nvPicPr>
+          <p:cNvPr id="7" name="Grafik 6" descr="Ein Bild, das Screenshot enthält.&#10;&#10;Automatisch generierte Beschreibung">
+            <a:extLst>
+              <a:ext uri="{FF2B5EF4-FFF2-40B4-BE49-F238E27FC236}">
+                <a16:creationId xmlns:a16="http://schemas.microsoft.com/office/drawing/2014/main" id="{B53D4A0C-3924-472F-A9CC-C117A2C0335F}"/>
+              </a:ext>
+            </a:extLst>
+          </p:cNvPr>
+          <p:cNvPicPr>
+            <a:picLocks noChangeAspect="1"/>
+          </p:cNvPicPr>
+          <p:nvPr/>
+        </p:nvPicPr>
+        <p:blipFill>
+          <a:blip r:embed="rId2">
+            <a:extLst>
+              <a:ext uri="{28A0092B-C50C-407E-A947-70E740481C1C}">
+                <a14:useLocalDpi xmlns:a14="http://schemas.microsoft.com/office/drawing/2010/main" val="0"/>
+              </a:ext>
+            </a:extLst>
+          </a:blip>
+          <a:stretch>
+            <a:fillRect/>
+          </a:stretch>
+        </p:blipFill>
+        <p:spPr>
+          <a:xfrm>
+            <a:off x="252000" y="1489363"/>
+            <a:ext cx="8640000" cy="4765091"/>
+          </a:xfrm>
+          <a:prstGeom prst="rect">
+            <a:avLst/>
+          </a:prstGeom>
+        </p:spPr>
+      </p:pic>
     </p:spTree>
     <p:extLst>
       <p:ext uri="{BB962C8B-B14F-4D97-AF65-F5344CB8AC3E}">
@@ -6043,8 +6306,13 @@
             </a:br>
             <a:r>
               <a:rPr lang="en-US" dirty="0"/>
-              <a:t>	 – class diagram</a:t>
-            </a:r>
+              <a:t>	 – </a:t>
+            </a:r>
+            <a:r>
+              <a:rPr lang="en-US" dirty="0" err="1"/>
+              <a:t>getImage</a:t>
+            </a:r>
+            <a:endParaRPr lang="en-US" dirty="0"/>
           </a:p>
         </p:txBody>
       </p:sp>
@@ -6141,10 +6409,258 @@
           </a:p>
         </p:txBody>
       </p:sp>
+      <p:pic>
+        <p:nvPicPr>
+          <p:cNvPr id="8" name="Grafik 7" descr="Ein Bild, das Screenshot enthält.&#10;&#10;Automatisch generierte Beschreibung">
+            <a:extLst>
+              <a:ext uri="{FF2B5EF4-FFF2-40B4-BE49-F238E27FC236}">
+                <a16:creationId xmlns:a16="http://schemas.microsoft.com/office/drawing/2014/main" id="{382E4136-6288-4C5E-9225-D165E3CE115B}"/>
+              </a:ext>
+            </a:extLst>
+          </p:cNvPr>
+          <p:cNvPicPr>
+            <a:picLocks noChangeAspect="1"/>
+          </p:cNvPicPr>
+          <p:nvPr/>
+        </p:nvPicPr>
+        <p:blipFill>
+          <a:blip r:embed="rId2">
+            <a:extLst>
+              <a:ext uri="{28A0092B-C50C-407E-A947-70E740481C1C}">
+                <a14:useLocalDpi xmlns:a14="http://schemas.microsoft.com/office/drawing/2010/main" val="0"/>
+              </a:ext>
+            </a:extLst>
+          </a:blip>
+          <a:stretch>
+            <a:fillRect/>
+          </a:stretch>
+        </p:blipFill>
+        <p:spPr>
+          <a:xfrm>
+            <a:off x="855000" y="1141252"/>
+            <a:ext cx="7434000" cy="5040000"/>
+          </a:xfrm>
+          <a:prstGeom prst="rect">
+            <a:avLst/>
+          </a:prstGeom>
+        </p:spPr>
+      </p:pic>
     </p:spTree>
     <p:extLst>
       <p:ext uri="{BB962C8B-B14F-4D97-AF65-F5344CB8AC3E}">
-        <p14:creationId xmlns:p14="http://schemas.microsoft.com/office/powerpoint/2010/main" val="264845415"/>
+        <p14:creationId xmlns:p14="http://schemas.microsoft.com/office/powerpoint/2010/main" val="3655274472"/>
+      </p:ext>
+    </p:extLst>
+  </p:cSld>
+  <p:clrMapOvr>
+    <a:masterClrMapping/>
+  </p:clrMapOvr>
+</p:sld>
+</file>
+
+<file path=ppt/slides/slide9.xml><?xml version="1.0" encoding="utf-8"?>
+<p:sld xmlns:a="http://schemas.openxmlformats.org/drawingml/2006/main" xmlns:r="http://schemas.openxmlformats.org/officeDocument/2006/relationships" xmlns:p="http://schemas.openxmlformats.org/presentationml/2006/main">
+  <p:cSld>
+    <p:spTree>
+      <p:nvGrpSpPr>
+        <p:cNvPr id="1" name=""/>
+        <p:cNvGrpSpPr/>
+        <p:nvPr/>
+      </p:nvGrpSpPr>
+      <p:grpSpPr>
+        <a:xfrm>
+          <a:off x="0" y="0"/>
+          <a:ext cx="0" cy="0"/>
+          <a:chOff x="0" y="0"/>
+          <a:chExt cx="0" cy="0"/>
+        </a:xfrm>
+      </p:grpSpPr>
+      <p:sp>
+        <p:nvSpPr>
+          <p:cNvPr id="2" name="Titel 1">
+            <a:extLst>
+              <a:ext uri="{FF2B5EF4-FFF2-40B4-BE49-F238E27FC236}">
+                <a16:creationId xmlns:a16="http://schemas.microsoft.com/office/drawing/2014/main" id="{1B112619-2BC8-46BC-A2E5-89C623D7A2F7}"/>
+              </a:ext>
+            </a:extLst>
+          </p:cNvPr>
+          <p:cNvSpPr>
+            <a:spLocks noGrp="1"/>
+          </p:cNvSpPr>
+          <p:nvPr>
+            <p:ph type="title"/>
+          </p:nvPr>
+        </p:nvSpPr>
+        <p:spPr/>
+        <p:txBody>
+          <a:bodyPr/>
+          <a:lstStyle/>
+          <a:p>
+            <a:r>
+              <a:rPr lang="de-DE" dirty="0"/>
+              <a:t>Next </a:t>
+            </a:r>
+            <a:r>
+              <a:rPr lang="en-US" dirty="0"/>
+              <a:t>steps</a:t>
+            </a:r>
+          </a:p>
+        </p:txBody>
+      </p:sp>
+      <p:sp>
+        <p:nvSpPr>
+          <p:cNvPr id="3" name="Inhaltsplatzhalter 2">
+            <a:extLst>
+              <a:ext uri="{FF2B5EF4-FFF2-40B4-BE49-F238E27FC236}">
+                <a16:creationId xmlns:a16="http://schemas.microsoft.com/office/drawing/2014/main" id="{B53E3B2B-57BC-488F-B204-35E3BF8DB4FB}"/>
+              </a:ext>
+            </a:extLst>
+          </p:cNvPr>
+          <p:cNvSpPr>
+            <a:spLocks noGrp="1"/>
+          </p:cNvSpPr>
+          <p:nvPr>
+            <p:ph idx="1"/>
+          </p:nvPr>
+        </p:nvSpPr>
+        <p:spPr>
+          <a:xfrm>
+            <a:off x="392113" y="1246909"/>
+            <a:ext cx="8356600" cy="4845916"/>
+          </a:xfrm>
+        </p:spPr>
+        <p:txBody>
+          <a:bodyPr/>
+          <a:lstStyle/>
+          <a:p>
+            <a:r>
+              <a:rPr lang="en-US" dirty="0"/>
+              <a:t>Christmas!</a:t>
+            </a:r>
+          </a:p>
+          <a:p>
+            <a:endParaRPr lang="en-US" dirty="0"/>
+          </a:p>
+          <a:p>
+            <a:r>
+              <a:rPr lang="en-US" dirty="0"/>
+              <a:t>Implementation phase with Manuel as responsible person</a:t>
+            </a:r>
+          </a:p>
+          <a:p>
+            <a:pPr marL="0" indent="0">
+              <a:buNone/>
+            </a:pPr>
+            <a:endParaRPr lang="en-US" dirty="0"/>
+          </a:p>
+          <a:p>
+            <a:r>
+              <a:rPr lang="en-US" dirty="0"/>
+              <a:t>Next ultimatum: 31.01.2020</a:t>
+            </a:r>
+          </a:p>
+          <a:p>
+            <a:endParaRPr lang="en-US" dirty="0"/>
+          </a:p>
+        </p:txBody>
+      </p:sp>
+      <p:sp>
+        <p:nvSpPr>
+          <p:cNvPr id="4" name="Datumsplatzhalter 3">
+            <a:extLst>
+              <a:ext uri="{FF2B5EF4-FFF2-40B4-BE49-F238E27FC236}">
+                <a16:creationId xmlns:a16="http://schemas.microsoft.com/office/drawing/2014/main" id="{093C10B7-6440-4C84-8C50-684950195EE3}"/>
+              </a:ext>
+            </a:extLst>
+          </p:cNvPr>
+          <p:cNvSpPr>
+            <a:spLocks noGrp="1"/>
+          </p:cNvSpPr>
+          <p:nvPr>
+            <p:ph type="dt" sz="half" idx="2"/>
+          </p:nvPr>
+        </p:nvSpPr>
+        <p:spPr/>
+        <p:txBody>
+          <a:bodyPr/>
+          <a:lstStyle/>
+          <a:p>
+            <a:r>
+              <a:rPr lang="en-US"/>
+              <a:t>Neural Network based Image Classification System on Heterogeneous Platforms</a:t>
+            </a:r>
+          </a:p>
+          <a:p>
+            <a:endParaRPr lang="de-DE" dirty="0"/>
+          </a:p>
+        </p:txBody>
+      </p:sp>
+      <p:sp>
+        <p:nvSpPr>
+          <p:cNvPr id="5" name="Foliennummernplatzhalter 4">
+            <a:extLst>
+              <a:ext uri="{FF2B5EF4-FFF2-40B4-BE49-F238E27FC236}">
+                <a16:creationId xmlns:a16="http://schemas.microsoft.com/office/drawing/2014/main" id="{C98A3C77-F718-460E-91A4-9FD9AD7D466B}"/>
+              </a:ext>
+            </a:extLst>
+          </p:cNvPr>
+          <p:cNvSpPr>
+            <a:spLocks noGrp="1"/>
+          </p:cNvSpPr>
+          <p:nvPr>
+            <p:ph type="sldNum" sz="quarter" idx="4"/>
+          </p:nvPr>
+        </p:nvSpPr>
+        <p:spPr/>
+        <p:txBody>
+          <a:bodyPr/>
+          <a:lstStyle/>
+          <a:p>
+            <a:fld id="{E55ABDE9-7D1A-4CAE-9056-F713D277A78C}" type="slidenum">
+              <a:rPr lang="de-DE" smtClean="0"/>
+              <a:pPr/>
+              <a:t>9</a:t>
+            </a:fld>
+            <a:endParaRPr lang="de-DE" dirty="0"/>
+          </a:p>
+        </p:txBody>
+      </p:sp>
+      <p:sp>
+        <p:nvSpPr>
+          <p:cNvPr id="6" name="Fußzeilenplatzhalter 5">
+            <a:extLst>
+              <a:ext uri="{FF2B5EF4-FFF2-40B4-BE49-F238E27FC236}">
+                <a16:creationId xmlns:a16="http://schemas.microsoft.com/office/drawing/2014/main" id="{243E1856-6CA5-48B5-BD2F-A4AEA03F79AB}"/>
+              </a:ext>
+            </a:extLst>
+          </p:cNvPr>
+          <p:cNvSpPr>
+            <a:spLocks noGrp="1"/>
+          </p:cNvSpPr>
+          <p:nvPr>
+            <p:ph type="ftr" sz="quarter" idx="3"/>
+          </p:nvPr>
+        </p:nvSpPr>
+        <p:spPr/>
+        <p:txBody>
+          <a:bodyPr/>
+          <a:lstStyle/>
+          <a:p>
+            <a:pPr>
+              <a:defRPr/>
+            </a:pPr>
+            <a:r>
+              <a:rPr lang="en-US"/>
+              <a:t>Dimitrov, Drehwald, Guneshka, Häring, Stangel</a:t>
+            </a:r>
+            <a:endParaRPr lang="en-US" dirty="0"/>
+          </a:p>
+        </p:txBody>
+      </p:sp>
+    </p:spTree>
+    <p:extLst>
+      <p:ext uri="{BB962C8B-B14F-4D97-AF65-F5344CB8AC3E}">
+        <p14:creationId xmlns:p14="http://schemas.microsoft.com/office/powerpoint/2010/main" val="1098885676"/>
       </p:ext>
     </p:extLst>
   </p:cSld>

--- a/DesignPhase/colloqium_design.pptx
+++ b/DesignPhase/colloqium_design.pptx
@@ -16,8 +16,8 @@
     <p:sldId id="275" r:id="rId4"/>
     <p:sldId id="276" r:id="rId5"/>
     <p:sldId id="277" r:id="rId6"/>
-    <p:sldId id="278" r:id="rId7"/>
-    <p:sldId id="279" r:id="rId8"/>
+    <p:sldId id="279" r:id="rId7"/>
+    <p:sldId id="278" r:id="rId8"/>
     <p:sldId id="280" r:id="rId9"/>
     <p:sldId id="281" r:id="rId10"/>
   </p:sldIdLst>
@@ -5918,7 +5918,7 @@
             </a:br>
             <a:r>
               <a:rPr lang="en-US" dirty="0"/>
-              <a:t>	 – class diagram</a:t>
+              <a:t>	 – class diagram of the predictor</a:t>
             </a:r>
           </a:p>
         </p:txBody>
@@ -6011,6 +6011,200 @@
               <a:rPr lang="de-DE" smtClean="0"/>
               <a:pPr/>
               <a:t>6</a:t>
+            </a:fld>
+            <a:endParaRPr lang="de-DE" dirty="0"/>
+          </a:p>
+        </p:txBody>
+      </p:sp>
+      <p:pic>
+        <p:nvPicPr>
+          <p:cNvPr id="7" name="Grafik 6" descr="Ein Bild, das Screenshot enthält.&#10;&#10;Automatisch generierte Beschreibung">
+            <a:extLst>
+              <a:ext uri="{FF2B5EF4-FFF2-40B4-BE49-F238E27FC236}">
+                <a16:creationId xmlns:a16="http://schemas.microsoft.com/office/drawing/2014/main" id="{B53D4A0C-3924-472F-A9CC-C117A2C0335F}"/>
+              </a:ext>
+            </a:extLst>
+          </p:cNvPr>
+          <p:cNvPicPr>
+            <a:picLocks noChangeAspect="1"/>
+          </p:cNvPicPr>
+          <p:nvPr/>
+        </p:nvPicPr>
+        <p:blipFill>
+          <a:blip r:embed="rId2">
+            <a:extLst>
+              <a:ext uri="{28A0092B-C50C-407E-A947-70E740481C1C}">
+                <a14:useLocalDpi xmlns:a14="http://schemas.microsoft.com/office/drawing/2010/main" val="0"/>
+              </a:ext>
+            </a:extLst>
+          </a:blip>
+          <a:stretch>
+            <a:fillRect/>
+          </a:stretch>
+        </p:blipFill>
+        <p:spPr>
+          <a:xfrm>
+            <a:off x="252000" y="1489363"/>
+            <a:ext cx="8640000" cy="4765091"/>
+          </a:xfrm>
+          <a:prstGeom prst="rect">
+            <a:avLst/>
+          </a:prstGeom>
+        </p:spPr>
+      </p:pic>
+    </p:spTree>
+    <p:extLst>
+      <p:ext uri="{BB962C8B-B14F-4D97-AF65-F5344CB8AC3E}">
+        <p14:creationId xmlns:p14="http://schemas.microsoft.com/office/powerpoint/2010/main" val="72236851"/>
+      </p:ext>
+    </p:extLst>
+  </p:cSld>
+  <p:clrMapOvr>
+    <a:masterClrMapping/>
+  </p:clrMapOvr>
+</p:sld>
+</file>
+
+<file path=ppt/slides/slide7.xml><?xml version="1.0" encoding="utf-8"?>
+<p:sld xmlns:a="http://schemas.openxmlformats.org/drawingml/2006/main" xmlns:r="http://schemas.openxmlformats.org/officeDocument/2006/relationships" xmlns:p="http://schemas.openxmlformats.org/presentationml/2006/main">
+  <p:cSld>
+    <p:spTree>
+      <p:nvGrpSpPr>
+        <p:cNvPr id="1" name=""/>
+        <p:cNvGrpSpPr/>
+        <p:nvPr/>
+      </p:nvGrpSpPr>
+      <p:grpSpPr>
+        <a:xfrm>
+          <a:off x="0" y="0"/>
+          <a:ext cx="0" cy="0"/>
+          <a:chOff x="0" y="0"/>
+          <a:chExt cx="0" cy="0"/>
+        </a:xfrm>
+      </p:grpSpPr>
+      <p:sp>
+        <p:nvSpPr>
+          <p:cNvPr id="2" name="Titel 1">
+            <a:extLst>
+              <a:ext uri="{FF2B5EF4-FFF2-40B4-BE49-F238E27FC236}">
+                <a16:creationId xmlns:a16="http://schemas.microsoft.com/office/drawing/2014/main" id="{4A7197C1-0C6B-4384-987C-C307C903B5BF}"/>
+              </a:ext>
+            </a:extLst>
+          </p:cNvPr>
+          <p:cNvSpPr>
+            <a:spLocks noGrp="1"/>
+          </p:cNvSpPr>
+          <p:nvPr>
+            <p:ph type="title"/>
+          </p:nvPr>
+        </p:nvSpPr>
+        <p:spPr/>
+        <p:txBody>
+          <a:bodyPr/>
+          <a:lstStyle/>
+          <a:p>
+            <a:r>
+              <a:rPr lang="en-US" dirty="0"/>
+              <a:t>Process of image classification</a:t>
+            </a:r>
+            <a:br>
+              <a:rPr lang="en-US" dirty="0"/>
+            </a:br>
+            <a:r>
+              <a:rPr lang="en-US" dirty="0"/>
+              <a:t>	 – class diagram of communication</a:t>
+            </a:r>
+          </a:p>
+        </p:txBody>
+      </p:sp>
+      <p:sp>
+        <p:nvSpPr>
+          <p:cNvPr id="3" name="Fußzeilenplatzhalter 2">
+            <a:extLst>
+              <a:ext uri="{FF2B5EF4-FFF2-40B4-BE49-F238E27FC236}">
+                <a16:creationId xmlns:a16="http://schemas.microsoft.com/office/drawing/2014/main" id="{02AD2DE0-F005-4C32-974F-F7F86BE48391}"/>
+              </a:ext>
+            </a:extLst>
+          </p:cNvPr>
+          <p:cNvSpPr>
+            <a:spLocks noGrp="1"/>
+          </p:cNvSpPr>
+          <p:nvPr>
+            <p:ph type="ftr" sz="quarter" idx="10"/>
+          </p:nvPr>
+        </p:nvSpPr>
+        <p:spPr/>
+        <p:txBody>
+          <a:bodyPr/>
+          <a:lstStyle/>
+          <a:p>
+            <a:pPr>
+              <a:defRPr/>
+            </a:pPr>
+            <a:r>
+              <a:rPr lang="en-US"/>
+              <a:t>Dimitrov, Drehwald, Guneshka, Häring, Stangel</a:t>
+            </a:r>
+            <a:endParaRPr lang="en-US" dirty="0"/>
+          </a:p>
+        </p:txBody>
+      </p:sp>
+      <p:sp>
+        <p:nvSpPr>
+          <p:cNvPr id="4" name="Datumsplatzhalter 3">
+            <a:extLst>
+              <a:ext uri="{FF2B5EF4-FFF2-40B4-BE49-F238E27FC236}">
+                <a16:creationId xmlns:a16="http://schemas.microsoft.com/office/drawing/2014/main" id="{C9E939C9-C552-41F0-863D-5CADD1D70733}"/>
+              </a:ext>
+            </a:extLst>
+          </p:cNvPr>
+          <p:cNvSpPr>
+            <a:spLocks noGrp="1"/>
+          </p:cNvSpPr>
+          <p:nvPr>
+            <p:ph type="dt" sz="half" idx="11"/>
+          </p:nvPr>
+        </p:nvSpPr>
+        <p:spPr/>
+        <p:txBody>
+          <a:bodyPr/>
+          <a:lstStyle/>
+          <a:p>
+            <a:r>
+              <a:rPr lang="en-US"/>
+              <a:t>Neural Network based Image Classification System on Heterogeneous Platforms</a:t>
+            </a:r>
+          </a:p>
+          <a:p>
+            <a:endParaRPr lang="de-DE" dirty="0"/>
+          </a:p>
+        </p:txBody>
+      </p:sp>
+      <p:sp>
+        <p:nvSpPr>
+          <p:cNvPr id="5" name="Foliennummernplatzhalter 4">
+            <a:extLst>
+              <a:ext uri="{FF2B5EF4-FFF2-40B4-BE49-F238E27FC236}">
+                <a16:creationId xmlns:a16="http://schemas.microsoft.com/office/drawing/2014/main" id="{AC541923-1212-42E6-AA2B-5AFD4FD1FEB7}"/>
+              </a:ext>
+            </a:extLst>
+          </p:cNvPr>
+          <p:cNvSpPr>
+            <a:spLocks noGrp="1"/>
+          </p:cNvSpPr>
+          <p:nvPr>
+            <p:ph type="sldNum" sz="quarter" idx="12"/>
+          </p:nvPr>
+        </p:nvSpPr>
+        <p:spPr/>
+        <p:txBody>
+          <a:bodyPr/>
+          <a:lstStyle/>
+          <a:p>
+            <a:fld id="{E55ABDE9-7D1A-4CAE-9056-F713D277A78C}" type="slidenum">
+              <a:rPr lang="de-DE" smtClean="0"/>
+              <a:pPr/>
+              <a:t>7</a:t>
             </a:fld>
             <a:endParaRPr lang="de-DE" dirty="0"/>
           </a:p>
@@ -6065,200 +6259,6 @@
 </p:sld>
 </file>
 
-<file path=ppt/slides/slide7.xml><?xml version="1.0" encoding="utf-8"?>
-<p:sld xmlns:a="http://schemas.openxmlformats.org/drawingml/2006/main" xmlns:r="http://schemas.openxmlformats.org/officeDocument/2006/relationships" xmlns:p="http://schemas.openxmlformats.org/presentationml/2006/main">
-  <p:cSld>
-    <p:spTree>
-      <p:nvGrpSpPr>
-        <p:cNvPr id="1" name=""/>
-        <p:cNvGrpSpPr/>
-        <p:nvPr/>
-      </p:nvGrpSpPr>
-      <p:grpSpPr>
-        <a:xfrm>
-          <a:off x="0" y="0"/>
-          <a:ext cx="0" cy="0"/>
-          <a:chOff x="0" y="0"/>
-          <a:chExt cx="0" cy="0"/>
-        </a:xfrm>
-      </p:grpSpPr>
-      <p:sp>
-        <p:nvSpPr>
-          <p:cNvPr id="2" name="Titel 1">
-            <a:extLst>
-              <a:ext uri="{FF2B5EF4-FFF2-40B4-BE49-F238E27FC236}">
-                <a16:creationId xmlns:a16="http://schemas.microsoft.com/office/drawing/2014/main" id="{4A7197C1-0C6B-4384-987C-C307C903B5BF}"/>
-              </a:ext>
-            </a:extLst>
-          </p:cNvPr>
-          <p:cNvSpPr>
-            <a:spLocks noGrp="1"/>
-          </p:cNvSpPr>
-          <p:nvPr>
-            <p:ph type="title"/>
-          </p:nvPr>
-        </p:nvSpPr>
-        <p:spPr/>
-        <p:txBody>
-          <a:bodyPr/>
-          <a:lstStyle/>
-          <a:p>
-            <a:r>
-              <a:rPr lang="en-US" dirty="0"/>
-              <a:t>Process of image classification</a:t>
-            </a:r>
-            <a:br>
-              <a:rPr lang="en-US" dirty="0"/>
-            </a:br>
-            <a:r>
-              <a:rPr lang="en-US" dirty="0"/>
-              <a:t>	 – class diagram of the predictor</a:t>
-            </a:r>
-          </a:p>
-        </p:txBody>
-      </p:sp>
-      <p:sp>
-        <p:nvSpPr>
-          <p:cNvPr id="3" name="Fußzeilenplatzhalter 2">
-            <a:extLst>
-              <a:ext uri="{FF2B5EF4-FFF2-40B4-BE49-F238E27FC236}">
-                <a16:creationId xmlns:a16="http://schemas.microsoft.com/office/drawing/2014/main" id="{02AD2DE0-F005-4C32-974F-F7F86BE48391}"/>
-              </a:ext>
-            </a:extLst>
-          </p:cNvPr>
-          <p:cNvSpPr>
-            <a:spLocks noGrp="1"/>
-          </p:cNvSpPr>
-          <p:nvPr>
-            <p:ph type="ftr" sz="quarter" idx="10"/>
-          </p:nvPr>
-        </p:nvSpPr>
-        <p:spPr/>
-        <p:txBody>
-          <a:bodyPr/>
-          <a:lstStyle/>
-          <a:p>
-            <a:pPr>
-              <a:defRPr/>
-            </a:pPr>
-            <a:r>
-              <a:rPr lang="en-US"/>
-              <a:t>Dimitrov, Drehwald, Guneshka, Häring, Stangel</a:t>
-            </a:r>
-            <a:endParaRPr lang="en-US" dirty="0"/>
-          </a:p>
-        </p:txBody>
-      </p:sp>
-      <p:sp>
-        <p:nvSpPr>
-          <p:cNvPr id="4" name="Datumsplatzhalter 3">
-            <a:extLst>
-              <a:ext uri="{FF2B5EF4-FFF2-40B4-BE49-F238E27FC236}">
-                <a16:creationId xmlns:a16="http://schemas.microsoft.com/office/drawing/2014/main" id="{C9E939C9-C552-41F0-863D-5CADD1D70733}"/>
-              </a:ext>
-            </a:extLst>
-          </p:cNvPr>
-          <p:cNvSpPr>
-            <a:spLocks noGrp="1"/>
-          </p:cNvSpPr>
-          <p:nvPr>
-            <p:ph type="dt" sz="half" idx="11"/>
-          </p:nvPr>
-        </p:nvSpPr>
-        <p:spPr/>
-        <p:txBody>
-          <a:bodyPr/>
-          <a:lstStyle/>
-          <a:p>
-            <a:r>
-              <a:rPr lang="en-US"/>
-              <a:t>Neural Network based Image Classification System on Heterogeneous Platforms</a:t>
-            </a:r>
-          </a:p>
-          <a:p>
-            <a:endParaRPr lang="de-DE" dirty="0"/>
-          </a:p>
-        </p:txBody>
-      </p:sp>
-      <p:sp>
-        <p:nvSpPr>
-          <p:cNvPr id="5" name="Foliennummernplatzhalter 4">
-            <a:extLst>
-              <a:ext uri="{FF2B5EF4-FFF2-40B4-BE49-F238E27FC236}">
-                <a16:creationId xmlns:a16="http://schemas.microsoft.com/office/drawing/2014/main" id="{AC541923-1212-42E6-AA2B-5AFD4FD1FEB7}"/>
-              </a:ext>
-            </a:extLst>
-          </p:cNvPr>
-          <p:cNvSpPr>
-            <a:spLocks noGrp="1"/>
-          </p:cNvSpPr>
-          <p:nvPr>
-            <p:ph type="sldNum" sz="quarter" idx="12"/>
-          </p:nvPr>
-        </p:nvSpPr>
-        <p:spPr/>
-        <p:txBody>
-          <a:bodyPr/>
-          <a:lstStyle/>
-          <a:p>
-            <a:fld id="{E55ABDE9-7D1A-4CAE-9056-F713D277A78C}" type="slidenum">
-              <a:rPr lang="de-DE" smtClean="0"/>
-              <a:pPr/>
-              <a:t>7</a:t>
-            </a:fld>
-            <a:endParaRPr lang="de-DE" dirty="0"/>
-          </a:p>
-        </p:txBody>
-      </p:sp>
-      <p:pic>
-        <p:nvPicPr>
-          <p:cNvPr id="7" name="Grafik 6" descr="Ein Bild, das Screenshot enthält.&#10;&#10;Automatisch generierte Beschreibung">
-            <a:extLst>
-              <a:ext uri="{FF2B5EF4-FFF2-40B4-BE49-F238E27FC236}">
-                <a16:creationId xmlns:a16="http://schemas.microsoft.com/office/drawing/2014/main" id="{B53D4A0C-3924-472F-A9CC-C117A2C0335F}"/>
-              </a:ext>
-            </a:extLst>
-          </p:cNvPr>
-          <p:cNvPicPr>
-            <a:picLocks noChangeAspect="1"/>
-          </p:cNvPicPr>
-          <p:nvPr/>
-        </p:nvPicPr>
-        <p:blipFill>
-          <a:blip r:embed="rId2">
-            <a:extLst>
-              <a:ext uri="{28A0092B-C50C-407E-A947-70E740481C1C}">
-                <a14:useLocalDpi xmlns:a14="http://schemas.microsoft.com/office/drawing/2010/main" val="0"/>
-              </a:ext>
-            </a:extLst>
-          </a:blip>
-          <a:stretch>
-            <a:fillRect/>
-          </a:stretch>
-        </p:blipFill>
-        <p:spPr>
-          <a:xfrm>
-            <a:off x="252000" y="1489363"/>
-            <a:ext cx="8640000" cy="4765091"/>
-          </a:xfrm>
-          <a:prstGeom prst="rect">
-            <a:avLst/>
-          </a:prstGeom>
-        </p:spPr>
-      </p:pic>
-    </p:spTree>
-    <p:extLst>
-      <p:ext uri="{BB962C8B-B14F-4D97-AF65-F5344CB8AC3E}">
-        <p14:creationId xmlns:p14="http://schemas.microsoft.com/office/powerpoint/2010/main" val="72236851"/>
-      </p:ext>
-    </p:extLst>
-  </p:cSld>
-  <p:clrMapOvr>
-    <a:masterClrMapping/>
-  </p:clrMapOvr>
-</p:sld>
-</file>
-
 <file path=ppt/slides/slide8.xml><?xml version="1.0" encoding="utf-8"?>
 <p:sld xmlns:a="http://schemas.openxmlformats.org/drawingml/2006/main" xmlns:r="http://schemas.openxmlformats.org/officeDocument/2006/relationships" xmlns:p="http://schemas.openxmlformats.org/presentationml/2006/main">
   <p:cSld>
@@ -6310,7 +6310,7 @@
             </a:r>
             <a:r>
               <a:rPr lang="en-US" dirty="0" err="1"/>
-              <a:t>getImage</a:t>
+              <a:t>getImages</a:t>
             </a:r>
             <a:endParaRPr lang="en-US" dirty="0"/>
           </a:p>

--- a/DesignPhase/colloqium_design.pptx
+++ b/DesignPhase/colloqium_design.pptx
@@ -5,10 +5,10 @@
     <p:sldMasterId id="2147483648" r:id="rId1"/>
   </p:sldMasterIdLst>
   <p:notesMasterIdLst>
-    <p:notesMasterId r:id="rId11"/>
+    <p:notesMasterId r:id="rId13"/>
   </p:notesMasterIdLst>
   <p:handoutMasterIdLst>
-    <p:handoutMasterId r:id="rId12"/>
+    <p:handoutMasterId r:id="rId14"/>
   </p:handoutMasterIdLst>
   <p:sldIdLst>
     <p:sldId id="273" r:id="rId2"/>
@@ -17,9 +17,11 @@
     <p:sldId id="276" r:id="rId5"/>
     <p:sldId id="277" r:id="rId6"/>
     <p:sldId id="279" r:id="rId7"/>
-    <p:sldId id="278" r:id="rId8"/>
-    <p:sldId id="280" r:id="rId9"/>
-    <p:sldId id="281" r:id="rId10"/>
+    <p:sldId id="282" r:id="rId8"/>
+    <p:sldId id="278" r:id="rId9"/>
+    <p:sldId id="283" r:id="rId10"/>
+    <p:sldId id="280" r:id="rId11"/>
+    <p:sldId id="281" r:id="rId12"/>
   </p:sldIdLst>
   <p:sldSz cx="9144000" cy="6858000" type="screen4x3"/>
   <p:notesSz cx="6858000" cy="9144000"/>
@@ -935,6 +937,128 @@
 </p:notes>
 </file>
 
+<file path=ppt/notesSlides/notesSlide10.xml><?xml version="1.0" encoding="utf-8"?>
+<p:notes xmlns:a="http://schemas.openxmlformats.org/drawingml/2006/main" xmlns:r="http://schemas.openxmlformats.org/officeDocument/2006/relationships" xmlns:p="http://schemas.openxmlformats.org/presentationml/2006/main">
+  <p:cSld>
+    <p:spTree>
+      <p:nvGrpSpPr>
+        <p:cNvPr id="1" name=""/>
+        <p:cNvGrpSpPr/>
+        <p:nvPr/>
+      </p:nvGrpSpPr>
+      <p:grpSpPr>
+        <a:xfrm>
+          <a:off x="0" y="0"/>
+          <a:ext cx="0" cy="0"/>
+          <a:chOff x="0" y="0"/>
+          <a:chExt cx="0" cy="0"/>
+        </a:xfrm>
+      </p:grpSpPr>
+      <p:sp>
+        <p:nvSpPr>
+          <p:cNvPr id="2" name="Folienbildplatzhalter 1"/>
+          <p:cNvSpPr>
+            <a:spLocks noGrp="1" noRot="1" noChangeAspect="1"/>
+          </p:cNvSpPr>
+          <p:nvPr>
+            <p:ph type="sldImg"/>
+          </p:nvPr>
+        </p:nvSpPr>
+        <p:spPr/>
+      </p:sp>
+      <p:sp>
+        <p:nvSpPr>
+          <p:cNvPr id="3" name="Notizenplatzhalter 2"/>
+          <p:cNvSpPr>
+            <a:spLocks noGrp="1"/>
+          </p:cNvSpPr>
+          <p:nvPr>
+            <p:ph type="body" idx="1"/>
+          </p:nvPr>
+        </p:nvSpPr>
+        <p:spPr/>
+        <p:txBody>
+          <a:bodyPr/>
+          <a:lstStyle/>
+          <a:p>
+            <a:endParaRPr lang="en-US" dirty="0"/>
+          </a:p>
+        </p:txBody>
+      </p:sp>
+      <p:sp>
+        <p:nvSpPr>
+          <p:cNvPr id="4" name="Fußzeilenplatzhalter 3"/>
+          <p:cNvSpPr>
+            <a:spLocks noGrp="1"/>
+          </p:cNvSpPr>
+          <p:nvPr>
+            <p:ph type="ftr" sz="quarter" idx="4"/>
+          </p:nvPr>
+        </p:nvSpPr>
+        <p:spPr/>
+        <p:txBody>
+          <a:bodyPr/>
+          <a:lstStyle/>
+          <a:p>
+            <a:pPr>
+              <a:defRPr/>
+            </a:pPr>
+            <a:r>
+              <a:rPr lang="de-DE"/>
+              <a:t>Prof. Dr. Max Mustermann | </a:t>
+            </a:r>
+            <a:br>
+              <a:rPr lang="de-DE"/>
+            </a:br>
+            <a:r>
+              <a:rPr lang="de-DE"/>
+              <a:t>Name of Faculty</a:t>
+            </a:r>
+          </a:p>
+        </p:txBody>
+      </p:sp>
+      <p:sp>
+        <p:nvSpPr>
+          <p:cNvPr id="5" name="Foliennummernplatzhalter 4"/>
+          <p:cNvSpPr>
+            <a:spLocks noGrp="1"/>
+          </p:cNvSpPr>
+          <p:nvPr>
+            <p:ph type="sldNum" sz="quarter" idx="5"/>
+          </p:nvPr>
+        </p:nvSpPr>
+        <p:spPr/>
+        <p:txBody>
+          <a:bodyPr/>
+          <a:lstStyle/>
+          <a:p>
+            <a:pPr>
+              <a:defRPr/>
+            </a:pPr>
+            <a:fld id="{32BDCDAC-DE62-4AD3-97B8-72AB65504827}" type="slidenum">
+              <a:rPr lang="de-DE" smtClean="0"/>
+              <a:pPr>
+                <a:defRPr/>
+              </a:pPr>
+              <a:t>11</a:t>
+            </a:fld>
+            <a:endParaRPr lang="de-DE"/>
+          </a:p>
+        </p:txBody>
+      </p:sp>
+    </p:spTree>
+    <p:extLst>
+      <p:ext uri="{BB962C8B-B14F-4D97-AF65-F5344CB8AC3E}">
+        <p14:creationId xmlns:p14="http://schemas.microsoft.com/office/powerpoint/2010/main" val="3677730453"/>
+      </p:ext>
+    </p:extLst>
+  </p:cSld>
+  <p:clrMapOvr>
+    <a:masterClrMapping/>
+  </p:clrMapOvr>
+</p:notes>
+</file>
+
 <file path=ppt/notesSlides/notesSlide2.xml><?xml version="1.0" encoding="utf-8"?>
 <p:notes xmlns:a="http://schemas.openxmlformats.org/drawingml/2006/main" xmlns:r="http://schemas.openxmlformats.org/officeDocument/2006/relationships" xmlns:p="http://schemas.openxmlformats.org/presentationml/2006/main">
   <p:cSld>
@@ -979,6 +1103,128 @@
           <a:bodyPr/>
           <a:lstStyle/>
           <a:p>
+            <a:endParaRPr lang="en-US" dirty="0"/>
+          </a:p>
+        </p:txBody>
+      </p:sp>
+      <p:sp>
+        <p:nvSpPr>
+          <p:cNvPr id="4" name="Fußzeilenplatzhalter 3"/>
+          <p:cNvSpPr>
+            <a:spLocks noGrp="1"/>
+          </p:cNvSpPr>
+          <p:nvPr>
+            <p:ph type="ftr" sz="quarter" idx="4"/>
+          </p:nvPr>
+        </p:nvSpPr>
+        <p:spPr/>
+        <p:txBody>
+          <a:bodyPr/>
+          <a:lstStyle/>
+          <a:p>
+            <a:pPr>
+              <a:defRPr/>
+            </a:pPr>
+            <a:r>
+              <a:rPr lang="de-DE"/>
+              <a:t>Prof. Dr. Max Mustermann | </a:t>
+            </a:r>
+            <a:br>
+              <a:rPr lang="de-DE"/>
+            </a:br>
+            <a:r>
+              <a:rPr lang="de-DE"/>
+              <a:t>Name of Faculty</a:t>
+            </a:r>
+          </a:p>
+        </p:txBody>
+      </p:sp>
+      <p:sp>
+        <p:nvSpPr>
+          <p:cNvPr id="5" name="Foliennummernplatzhalter 4"/>
+          <p:cNvSpPr>
+            <a:spLocks noGrp="1"/>
+          </p:cNvSpPr>
+          <p:nvPr>
+            <p:ph type="sldNum" sz="quarter" idx="5"/>
+          </p:nvPr>
+        </p:nvSpPr>
+        <p:spPr/>
+        <p:txBody>
+          <a:bodyPr/>
+          <a:lstStyle/>
+          <a:p>
+            <a:pPr>
+              <a:defRPr/>
+            </a:pPr>
+            <a:fld id="{32BDCDAC-DE62-4AD3-97B8-72AB65504827}" type="slidenum">
+              <a:rPr lang="de-DE" smtClean="0"/>
+              <a:pPr>
+                <a:defRPr/>
+              </a:pPr>
+              <a:t>2</a:t>
+            </a:fld>
+            <a:endParaRPr lang="de-DE"/>
+          </a:p>
+        </p:txBody>
+      </p:sp>
+    </p:spTree>
+    <p:extLst>
+      <p:ext uri="{BB962C8B-B14F-4D97-AF65-F5344CB8AC3E}">
+        <p14:creationId xmlns:p14="http://schemas.microsoft.com/office/powerpoint/2010/main" val="3854012460"/>
+      </p:ext>
+    </p:extLst>
+  </p:cSld>
+  <p:clrMapOvr>
+    <a:masterClrMapping/>
+  </p:clrMapOvr>
+</p:notes>
+</file>
+
+<file path=ppt/notesSlides/notesSlide3.xml><?xml version="1.0" encoding="utf-8"?>
+<p:notes xmlns:a="http://schemas.openxmlformats.org/drawingml/2006/main" xmlns:r="http://schemas.openxmlformats.org/officeDocument/2006/relationships" xmlns:p="http://schemas.openxmlformats.org/presentationml/2006/main">
+  <p:cSld>
+    <p:spTree>
+      <p:nvGrpSpPr>
+        <p:cNvPr id="1" name=""/>
+        <p:cNvGrpSpPr/>
+        <p:nvPr/>
+      </p:nvGrpSpPr>
+      <p:grpSpPr>
+        <a:xfrm>
+          <a:off x="0" y="0"/>
+          <a:ext cx="0" cy="0"/>
+          <a:chOff x="0" y="0"/>
+          <a:chExt cx="0" cy="0"/>
+        </a:xfrm>
+      </p:grpSpPr>
+      <p:sp>
+        <p:nvSpPr>
+          <p:cNvPr id="2" name="Folienbildplatzhalter 1"/>
+          <p:cNvSpPr>
+            <a:spLocks noGrp="1" noRot="1" noChangeAspect="1"/>
+          </p:cNvSpPr>
+          <p:nvPr>
+            <p:ph type="sldImg"/>
+          </p:nvPr>
+        </p:nvSpPr>
+        <p:spPr/>
+      </p:sp>
+      <p:sp>
+        <p:nvSpPr>
+          <p:cNvPr id="3" name="Notizenplatzhalter 2"/>
+          <p:cNvSpPr>
+            <a:spLocks noGrp="1"/>
+          </p:cNvSpPr>
+          <p:nvPr>
+            <p:ph type="body" idx="1"/>
+          </p:nvPr>
+        </p:nvSpPr>
+        <p:spPr/>
+        <p:txBody>
+          <a:bodyPr/>
+          <a:lstStyle/>
+          <a:p>
             <a:r>
               <a:rPr lang="en-US" dirty="0"/>
               <a:t>Who designed what…</a:t>
@@ -1151,6 +1397,814 @@
     <p:extLst>
       <p:ext uri="{BB962C8B-B14F-4D97-AF65-F5344CB8AC3E}">
         <p14:creationId xmlns:p14="http://schemas.microsoft.com/office/powerpoint/2010/main" val="2994986279"/>
+      </p:ext>
+    </p:extLst>
+  </p:cSld>
+  <p:clrMapOvr>
+    <a:masterClrMapping/>
+  </p:clrMapOvr>
+</p:notes>
+</file>
+
+<file path=ppt/notesSlides/notesSlide4.xml><?xml version="1.0" encoding="utf-8"?>
+<p:notes xmlns:a="http://schemas.openxmlformats.org/drawingml/2006/main" xmlns:r="http://schemas.openxmlformats.org/officeDocument/2006/relationships" xmlns:p="http://schemas.openxmlformats.org/presentationml/2006/main">
+  <p:cSld>
+    <p:spTree>
+      <p:nvGrpSpPr>
+        <p:cNvPr id="1" name=""/>
+        <p:cNvGrpSpPr/>
+        <p:nvPr/>
+      </p:nvGrpSpPr>
+      <p:grpSpPr>
+        <a:xfrm>
+          <a:off x="0" y="0"/>
+          <a:ext cx="0" cy="0"/>
+          <a:chOff x="0" y="0"/>
+          <a:chExt cx="0" cy="0"/>
+        </a:xfrm>
+      </p:grpSpPr>
+      <p:sp>
+        <p:nvSpPr>
+          <p:cNvPr id="2" name="Folienbildplatzhalter 1"/>
+          <p:cNvSpPr>
+            <a:spLocks noGrp="1" noRot="1" noChangeAspect="1"/>
+          </p:cNvSpPr>
+          <p:nvPr>
+            <p:ph type="sldImg"/>
+          </p:nvPr>
+        </p:nvSpPr>
+        <p:spPr/>
+      </p:sp>
+      <p:sp>
+        <p:nvSpPr>
+          <p:cNvPr id="3" name="Notizenplatzhalter 2"/>
+          <p:cNvSpPr>
+            <a:spLocks noGrp="1"/>
+          </p:cNvSpPr>
+          <p:nvPr>
+            <p:ph type="body" idx="1"/>
+          </p:nvPr>
+        </p:nvSpPr>
+        <p:spPr/>
+        <p:txBody>
+          <a:bodyPr/>
+          <a:lstStyle/>
+          <a:p>
+            <a:r>
+              <a:rPr lang="en-US" dirty="0"/>
+              <a:t>Pager for managing the results, can be skipped by neural network and image</a:t>
+            </a:r>
+          </a:p>
+          <a:p>
+            <a:r>
+              <a:rPr lang="en-US" dirty="0"/>
+              <a:t>Three setter</a:t>
+            </a:r>
+          </a:p>
+          <a:p>
+            <a:r>
+              <a:rPr lang="en-US" dirty="0"/>
+              <a:t>Distributor for acquire all needed data for the task: images, neural network, used devices, chosen mode</a:t>
+            </a:r>
+          </a:p>
+        </p:txBody>
+      </p:sp>
+      <p:sp>
+        <p:nvSpPr>
+          <p:cNvPr id="4" name="Fußzeilenplatzhalter 3"/>
+          <p:cNvSpPr>
+            <a:spLocks noGrp="1"/>
+          </p:cNvSpPr>
+          <p:nvPr>
+            <p:ph type="ftr" sz="quarter" idx="4"/>
+          </p:nvPr>
+        </p:nvSpPr>
+        <p:spPr/>
+        <p:txBody>
+          <a:bodyPr/>
+          <a:lstStyle/>
+          <a:p>
+            <a:pPr>
+              <a:defRPr/>
+            </a:pPr>
+            <a:r>
+              <a:rPr lang="de-DE"/>
+              <a:t>Prof. Dr. Max Mustermann | </a:t>
+            </a:r>
+            <a:br>
+              <a:rPr lang="de-DE"/>
+            </a:br>
+            <a:r>
+              <a:rPr lang="de-DE"/>
+              <a:t>Name of Faculty</a:t>
+            </a:r>
+          </a:p>
+        </p:txBody>
+      </p:sp>
+      <p:sp>
+        <p:nvSpPr>
+          <p:cNvPr id="5" name="Foliennummernplatzhalter 4"/>
+          <p:cNvSpPr>
+            <a:spLocks noGrp="1"/>
+          </p:cNvSpPr>
+          <p:nvPr>
+            <p:ph type="sldNum" sz="quarter" idx="5"/>
+          </p:nvPr>
+        </p:nvSpPr>
+        <p:spPr/>
+        <p:txBody>
+          <a:bodyPr/>
+          <a:lstStyle/>
+          <a:p>
+            <a:pPr>
+              <a:defRPr/>
+            </a:pPr>
+            <a:fld id="{32BDCDAC-DE62-4AD3-97B8-72AB65504827}" type="slidenum">
+              <a:rPr lang="de-DE" smtClean="0"/>
+              <a:pPr>
+                <a:defRPr/>
+              </a:pPr>
+              <a:t>4</a:t>
+            </a:fld>
+            <a:endParaRPr lang="de-DE"/>
+          </a:p>
+        </p:txBody>
+      </p:sp>
+    </p:spTree>
+    <p:extLst>
+      <p:ext uri="{BB962C8B-B14F-4D97-AF65-F5344CB8AC3E}">
+        <p14:creationId xmlns:p14="http://schemas.microsoft.com/office/powerpoint/2010/main" val="3820155856"/>
+      </p:ext>
+    </p:extLst>
+  </p:cSld>
+  <p:clrMapOvr>
+    <a:masterClrMapping/>
+  </p:clrMapOvr>
+</p:notes>
+</file>
+
+<file path=ppt/notesSlides/notesSlide5.xml><?xml version="1.0" encoding="utf-8"?>
+<p:notes xmlns:a="http://schemas.openxmlformats.org/drawingml/2006/main" xmlns:r="http://schemas.openxmlformats.org/officeDocument/2006/relationships" xmlns:p="http://schemas.openxmlformats.org/presentationml/2006/main">
+  <p:cSld>
+    <p:spTree>
+      <p:nvGrpSpPr>
+        <p:cNvPr id="1" name=""/>
+        <p:cNvGrpSpPr/>
+        <p:nvPr/>
+      </p:nvGrpSpPr>
+      <p:grpSpPr>
+        <a:xfrm>
+          <a:off x="0" y="0"/>
+          <a:ext cx="0" cy="0"/>
+          <a:chOff x="0" y="0"/>
+          <a:chExt cx="0" cy="0"/>
+        </a:xfrm>
+      </p:grpSpPr>
+      <p:sp>
+        <p:nvSpPr>
+          <p:cNvPr id="2" name="Folienbildplatzhalter 1"/>
+          <p:cNvSpPr>
+            <a:spLocks noGrp="1" noRot="1" noChangeAspect="1"/>
+          </p:cNvSpPr>
+          <p:nvPr>
+            <p:ph type="sldImg"/>
+          </p:nvPr>
+        </p:nvSpPr>
+        <p:spPr/>
+      </p:sp>
+      <p:sp>
+        <p:nvSpPr>
+          <p:cNvPr id="3" name="Notizenplatzhalter 2"/>
+          <p:cNvSpPr>
+            <a:spLocks noGrp="1"/>
+          </p:cNvSpPr>
+          <p:nvPr>
+            <p:ph type="body" idx="1"/>
+          </p:nvPr>
+        </p:nvSpPr>
+        <p:spPr/>
+        <p:txBody>
+          <a:bodyPr/>
+          <a:lstStyle/>
+          <a:p>
+            <a:r>
+              <a:rPr lang="en-US" dirty="0"/>
+              <a:t>Mode and device list for the current task is set</a:t>
+            </a:r>
+          </a:p>
+          <a:p>
+            <a:r>
+              <a:rPr lang="en-US" dirty="0"/>
+              <a:t>Then dispatch function is called</a:t>
+            </a:r>
+          </a:p>
+          <a:p>
+            <a:r>
+              <a:rPr lang="en-US" dirty="0"/>
+              <a:t>Acquires prediction of the devices</a:t>
+            </a:r>
+          </a:p>
+        </p:txBody>
+      </p:sp>
+      <p:sp>
+        <p:nvSpPr>
+          <p:cNvPr id="4" name="Fußzeilenplatzhalter 3"/>
+          <p:cNvSpPr>
+            <a:spLocks noGrp="1"/>
+          </p:cNvSpPr>
+          <p:nvPr>
+            <p:ph type="ftr" sz="quarter" idx="4"/>
+          </p:nvPr>
+        </p:nvSpPr>
+        <p:spPr/>
+        <p:txBody>
+          <a:bodyPr/>
+          <a:lstStyle/>
+          <a:p>
+            <a:pPr>
+              <a:defRPr/>
+            </a:pPr>
+            <a:r>
+              <a:rPr lang="de-DE"/>
+              <a:t>Prof. Dr. Max Mustermann | </a:t>
+            </a:r>
+            <a:br>
+              <a:rPr lang="de-DE"/>
+            </a:br>
+            <a:r>
+              <a:rPr lang="de-DE"/>
+              <a:t>Name of Faculty</a:t>
+            </a:r>
+          </a:p>
+        </p:txBody>
+      </p:sp>
+      <p:sp>
+        <p:nvSpPr>
+          <p:cNvPr id="5" name="Foliennummernplatzhalter 4"/>
+          <p:cNvSpPr>
+            <a:spLocks noGrp="1"/>
+          </p:cNvSpPr>
+          <p:nvPr>
+            <p:ph type="sldNum" sz="quarter" idx="5"/>
+          </p:nvPr>
+        </p:nvSpPr>
+        <p:spPr/>
+        <p:txBody>
+          <a:bodyPr/>
+          <a:lstStyle/>
+          <a:p>
+            <a:pPr>
+              <a:defRPr/>
+            </a:pPr>
+            <a:fld id="{32BDCDAC-DE62-4AD3-97B8-72AB65504827}" type="slidenum">
+              <a:rPr lang="de-DE" smtClean="0"/>
+              <a:pPr>
+                <a:defRPr/>
+              </a:pPr>
+              <a:t>5</a:t>
+            </a:fld>
+            <a:endParaRPr lang="de-DE"/>
+          </a:p>
+        </p:txBody>
+      </p:sp>
+    </p:spTree>
+    <p:extLst>
+      <p:ext uri="{BB962C8B-B14F-4D97-AF65-F5344CB8AC3E}">
+        <p14:creationId xmlns:p14="http://schemas.microsoft.com/office/powerpoint/2010/main" val="253211598"/>
+      </p:ext>
+    </p:extLst>
+  </p:cSld>
+  <p:clrMapOvr>
+    <a:masterClrMapping/>
+  </p:clrMapOvr>
+</p:notes>
+</file>
+
+<file path=ppt/notesSlides/notesSlide6.xml><?xml version="1.0" encoding="utf-8"?>
+<p:notes xmlns:a="http://schemas.openxmlformats.org/drawingml/2006/main" xmlns:r="http://schemas.openxmlformats.org/officeDocument/2006/relationships" xmlns:p="http://schemas.openxmlformats.org/presentationml/2006/main">
+  <p:cSld>
+    <p:spTree>
+      <p:nvGrpSpPr>
+        <p:cNvPr id="1" name=""/>
+        <p:cNvGrpSpPr/>
+        <p:nvPr/>
+      </p:nvGrpSpPr>
+      <p:grpSpPr>
+        <a:xfrm>
+          <a:off x="0" y="0"/>
+          <a:ext cx="0" cy="0"/>
+          <a:chOff x="0" y="0"/>
+          <a:chExt cx="0" cy="0"/>
+        </a:xfrm>
+      </p:grpSpPr>
+      <p:sp>
+        <p:nvSpPr>
+          <p:cNvPr id="2" name="Folienbildplatzhalter 1"/>
+          <p:cNvSpPr>
+            <a:spLocks noGrp="1" noRot="1" noChangeAspect="1"/>
+          </p:cNvSpPr>
+          <p:nvPr>
+            <p:ph type="sldImg"/>
+          </p:nvPr>
+        </p:nvSpPr>
+        <p:spPr/>
+      </p:sp>
+      <p:sp>
+        <p:nvSpPr>
+          <p:cNvPr id="3" name="Notizenplatzhalter 2"/>
+          <p:cNvSpPr>
+            <a:spLocks noGrp="1"/>
+          </p:cNvSpPr>
+          <p:nvPr>
+            <p:ph type="body" idx="1"/>
+          </p:nvPr>
+        </p:nvSpPr>
+        <p:spPr/>
+        <p:txBody>
+          <a:bodyPr/>
+          <a:lstStyle/>
+          <a:p>
+            <a:r>
+              <a:rPr lang="en-US" dirty="0"/>
+              <a:t>Prediction for power and performance by hard coded values in a .txt file</a:t>
+            </a:r>
+          </a:p>
+          <a:p>
+            <a:r>
+              <a:rPr lang="en-US" dirty="0"/>
+              <a:t>Performance prediction decorated with a current performance prediction by a test neural network and image</a:t>
+            </a:r>
+          </a:p>
+        </p:txBody>
+      </p:sp>
+      <p:sp>
+        <p:nvSpPr>
+          <p:cNvPr id="4" name="Fußzeilenplatzhalter 3"/>
+          <p:cNvSpPr>
+            <a:spLocks noGrp="1"/>
+          </p:cNvSpPr>
+          <p:nvPr>
+            <p:ph type="ftr" sz="quarter" idx="4"/>
+          </p:nvPr>
+        </p:nvSpPr>
+        <p:spPr/>
+        <p:txBody>
+          <a:bodyPr/>
+          <a:lstStyle/>
+          <a:p>
+            <a:pPr>
+              <a:defRPr/>
+            </a:pPr>
+            <a:r>
+              <a:rPr lang="de-DE"/>
+              <a:t>Prof. Dr. Max Mustermann | </a:t>
+            </a:r>
+            <a:br>
+              <a:rPr lang="de-DE"/>
+            </a:br>
+            <a:r>
+              <a:rPr lang="de-DE"/>
+              <a:t>Name of Faculty</a:t>
+            </a:r>
+          </a:p>
+        </p:txBody>
+      </p:sp>
+      <p:sp>
+        <p:nvSpPr>
+          <p:cNvPr id="5" name="Foliennummernplatzhalter 4"/>
+          <p:cNvSpPr>
+            <a:spLocks noGrp="1"/>
+          </p:cNvSpPr>
+          <p:nvPr>
+            <p:ph type="sldNum" sz="quarter" idx="5"/>
+          </p:nvPr>
+        </p:nvSpPr>
+        <p:spPr/>
+        <p:txBody>
+          <a:bodyPr/>
+          <a:lstStyle/>
+          <a:p>
+            <a:pPr>
+              <a:defRPr/>
+            </a:pPr>
+            <a:fld id="{32BDCDAC-DE62-4AD3-97B8-72AB65504827}" type="slidenum">
+              <a:rPr lang="de-DE" smtClean="0"/>
+              <a:pPr>
+                <a:defRPr/>
+              </a:pPr>
+              <a:t>6</a:t>
+            </a:fld>
+            <a:endParaRPr lang="de-DE"/>
+          </a:p>
+        </p:txBody>
+      </p:sp>
+    </p:spTree>
+    <p:extLst>
+      <p:ext uri="{BB962C8B-B14F-4D97-AF65-F5344CB8AC3E}">
+        <p14:creationId xmlns:p14="http://schemas.microsoft.com/office/powerpoint/2010/main" val="143469060"/>
+      </p:ext>
+    </p:extLst>
+  </p:cSld>
+  <p:clrMapOvr>
+    <a:masterClrMapping/>
+  </p:clrMapOvr>
+</p:notes>
+</file>
+
+<file path=ppt/notesSlides/notesSlide7.xml><?xml version="1.0" encoding="utf-8"?>
+<p:notes xmlns:a="http://schemas.openxmlformats.org/drawingml/2006/main" xmlns:r="http://schemas.openxmlformats.org/officeDocument/2006/relationships" xmlns:p="http://schemas.openxmlformats.org/presentationml/2006/main">
+  <p:cSld>
+    <p:spTree>
+      <p:nvGrpSpPr>
+        <p:cNvPr id="1" name=""/>
+        <p:cNvGrpSpPr/>
+        <p:nvPr/>
+      </p:nvGrpSpPr>
+      <p:grpSpPr>
+        <a:xfrm>
+          <a:off x="0" y="0"/>
+          <a:ext cx="0" cy="0"/>
+          <a:chOff x="0" y="0"/>
+          <a:chExt cx="0" cy="0"/>
+        </a:xfrm>
+      </p:grpSpPr>
+      <p:sp>
+        <p:nvSpPr>
+          <p:cNvPr id="2" name="Folienbildplatzhalter 1"/>
+          <p:cNvSpPr>
+            <a:spLocks noGrp="1" noRot="1" noChangeAspect="1"/>
+          </p:cNvSpPr>
+          <p:nvPr>
+            <p:ph type="sldImg"/>
+          </p:nvPr>
+        </p:nvSpPr>
+        <p:spPr/>
+      </p:sp>
+      <p:sp>
+        <p:nvSpPr>
+          <p:cNvPr id="3" name="Notizenplatzhalter 2"/>
+          <p:cNvSpPr>
+            <a:spLocks noGrp="1"/>
+          </p:cNvSpPr>
+          <p:nvPr>
+            <p:ph type="body" idx="1"/>
+          </p:nvPr>
+        </p:nvSpPr>
+        <p:spPr/>
+        <p:txBody>
+          <a:bodyPr/>
+          <a:lstStyle/>
+          <a:p>
+            <a:r>
+              <a:rPr lang="en-US" dirty="0"/>
+              <a:t>Prediction are stored in device</a:t>
+            </a:r>
+          </a:p>
+          <a:p>
+            <a:r>
+              <a:rPr lang="en-US" dirty="0"/>
+              <a:t>Calls mode to </a:t>
+            </a:r>
+            <a:r>
+              <a:rPr lang="en-US" dirty="0" err="1"/>
+              <a:t>getImageDistribution</a:t>
+            </a:r>
+            <a:endParaRPr lang="en-US" dirty="0"/>
+          </a:p>
+          <a:p>
+            <a:r>
+              <a:rPr lang="en-US" dirty="0"/>
+              <a:t>Mode calculates the optimal distribution regarding the parameters power and performance</a:t>
+            </a:r>
+          </a:p>
+        </p:txBody>
+      </p:sp>
+      <p:sp>
+        <p:nvSpPr>
+          <p:cNvPr id="4" name="Fußzeilenplatzhalter 3"/>
+          <p:cNvSpPr>
+            <a:spLocks noGrp="1"/>
+          </p:cNvSpPr>
+          <p:nvPr>
+            <p:ph type="ftr" sz="quarter" idx="4"/>
+          </p:nvPr>
+        </p:nvSpPr>
+        <p:spPr/>
+        <p:txBody>
+          <a:bodyPr/>
+          <a:lstStyle/>
+          <a:p>
+            <a:pPr>
+              <a:defRPr/>
+            </a:pPr>
+            <a:r>
+              <a:rPr lang="de-DE"/>
+              <a:t>Prof. Dr. Max Mustermann | </a:t>
+            </a:r>
+            <a:br>
+              <a:rPr lang="de-DE"/>
+            </a:br>
+            <a:r>
+              <a:rPr lang="de-DE"/>
+              <a:t>Name of Faculty</a:t>
+            </a:r>
+          </a:p>
+        </p:txBody>
+      </p:sp>
+      <p:sp>
+        <p:nvSpPr>
+          <p:cNvPr id="5" name="Foliennummernplatzhalter 4"/>
+          <p:cNvSpPr>
+            <a:spLocks noGrp="1"/>
+          </p:cNvSpPr>
+          <p:nvPr>
+            <p:ph type="sldNum" sz="quarter" idx="5"/>
+          </p:nvPr>
+        </p:nvSpPr>
+        <p:spPr/>
+        <p:txBody>
+          <a:bodyPr/>
+          <a:lstStyle/>
+          <a:p>
+            <a:pPr>
+              <a:defRPr/>
+            </a:pPr>
+            <a:fld id="{32BDCDAC-DE62-4AD3-97B8-72AB65504827}" type="slidenum">
+              <a:rPr lang="de-DE" smtClean="0"/>
+              <a:pPr>
+                <a:defRPr/>
+              </a:pPr>
+              <a:t>7</a:t>
+            </a:fld>
+            <a:endParaRPr lang="de-DE"/>
+          </a:p>
+        </p:txBody>
+      </p:sp>
+    </p:spTree>
+    <p:extLst>
+      <p:ext uri="{BB962C8B-B14F-4D97-AF65-F5344CB8AC3E}">
+        <p14:creationId xmlns:p14="http://schemas.microsoft.com/office/powerpoint/2010/main" val="1519632844"/>
+      </p:ext>
+    </p:extLst>
+  </p:cSld>
+  <p:clrMapOvr>
+    <a:masterClrMapping/>
+  </p:clrMapOvr>
+</p:notes>
+</file>
+
+<file path=ppt/notesSlides/notesSlide8.xml><?xml version="1.0" encoding="utf-8"?>
+<p:notes xmlns:a="http://schemas.openxmlformats.org/drawingml/2006/main" xmlns:r="http://schemas.openxmlformats.org/officeDocument/2006/relationships" xmlns:p="http://schemas.openxmlformats.org/presentationml/2006/main">
+  <p:cSld>
+    <p:spTree>
+      <p:nvGrpSpPr>
+        <p:cNvPr id="1" name=""/>
+        <p:cNvGrpSpPr/>
+        <p:nvPr/>
+      </p:nvGrpSpPr>
+      <p:grpSpPr>
+        <a:xfrm>
+          <a:off x="0" y="0"/>
+          <a:ext cx="0" cy="0"/>
+          <a:chOff x="0" y="0"/>
+          <a:chExt cx="0" cy="0"/>
+        </a:xfrm>
+      </p:grpSpPr>
+      <p:sp>
+        <p:nvSpPr>
+          <p:cNvPr id="2" name="Folienbildplatzhalter 1"/>
+          <p:cNvSpPr>
+            <a:spLocks noGrp="1" noRot="1" noChangeAspect="1"/>
+          </p:cNvSpPr>
+          <p:nvPr>
+            <p:ph type="sldImg"/>
+          </p:nvPr>
+        </p:nvSpPr>
+        <p:spPr/>
+      </p:sp>
+      <p:sp>
+        <p:nvSpPr>
+          <p:cNvPr id="3" name="Notizenplatzhalter 2"/>
+          <p:cNvSpPr>
+            <a:spLocks noGrp="1"/>
+          </p:cNvSpPr>
+          <p:nvPr>
+            <p:ph type="body" idx="1"/>
+          </p:nvPr>
+        </p:nvSpPr>
+        <p:spPr/>
+        <p:txBody>
+          <a:bodyPr/>
+          <a:lstStyle/>
+          <a:p>
+            <a:r>
+              <a:rPr lang="en-US" dirty="0" err="1"/>
+              <a:t>DispatchManager</a:t>
+            </a:r>
+            <a:r>
+              <a:rPr lang="en-US" dirty="0"/>
+              <a:t> open communication channels according to the distribution</a:t>
+            </a:r>
+          </a:p>
+          <a:p>
+            <a:endParaRPr lang="en-US" dirty="0"/>
+          </a:p>
+        </p:txBody>
+      </p:sp>
+      <p:sp>
+        <p:nvSpPr>
+          <p:cNvPr id="4" name="Fußzeilenplatzhalter 3"/>
+          <p:cNvSpPr>
+            <a:spLocks noGrp="1"/>
+          </p:cNvSpPr>
+          <p:nvPr>
+            <p:ph type="ftr" sz="quarter" idx="4"/>
+          </p:nvPr>
+        </p:nvSpPr>
+        <p:spPr/>
+        <p:txBody>
+          <a:bodyPr/>
+          <a:lstStyle/>
+          <a:p>
+            <a:pPr>
+              <a:defRPr/>
+            </a:pPr>
+            <a:r>
+              <a:rPr lang="de-DE"/>
+              <a:t>Prof. Dr. Max Mustermann | </a:t>
+            </a:r>
+            <a:br>
+              <a:rPr lang="de-DE"/>
+            </a:br>
+            <a:r>
+              <a:rPr lang="de-DE"/>
+              <a:t>Name of Faculty</a:t>
+            </a:r>
+          </a:p>
+        </p:txBody>
+      </p:sp>
+      <p:sp>
+        <p:nvSpPr>
+          <p:cNvPr id="5" name="Foliennummernplatzhalter 4"/>
+          <p:cNvSpPr>
+            <a:spLocks noGrp="1"/>
+          </p:cNvSpPr>
+          <p:nvPr>
+            <p:ph type="sldNum" sz="quarter" idx="5"/>
+          </p:nvPr>
+        </p:nvSpPr>
+        <p:spPr/>
+        <p:txBody>
+          <a:bodyPr/>
+          <a:lstStyle/>
+          <a:p>
+            <a:pPr>
+              <a:defRPr/>
+            </a:pPr>
+            <a:fld id="{32BDCDAC-DE62-4AD3-97B8-72AB65504827}" type="slidenum">
+              <a:rPr lang="de-DE" smtClean="0"/>
+              <a:pPr>
+                <a:defRPr/>
+              </a:pPr>
+              <a:t>8</a:t>
+            </a:fld>
+            <a:endParaRPr lang="de-DE"/>
+          </a:p>
+        </p:txBody>
+      </p:sp>
+    </p:spTree>
+    <p:extLst>
+      <p:ext uri="{BB962C8B-B14F-4D97-AF65-F5344CB8AC3E}">
+        <p14:creationId xmlns:p14="http://schemas.microsoft.com/office/powerpoint/2010/main" val="2078269049"/>
+      </p:ext>
+    </p:extLst>
+  </p:cSld>
+  <p:clrMapOvr>
+    <a:masterClrMapping/>
+  </p:clrMapOvr>
+</p:notes>
+</file>
+
+<file path=ppt/notesSlides/notesSlide9.xml><?xml version="1.0" encoding="utf-8"?>
+<p:notes xmlns:a="http://schemas.openxmlformats.org/drawingml/2006/main" xmlns:r="http://schemas.openxmlformats.org/officeDocument/2006/relationships" xmlns:p="http://schemas.openxmlformats.org/presentationml/2006/main">
+  <p:cSld>
+    <p:spTree>
+      <p:nvGrpSpPr>
+        <p:cNvPr id="1" name=""/>
+        <p:cNvGrpSpPr/>
+        <p:nvPr/>
+      </p:nvGrpSpPr>
+      <p:grpSpPr>
+        <a:xfrm>
+          <a:off x="0" y="0"/>
+          <a:ext cx="0" cy="0"/>
+          <a:chOff x="0" y="0"/>
+          <a:chExt cx="0" cy="0"/>
+        </a:xfrm>
+      </p:grpSpPr>
+      <p:sp>
+        <p:nvSpPr>
+          <p:cNvPr id="2" name="Folienbildplatzhalter 1"/>
+          <p:cNvSpPr>
+            <a:spLocks noGrp="1" noRot="1" noChangeAspect="1"/>
+          </p:cNvSpPr>
+          <p:nvPr>
+            <p:ph type="sldImg"/>
+          </p:nvPr>
+        </p:nvSpPr>
+        <p:spPr/>
+      </p:sp>
+      <p:sp>
+        <p:nvSpPr>
+          <p:cNvPr id="3" name="Notizenplatzhalter 2"/>
+          <p:cNvSpPr>
+            <a:spLocks noGrp="1"/>
+          </p:cNvSpPr>
+          <p:nvPr>
+            <p:ph type="body" idx="1"/>
+          </p:nvPr>
+        </p:nvSpPr>
+        <p:spPr/>
+        <p:txBody>
+          <a:bodyPr/>
+          <a:lstStyle/>
+          <a:p>
+            <a:r>
+              <a:rPr lang="en-US" dirty="0" err="1"/>
+              <a:t>Voilá</a:t>
+            </a:r>
+            <a:r>
+              <a:rPr lang="en-US" dirty="0"/>
+              <a:t> you have the result</a:t>
+            </a:r>
+          </a:p>
+        </p:txBody>
+      </p:sp>
+      <p:sp>
+        <p:nvSpPr>
+          <p:cNvPr id="4" name="Fußzeilenplatzhalter 3"/>
+          <p:cNvSpPr>
+            <a:spLocks noGrp="1"/>
+          </p:cNvSpPr>
+          <p:nvPr>
+            <p:ph type="ftr" sz="quarter" idx="4"/>
+          </p:nvPr>
+        </p:nvSpPr>
+        <p:spPr/>
+        <p:txBody>
+          <a:bodyPr/>
+          <a:lstStyle/>
+          <a:p>
+            <a:pPr>
+              <a:defRPr/>
+            </a:pPr>
+            <a:r>
+              <a:rPr lang="de-DE"/>
+              <a:t>Prof. Dr. Max Mustermann | </a:t>
+            </a:r>
+            <a:br>
+              <a:rPr lang="de-DE"/>
+            </a:br>
+            <a:r>
+              <a:rPr lang="de-DE"/>
+              <a:t>Name of Faculty</a:t>
+            </a:r>
+          </a:p>
+        </p:txBody>
+      </p:sp>
+      <p:sp>
+        <p:nvSpPr>
+          <p:cNvPr id="5" name="Foliennummernplatzhalter 4"/>
+          <p:cNvSpPr>
+            <a:spLocks noGrp="1"/>
+          </p:cNvSpPr>
+          <p:nvPr>
+            <p:ph type="sldNum" sz="quarter" idx="5"/>
+          </p:nvPr>
+        </p:nvSpPr>
+        <p:spPr/>
+        <p:txBody>
+          <a:bodyPr/>
+          <a:lstStyle/>
+          <a:p>
+            <a:pPr>
+              <a:defRPr/>
+            </a:pPr>
+            <a:fld id="{32BDCDAC-DE62-4AD3-97B8-72AB65504827}" type="slidenum">
+              <a:rPr lang="de-DE" smtClean="0"/>
+              <a:pPr>
+                <a:defRPr/>
+              </a:pPr>
+              <a:t>9</a:t>
+            </a:fld>
+            <a:endParaRPr lang="de-DE"/>
+          </a:p>
+        </p:txBody>
+      </p:sp>
+    </p:spTree>
+    <p:extLst>
+      <p:ext uri="{BB962C8B-B14F-4D97-AF65-F5344CB8AC3E}">
+        <p14:creationId xmlns:p14="http://schemas.microsoft.com/office/powerpoint/2010/main" val="4158435612"/>
       </p:ext>
     </p:extLst>
   </p:cSld>
@@ -3912,7 +4966,7 @@
 </p:sld>
 </file>
 
-<file path=ppt/slides/slide2.xml><?xml version="1.0" encoding="utf-8"?>
+<file path=ppt/slides/slide10.xml><?xml version="1.0" encoding="utf-8"?>
 <p:sld xmlns:a="http://schemas.openxmlformats.org/drawingml/2006/main" xmlns:r="http://schemas.openxmlformats.org/officeDocument/2006/relationships" xmlns:p="http://schemas.openxmlformats.org/presentationml/2006/main">
   <p:cSld>
     <p:spTree>
@@ -3934,1577 +4988,6 @@
           <p:cNvPr id="2" name="Titel 1">
             <a:extLst>
               <a:ext uri="{FF2B5EF4-FFF2-40B4-BE49-F238E27FC236}">
-                <a16:creationId xmlns:a16="http://schemas.microsoft.com/office/drawing/2014/main" id="{FB3FD186-A062-485A-9314-8EBFED13C7C1}"/>
-              </a:ext>
-            </a:extLst>
-          </p:cNvPr>
-          <p:cNvSpPr>
-            <a:spLocks noGrp="1"/>
-          </p:cNvSpPr>
-          <p:nvPr>
-            <p:ph type="title"/>
-          </p:nvPr>
-        </p:nvSpPr>
-        <p:spPr>
-          <a:xfrm>
-            <a:off x="390525" y="333375"/>
-            <a:ext cx="6911975" cy="561975"/>
-          </a:xfrm>
-        </p:spPr>
-        <p:txBody>
-          <a:bodyPr/>
-          <a:lstStyle/>
-          <a:p>
-            <a:r>
-              <a:rPr lang="de-DE" dirty="0"/>
-              <a:t>Roadmap</a:t>
-            </a:r>
-          </a:p>
-        </p:txBody>
-      </p:sp>
-      <p:sp>
-        <p:nvSpPr>
-          <p:cNvPr id="3" name="Inhaltsplatzhalter 2">
-            <a:extLst>
-              <a:ext uri="{FF2B5EF4-FFF2-40B4-BE49-F238E27FC236}">
-                <a16:creationId xmlns:a16="http://schemas.microsoft.com/office/drawing/2014/main" id="{0753E92E-8410-43A2-864C-6299AA9DB8B6}"/>
-              </a:ext>
-            </a:extLst>
-          </p:cNvPr>
-          <p:cNvSpPr>
-            <a:spLocks noGrp="1"/>
-          </p:cNvSpPr>
-          <p:nvPr>
-            <p:ph idx="1"/>
-          </p:nvPr>
-        </p:nvSpPr>
-        <p:spPr/>
-        <p:txBody>
-          <a:bodyPr/>
-          <a:lstStyle/>
-          <a:p>
-            <a:r>
-              <a:rPr lang="en-US" dirty="0"/>
-              <a:t>Package design</a:t>
-            </a:r>
-          </a:p>
-          <a:p>
-            <a:pPr marL="0" indent="0">
-              <a:buNone/>
-            </a:pPr>
-            <a:endParaRPr lang="en-US" dirty="0"/>
-          </a:p>
-          <a:p>
-            <a:r>
-              <a:rPr lang="en-US" dirty="0"/>
-              <a:t>Process of image classification</a:t>
-            </a:r>
-          </a:p>
-          <a:p>
-            <a:pPr lvl="1"/>
-            <a:r>
-              <a:rPr lang="en-US" dirty="0"/>
-              <a:t>Class diagrams of the process in the controller</a:t>
-            </a:r>
-          </a:p>
-          <a:p>
-            <a:pPr lvl="1"/>
-            <a:r>
-              <a:rPr lang="en-US" dirty="0"/>
-              <a:t>Sequence diagram for getting the image</a:t>
-            </a:r>
-          </a:p>
-          <a:p>
-            <a:endParaRPr lang="en-US" dirty="0"/>
-          </a:p>
-          <a:p>
-            <a:r>
-              <a:rPr lang="en-US" dirty="0"/>
-              <a:t>Next steps</a:t>
-            </a:r>
-          </a:p>
-        </p:txBody>
-      </p:sp>
-      <p:sp>
-        <p:nvSpPr>
-          <p:cNvPr id="4" name="Datumsplatzhalter 3">
-            <a:extLst>
-              <a:ext uri="{FF2B5EF4-FFF2-40B4-BE49-F238E27FC236}">
-                <a16:creationId xmlns:a16="http://schemas.microsoft.com/office/drawing/2014/main" id="{9B49551B-67BB-4FA0-B23F-E157C26A77E2}"/>
-              </a:ext>
-            </a:extLst>
-          </p:cNvPr>
-          <p:cNvSpPr>
-            <a:spLocks noGrp="1"/>
-          </p:cNvSpPr>
-          <p:nvPr>
-            <p:ph type="dt" sz="half" idx="2"/>
-          </p:nvPr>
-        </p:nvSpPr>
-        <p:spPr/>
-        <p:txBody>
-          <a:bodyPr/>
-          <a:lstStyle/>
-          <a:p>
-            <a:r>
-              <a:rPr lang="en-US"/>
-              <a:t>Neural Network based Image Classification System on Heterogeneous Platforms</a:t>
-            </a:r>
-          </a:p>
-          <a:p>
-            <a:endParaRPr lang="de-DE" dirty="0"/>
-          </a:p>
-        </p:txBody>
-      </p:sp>
-      <p:sp>
-        <p:nvSpPr>
-          <p:cNvPr id="5" name="Foliennummernplatzhalter 4">
-            <a:extLst>
-              <a:ext uri="{FF2B5EF4-FFF2-40B4-BE49-F238E27FC236}">
-                <a16:creationId xmlns:a16="http://schemas.microsoft.com/office/drawing/2014/main" id="{726DC489-6C95-4D1A-97DD-717292A7AD30}"/>
-              </a:ext>
-            </a:extLst>
-          </p:cNvPr>
-          <p:cNvSpPr>
-            <a:spLocks noGrp="1"/>
-          </p:cNvSpPr>
-          <p:nvPr>
-            <p:ph type="sldNum" sz="quarter" idx="4"/>
-          </p:nvPr>
-        </p:nvSpPr>
-        <p:spPr/>
-        <p:txBody>
-          <a:bodyPr/>
-          <a:lstStyle/>
-          <a:p>
-            <a:fld id="{E55ABDE9-7D1A-4CAE-9056-F713D277A78C}" type="slidenum">
-              <a:rPr lang="de-DE" smtClean="0"/>
-              <a:pPr/>
-              <a:t>2</a:t>
-            </a:fld>
-            <a:endParaRPr lang="de-DE" dirty="0"/>
-          </a:p>
-        </p:txBody>
-      </p:sp>
-      <p:sp>
-        <p:nvSpPr>
-          <p:cNvPr id="6" name="Fußzeilenplatzhalter 5">
-            <a:extLst>
-              <a:ext uri="{FF2B5EF4-FFF2-40B4-BE49-F238E27FC236}">
-                <a16:creationId xmlns:a16="http://schemas.microsoft.com/office/drawing/2014/main" id="{A670A551-81CF-4DA5-9E11-323394DAB52C}"/>
-              </a:ext>
-            </a:extLst>
-          </p:cNvPr>
-          <p:cNvSpPr>
-            <a:spLocks noGrp="1"/>
-          </p:cNvSpPr>
-          <p:nvPr>
-            <p:ph type="ftr" sz="quarter" idx="3"/>
-          </p:nvPr>
-        </p:nvSpPr>
-        <p:spPr/>
-        <p:txBody>
-          <a:bodyPr/>
-          <a:lstStyle/>
-          <a:p>
-            <a:pPr>
-              <a:defRPr/>
-            </a:pPr>
-            <a:r>
-              <a:rPr lang="en-US"/>
-              <a:t>Dimitrov, Drehwald, Guneshka, Häring, Stangel</a:t>
-            </a:r>
-            <a:endParaRPr lang="en-US" dirty="0"/>
-          </a:p>
-        </p:txBody>
-      </p:sp>
-    </p:spTree>
-    <p:extLst>
-      <p:ext uri="{BB962C8B-B14F-4D97-AF65-F5344CB8AC3E}">
-        <p14:creationId xmlns:p14="http://schemas.microsoft.com/office/powerpoint/2010/main" val="3242364237"/>
-      </p:ext>
-    </p:extLst>
-  </p:cSld>
-  <p:clrMapOvr>
-    <a:masterClrMapping/>
-  </p:clrMapOvr>
-</p:sld>
-</file>
-
-<file path=ppt/slides/slide3.xml><?xml version="1.0" encoding="utf-8"?>
-<p:sld xmlns:a="http://schemas.openxmlformats.org/drawingml/2006/main" xmlns:r="http://schemas.openxmlformats.org/officeDocument/2006/relationships" xmlns:p="http://schemas.openxmlformats.org/presentationml/2006/main">
-  <p:cSld>
-    <p:spTree>
-      <p:nvGrpSpPr>
-        <p:cNvPr id="1" name=""/>
-        <p:cNvGrpSpPr/>
-        <p:nvPr/>
-      </p:nvGrpSpPr>
-      <p:grpSpPr>
-        <a:xfrm>
-          <a:off x="0" y="0"/>
-          <a:ext cx="0" cy="0"/>
-          <a:chOff x="0" y="0"/>
-          <a:chExt cx="0" cy="0"/>
-        </a:xfrm>
-      </p:grpSpPr>
-      <p:sp>
-        <p:nvSpPr>
-          <p:cNvPr id="2" name="Titel 1">
-            <a:extLst>
-              <a:ext uri="{FF2B5EF4-FFF2-40B4-BE49-F238E27FC236}">
-                <a16:creationId xmlns:a16="http://schemas.microsoft.com/office/drawing/2014/main" id="{964DBE75-A83B-408D-B8D9-CC9EA1662372}"/>
-              </a:ext>
-            </a:extLst>
-          </p:cNvPr>
-          <p:cNvSpPr>
-            <a:spLocks noGrp="1"/>
-          </p:cNvSpPr>
-          <p:nvPr>
-            <p:ph type="title"/>
-          </p:nvPr>
-        </p:nvSpPr>
-        <p:spPr/>
-        <p:txBody>
-          <a:bodyPr/>
-          <a:lstStyle/>
-          <a:p>
-            <a:r>
-              <a:rPr lang="en-US" dirty="0"/>
-              <a:t>Package design</a:t>
-            </a:r>
-          </a:p>
-        </p:txBody>
-      </p:sp>
-      <p:sp>
-        <p:nvSpPr>
-          <p:cNvPr id="3" name="Fußzeilenplatzhalter 2">
-            <a:extLst>
-              <a:ext uri="{FF2B5EF4-FFF2-40B4-BE49-F238E27FC236}">
-                <a16:creationId xmlns:a16="http://schemas.microsoft.com/office/drawing/2014/main" id="{0BB8799E-1CA8-4073-ADC7-43730AAF8A74}"/>
-              </a:ext>
-            </a:extLst>
-          </p:cNvPr>
-          <p:cNvSpPr>
-            <a:spLocks noGrp="1"/>
-          </p:cNvSpPr>
-          <p:nvPr>
-            <p:ph type="ftr" sz="quarter" idx="10"/>
-          </p:nvPr>
-        </p:nvSpPr>
-        <p:spPr/>
-        <p:txBody>
-          <a:bodyPr/>
-          <a:lstStyle/>
-          <a:p>
-            <a:pPr>
-              <a:defRPr/>
-            </a:pPr>
-            <a:r>
-              <a:rPr lang="en-US"/>
-              <a:t>Dimitrov, Drehwald, Guneshka, Häring, Stangel</a:t>
-            </a:r>
-            <a:endParaRPr lang="en-US" dirty="0"/>
-          </a:p>
-        </p:txBody>
-      </p:sp>
-      <p:sp>
-        <p:nvSpPr>
-          <p:cNvPr id="4" name="Datumsplatzhalter 3">
-            <a:extLst>
-              <a:ext uri="{FF2B5EF4-FFF2-40B4-BE49-F238E27FC236}">
-                <a16:creationId xmlns:a16="http://schemas.microsoft.com/office/drawing/2014/main" id="{ECFA7BED-FB02-4DA8-AA4C-ECADFE28B29B}"/>
-              </a:ext>
-            </a:extLst>
-          </p:cNvPr>
-          <p:cNvSpPr>
-            <a:spLocks noGrp="1"/>
-          </p:cNvSpPr>
-          <p:nvPr>
-            <p:ph type="dt" sz="half" idx="11"/>
-          </p:nvPr>
-        </p:nvSpPr>
-        <p:spPr/>
-        <p:txBody>
-          <a:bodyPr/>
-          <a:lstStyle/>
-          <a:p>
-            <a:r>
-              <a:rPr lang="en-US"/>
-              <a:t>Neural Network based Image Classification System on Heterogeneous Platforms</a:t>
-            </a:r>
-          </a:p>
-          <a:p>
-            <a:endParaRPr lang="de-DE" dirty="0"/>
-          </a:p>
-        </p:txBody>
-      </p:sp>
-      <p:sp>
-        <p:nvSpPr>
-          <p:cNvPr id="5" name="Foliennummernplatzhalter 4">
-            <a:extLst>
-              <a:ext uri="{FF2B5EF4-FFF2-40B4-BE49-F238E27FC236}">
-                <a16:creationId xmlns:a16="http://schemas.microsoft.com/office/drawing/2014/main" id="{30867FAE-3577-4648-A4A9-812A8260A07C}"/>
-              </a:ext>
-            </a:extLst>
-          </p:cNvPr>
-          <p:cNvSpPr>
-            <a:spLocks noGrp="1"/>
-          </p:cNvSpPr>
-          <p:nvPr>
-            <p:ph type="sldNum" sz="quarter" idx="12"/>
-          </p:nvPr>
-        </p:nvSpPr>
-        <p:spPr/>
-        <p:txBody>
-          <a:bodyPr/>
-          <a:lstStyle/>
-          <a:p>
-            <a:fld id="{E55ABDE9-7D1A-4CAE-9056-F713D277A78C}" type="slidenum">
-              <a:rPr lang="de-DE" smtClean="0"/>
-              <a:pPr/>
-              <a:t>3</a:t>
-            </a:fld>
-            <a:endParaRPr lang="de-DE" dirty="0"/>
-          </a:p>
-        </p:txBody>
-      </p:sp>
-      <p:pic>
-        <p:nvPicPr>
-          <p:cNvPr id="7" name="Grafik 6" descr="Ein Bild, das Text, Karte enthält.&#10;&#10;Automatisch generierte Beschreibung">
-            <a:extLst>
-              <a:ext uri="{FF2B5EF4-FFF2-40B4-BE49-F238E27FC236}">
-                <a16:creationId xmlns:a16="http://schemas.microsoft.com/office/drawing/2014/main" id="{4FFA0E9D-4A5E-4874-A900-984244F67D1C}"/>
-              </a:ext>
-            </a:extLst>
-          </p:cNvPr>
-          <p:cNvPicPr>
-            <a:picLocks noChangeAspect="1"/>
-          </p:cNvPicPr>
-          <p:nvPr/>
-        </p:nvPicPr>
-        <p:blipFill>
-          <a:blip r:embed="rId3">
-            <a:extLst>
-              <a:ext uri="{28A0092B-C50C-407E-A947-70E740481C1C}">
-                <a14:useLocalDpi xmlns:a14="http://schemas.microsoft.com/office/drawing/2010/main" val="0"/>
-              </a:ext>
-            </a:extLst>
-          </a:blip>
-          <a:stretch>
-            <a:fillRect/>
-          </a:stretch>
-        </p:blipFill>
-        <p:spPr>
-          <a:xfrm>
-            <a:off x="1116780" y="1234579"/>
-            <a:ext cx="7200000" cy="5112426"/>
-          </a:xfrm>
-          <a:prstGeom prst="rect">
-            <a:avLst/>
-          </a:prstGeom>
-        </p:spPr>
-      </p:pic>
-      <p:sp>
-        <p:nvSpPr>
-          <p:cNvPr id="8" name="Rechteck 7">
-            <a:extLst>
-              <a:ext uri="{FF2B5EF4-FFF2-40B4-BE49-F238E27FC236}">
-                <a16:creationId xmlns:a16="http://schemas.microsoft.com/office/drawing/2014/main" id="{B5F0B07C-46C9-40D7-90BB-B54939B38C5F}"/>
-              </a:ext>
-            </a:extLst>
-          </p:cNvPr>
-          <p:cNvSpPr/>
-          <p:nvPr/>
-        </p:nvSpPr>
-        <p:spPr>
-          <a:xfrm>
-            <a:off x="5332476" y="1594104"/>
-            <a:ext cx="601980" cy="441960"/>
-          </a:xfrm>
-          <a:prstGeom prst="rect">
-            <a:avLst/>
-          </a:prstGeom>
-          <a:noFill/>
-          <a:ln>
-            <a:solidFill>
-              <a:srgbClr val="FFC000"/>
-            </a:solidFill>
-          </a:ln>
-        </p:spPr>
-        <p:style>
-          <a:lnRef idx="2">
-            <a:schemeClr val="accent1">
-              <a:shade val="50000"/>
-            </a:schemeClr>
-          </a:lnRef>
-          <a:fillRef idx="1">
-            <a:schemeClr val="accent1"/>
-          </a:fillRef>
-          <a:effectRef idx="0">
-            <a:schemeClr val="accent1"/>
-          </a:effectRef>
-          <a:fontRef idx="minor">
-            <a:schemeClr val="lt1"/>
-          </a:fontRef>
-        </p:style>
-        <p:txBody>
-          <a:bodyPr rtlCol="0" anchor="ctr"/>
-          <a:lstStyle/>
-          <a:p>
-            <a:pPr algn="ctr"/>
-            <a:endParaRPr lang="en-US"/>
-          </a:p>
-        </p:txBody>
-      </p:sp>
-      <p:sp>
-        <p:nvSpPr>
-          <p:cNvPr id="9" name="Rechteck 8">
-            <a:extLst>
-              <a:ext uri="{FF2B5EF4-FFF2-40B4-BE49-F238E27FC236}">
-                <a16:creationId xmlns:a16="http://schemas.microsoft.com/office/drawing/2014/main" id="{201582FF-F6AA-48D5-90A0-E07AFFA0D84B}"/>
-              </a:ext>
-            </a:extLst>
-          </p:cNvPr>
-          <p:cNvSpPr/>
-          <p:nvPr/>
-        </p:nvSpPr>
-        <p:spPr>
-          <a:xfrm>
-            <a:off x="5248655" y="1525524"/>
-            <a:ext cx="763119" cy="571500"/>
-          </a:xfrm>
-          <a:prstGeom prst="rect">
-            <a:avLst/>
-          </a:prstGeom>
-          <a:noFill/>
-          <a:ln>
-            <a:solidFill>
-              <a:srgbClr val="0070C0"/>
-            </a:solidFill>
-          </a:ln>
-        </p:spPr>
-        <p:style>
-          <a:lnRef idx="2">
-            <a:schemeClr val="accent1">
-              <a:shade val="50000"/>
-            </a:schemeClr>
-          </a:lnRef>
-          <a:fillRef idx="1">
-            <a:schemeClr val="accent1"/>
-          </a:fillRef>
-          <a:effectRef idx="0">
-            <a:schemeClr val="accent1"/>
-          </a:effectRef>
-          <a:fontRef idx="minor">
-            <a:schemeClr val="lt1"/>
-          </a:fontRef>
-        </p:style>
-        <p:txBody>
-          <a:bodyPr rtlCol="0" anchor="ctr"/>
-          <a:lstStyle/>
-          <a:p>
-            <a:pPr algn="ctr"/>
-            <a:endParaRPr lang="en-US"/>
-          </a:p>
-        </p:txBody>
-      </p:sp>
-      <p:sp>
-        <p:nvSpPr>
-          <p:cNvPr id="10" name="Rechteck 9">
-            <a:extLst>
-              <a:ext uri="{FF2B5EF4-FFF2-40B4-BE49-F238E27FC236}">
-                <a16:creationId xmlns:a16="http://schemas.microsoft.com/office/drawing/2014/main" id="{DEB5180C-4D50-476A-A32B-253AEDB01ED9}"/>
-              </a:ext>
-            </a:extLst>
-          </p:cNvPr>
-          <p:cNvSpPr/>
-          <p:nvPr/>
-        </p:nvSpPr>
-        <p:spPr>
-          <a:xfrm>
-            <a:off x="5914238" y="4038600"/>
-            <a:ext cx="763119" cy="394588"/>
-          </a:xfrm>
-          <a:prstGeom prst="rect">
-            <a:avLst/>
-          </a:prstGeom>
-          <a:noFill/>
-          <a:ln>
-            <a:solidFill>
-              <a:srgbClr val="0070C0"/>
-            </a:solidFill>
-          </a:ln>
-        </p:spPr>
-        <p:style>
-          <a:lnRef idx="2">
-            <a:schemeClr val="accent1">
-              <a:shade val="50000"/>
-            </a:schemeClr>
-          </a:lnRef>
-          <a:fillRef idx="1">
-            <a:schemeClr val="accent1"/>
-          </a:fillRef>
-          <a:effectRef idx="0">
-            <a:schemeClr val="accent1"/>
-          </a:effectRef>
-          <a:fontRef idx="minor">
-            <a:schemeClr val="lt1"/>
-          </a:fontRef>
-        </p:style>
-        <p:txBody>
-          <a:bodyPr rtlCol="0" anchor="ctr"/>
-          <a:lstStyle/>
-          <a:p>
-            <a:pPr algn="ctr"/>
-            <a:endParaRPr lang="en-US"/>
-          </a:p>
-        </p:txBody>
-      </p:sp>
-      <p:sp>
-        <p:nvSpPr>
-          <p:cNvPr id="11" name="Rechteck 10">
-            <a:extLst>
-              <a:ext uri="{FF2B5EF4-FFF2-40B4-BE49-F238E27FC236}">
-                <a16:creationId xmlns:a16="http://schemas.microsoft.com/office/drawing/2014/main" id="{B1B9B81E-EE73-4FCF-B227-5AF2B2B760F6}"/>
-              </a:ext>
-            </a:extLst>
-          </p:cNvPr>
-          <p:cNvSpPr/>
-          <p:nvPr/>
-        </p:nvSpPr>
-        <p:spPr>
-          <a:xfrm>
-            <a:off x="5233821" y="3424962"/>
-            <a:ext cx="763119" cy="461238"/>
-          </a:xfrm>
-          <a:prstGeom prst="rect">
-            <a:avLst/>
-          </a:prstGeom>
-          <a:noFill/>
-          <a:ln>
-            <a:solidFill>
-              <a:srgbClr val="0070C0"/>
-            </a:solidFill>
-          </a:ln>
-        </p:spPr>
-        <p:style>
-          <a:lnRef idx="2">
-            <a:schemeClr val="accent1">
-              <a:shade val="50000"/>
-            </a:schemeClr>
-          </a:lnRef>
-          <a:fillRef idx="1">
-            <a:schemeClr val="accent1"/>
-          </a:fillRef>
-          <a:effectRef idx="0">
-            <a:schemeClr val="accent1"/>
-          </a:effectRef>
-          <a:fontRef idx="minor">
-            <a:schemeClr val="lt1"/>
-          </a:fontRef>
-        </p:style>
-        <p:txBody>
-          <a:bodyPr rtlCol="0" anchor="ctr"/>
-          <a:lstStyle/>
-          <a:p>
-            <a:pPr algn="ctr"/>
-            <a:endParaRPr lang="en-US"/>
-          </a:p>
-        </p:txBody>
-      </p:sp>
-      <p:sp>
-        <p:nvSpPr>
-          <p:cNvPr id="12" name="Rechteck 11">
-            <a:extLst>
-              <a:ext uri="{FF2B5EF4-FFF2-40B4-BE49-F238E27FC236}">
-                <a16:creationId xmlns:a16="http://schemas.microsoft.com/office/drawing/2014/main" id="{C55074E8-7BCD-43A9-9793-32CE7BF4E1AF}"/>
-              </a:ext>
-            </a:extLst>
-          </p:cNvPr>
-          <p:cNvSpPr/>
-          <p:nvPr/>
-        </p:nvSpPr>
-        <p:spPr>
-          <a:xfrm>
-            <a:off x="4198061" y="4236720"/>
-            <a:ext cx="594919" cy="464820"/>
-          </a:xfrm>
-          <a:prstGeom prst="rect">
-            <a:avLst/>
-          </a:prstGeom>
-          <a:noFill/>
-          <a:ln>
-            <a:solidFill>
-              <a:srgbClr val="0070C0"/>
-            </a:solidFill>
-          </a:ln>
-        </p:spPr>
-        <p:style>
-          <a:lnRef idx="2">
-            <a:schemeClr val="accent1">
-              <a:shade val="50000"/>
-            </a:schemeClr>
-          </a:lnRef>
-          <a:fillRef idx="1">
-            <a:schemeClr val="accent1"/>
-          </a:fillRef>
-          <a:effectRef idx="0">
-            <a:schemeClr val="accent1"/>
-          </a:effectRef>
-          <a:fontRef idx="minor">
-            <a:schemeClr val="lt1"/>
-          </a:fontRef>
-        </p:style>
-        <p:txBody>
-          <a:bodyPr rtlCol="0" anchor="ctr"/>
-          <a:lstStyle/>
-          <a:p>
-            <a:pPr algn="ctr"/>
-            <a:endParaRPr lang="en-US"/>
-          </a:p>
-        </p:txBody>
-      </p:sp>
-      <p:sp>
-        <p:nvSpPr>
-          <p:cNvPr id="13" name="Rechteck 12">
-            <a:extLst>
-              <a:ext uri="{FF2B5EF4-FFF2-40B4-BE49-F238E27FC236}">
-                <a16:creationId xmlns:a16="http://schemas.microsoft.com/office/drawing/2014/main" id="{44330F81-1DA7-412F-BC29-FAB83474F44B}"/>
-              </a:ext>
-            </a:extLst>
-          </p:cNvPr>
-          <p:cNvSpPr/>
-          <p:nvPr/>
-        </p:nvSpPr>
-        <p:spPr>
-          <a:xfrm>
-            <a:off x="4198061" y="4863618"/>
-            <a:ext cx="550723" cy="461238"/>
-          </a:xfrm>
-          <a:prstGeom prst="rect">
-            <a:avLst/>
-          </a:prstGeom>
-          <a:noFill/>
-          <a:ln>
-            <a:solidFill>
-              <a:srgbClr val="0070C0"/>
-            </a:solidFill>
-          </a:ln>
-        </p:spPr>
-        <p:style>
-          <a:lnRef idx="2">
-            <a:schemeClr val="accent1">
-              <a:shade val="50000"/>
-            </a:schemeClr>
-          </a:lnRef>
-          <a:fillRef idx="1">
-            <a:schemeClr val="accent1"/>
-          </a:fillRef>
-          <a:effectRef idx="0">
-            <a:schemeClr val="accent1"/>
-          </a:effectRef>
-          <a:fontRef idx="minor">
-            <a:schemeClr val="lt1"/>
-          </a:fontRef>
-        </p:style>
-        <p:txBody>
-          <a:bodyPr rtlCol="0" anchor="ctr"/>
-          <a:lstStyle/>
-          <a:p>
-            <a:pPr algn="ctr"/>
-            <a:endParaRPr lang="en-US"/>
-          </a:p>
-        </p:txBody>
-      </p:sp>
-      <p:sp>
-        <p:nvSpPr>
-          <p:cNvPr id="14" name="Rechteck 13">
-            <a:extLst>
-              <a:ext uri="{FF2B5EF4-FFF2-40B4-BE49-F238E27FC236}">
-                <a16:creationId xmlns:a16="http://schemas.microsoft.com/office/drawing/2014/main" id="{718C1369-6CFE-45B5-A508-00C30091A96B}"/>
-              </a:ext>
-            </a:extLst>
-          </p:cNvPr>
-          <p:cNvSpPr/>
-          <p:nvPr/>
-        </p:nvSpPr>
-        <p:spPr>
-          <a:xfrm>
-            <a:off x="5960364" y="4543032"/>
-            <a:ext cx="716993" cy="461237"/>
-          </a:xfrm>
-          <a:prstGeom prst="rect">
-            <a:avLst/>
-          </a:prstGeom>
-          <a:noFill/>
-          <a:ln>
-            <a:solidFill>
-              <a:srgbClr val="00B050"/>
-            </a:solidFill>
-          </a:ln>
-        </p:spPr>
-        <p:style>
-          <a:lnRef idx="2">
-            <a:schemeClr val="accent1">
-              <a:shade val="50000"/>
-            </a:schemeClr>
-          </a:lnRef>
-          <a:fillRef idx="1">
-            <a:schemeClr val="accent1"/>
-          </a:fillRef>
-          <a:effectRef idx="0">
-            <a:schemeClr val="accent1"/>
-          </a:effectRef>
-          <a:fontRef idx="minor">
-            <a:schemeClr val="lt1"/>
-          </a:fontRef>
-        </p:style>
-        <p:txBody>
-          <a:bodyPr rtlCol="0" anchor="ctr"/>
-          <a:lstStyle/>
-          <a:p>
-            <a:pPr algn="ctr"/>
-            <a:endParaRPr lang="en-US"/>
-          </a:p>
-        </p:txBody>
-      </p:sp>
-      <p:sp>
-        <p:nvSpPr>
-          <p:cNvPr id="15" name="Rechteck 14">
-            <a:extLst>
-              <a:ext uri="{FF2B5EF4-FFF2-40B4-BE49-F238E27FC236}">
-                <a16:creationId xmlns:a16="http://schemas.microsoft.com/office/drawing/2014/main" id="{6DFC4BA7-BB08-4B40-8AC0-E9AF2BF0BC05}"/>
-              </a:ext>
-            </a:extLst>
-          </p:cNvPr>
-          <p:cNvSpPr/>
-          <p:nvPr/>
-        </p:nvSpPr>
-        <p:spPr>
-          <a:xfrm>
-            <a:off x="5937300" y="5324857"/>
-            <a:ext cx="716993" cy="394588"/>
-          </a:xfrm>
-          <a:prstGeom prst="rect">
-            <a:avLst/>
-          </a:prstGeom>
-          <a:noFill/>
-          <a:ln>
-            <a:solidFill>
-              <a:srgbClr val="00B050"/>
-            </a:solidFill>
-          </a:ln>
-        </p:spPr>
-        <p:style>
-          <a:lnRef idx="2">
-            <a:schemeClr val="accent1">
-              <a:shade val="50000"/>
-            </a:schemeClr>
-          </a:lnRef>
-          <a:fillRef idx="1">
-            <a:schemeClr val="accent1"/>
-          </a:fillRef>
-          <a:effectRef idx="0">
-            <a:schemeClr val="accent1"/>
-          </a:effectRef>
-          <a:fontRef idx="minor">
-            <a:schemeClr val="lt1"/>
-          </a:fontRef>
-        </p:style>
-        <p:txBody>
-          <a:bodyPr rtlCol="0" anchor="ctr"/>
-          <a:lstStyle/>
-          <a:p>
-            <a:pPr algn="ctr"/>
-            <a:endParaRPr lang="en-US"/>
-          </a:p>
-        </p:txBody>
-      </p:sp>
-      <p:sp>
-        <p:nvSpPr>
-          <p:cNvPr id="16" name="Rechteck 15">
-            <a:extLst>
-              <a:ext uri="{FF2B5EF4-FFF2-40B4-BE49-F238E27FC236}">
-                <a16:creationId xmlns:a16="http://schemas.microsoft.com/office/drawing/2014/main" id="{9E2F8BDC-6F71-4070-BB72-A2D234E3EAB8}"/>
-              </a:ext>
-            </a:extLst>
-          </p:cNvPr>
-          <p:cNvSpPr/>
-          <p:nvPr/>
-        </p:nvSpPr>
-        <p:spPr>
-          <a:xfrm>
-            <a:off x="7014972" y="4548378"/>
-            <a:ext cx="815093" cy="461237"/>
-          </a:xfrm>
-          <a:prstGeom prst="rect">
-            <a:avLst/>
-          </a:prstGeom>
-          <a:noFill/>
-          <a:ln>
-            <a:solidFill>
-              <a:srgbClr val="FF0000"/>
-            </a:solidFill>
-          </a:ln>
-        </p:spPr>
-        <p:style>
-          <a:lnRef idx="2">
-            <a:schemeClr val="accent1">
-              <a:shade val="50000"/>
-            </a:schemeClr>
-          </a:lnRef>
-          <a:fillRef idx="1">
-            <a:schemeClr val="accent1"/>
-          </a:fillRef>
-          <a:effectRef idx="0">
-            <a:schemeClr val="accent1"/>
-          </a:effectRef>
-          <a:fontRef idx="minor">
-            <a:schemeClr val="lt1"/>
-          </a:fontRef>
-        </p:style>
-        <p:txBody>
-          <a:bodyPr rtlCol="0" anchor="ctr"/>
-          <a:lstStyle/>
-          <a:p>
-            <a:pPr algn="ctr"/>
-            <a:endParaRPr lang="en-US"/>
-          </a:p>
-        </p:txBody>
-      </p:sp>
-      <p:sp>
-        <p:nvSpPr>
-          <p:cNvPr id="17" name="Rechteck 16">
-            <a:extLst>
-              <a:ext uri="{FF2B5EF4-FFF2-40B4-BE49-F238E27FC236}">
-                <a16:creationId xmlns:a16="http://schemas.microsoft.com/office/drawing/2014/main" id="{F3E013AB-0087-44D2-9A12-995741D60325}"/>
-              </a:ext>
-            </a:extLst>
-          </p:cNvPr>
-          <p:cNvSpPr/>
-          <p:nvPr/>
-        </p:nvSpPr>
-        <p:spPr>
-          <a:xfrm>
-            <a:off x="5029200" y="4863618"/>
-            <a:ext cx="593550" cy="400278"/>
-          </a:xfrm>
-          <a:prstGeom prst="rect">
-            <a:avLst/>
-          </a:prstGeom>
-          <a:noFill/>
-          <a:ln>
-            <a:solidFill>
-              <a:srgbClr val="FF0000"/>
-            </a:solidFill>
-          </a:ln>
-        </p:spPr>
-        <p:style>
-          <a:lnRef idx="2">
-            <a:schemeClr val="accent1">
-              <a:shade val="50000"/>
-            </a:schemeClr>
-          </a:lnRef>
-          <a:fillRef idx="1">
-            <a:schemeClr val="accent1"/>
-          </a:fillRef>
-          <a:effectRef idx="0">
-            <a:schemeClr val="accent1"/>
-          </a:effectRef>
-          <a:fontRef idx="minor">
-            <a:schemeClr val="lt1"/>
-          </a:fontRef>
-        </p:style>
-        <p:txBody>
-          <a:bodyPr rtlCol="0" anchor="ctr"/>
-          <a:lstStyle/>
-          <a:p>
-            <a:pPr algn="ctr"/>
-            <a:endParaRPr lang="en-US"/>
-          </a:p>
-        </p:txBody>
-      </p:sp>
-      <p:sp>
-        <p:nvSpPr>
-          <p:cNvPr id="18" name="Rechteck 17">
-            <a:extLst>
-              <a:ext uri="{FF2B5EF4-FFF2-40B4-BE49-F238E27FC236}">
-                <a16:creationId xmlns:a16="http://schemas.microsoft.com/office/drawing/2014/main" id="{A2EEE072-C663-41C3-80FE-01174D7E191E}"/>
-              </a:ext>
-            </a:extLst>
-          </p:cNvPr>
-          <p:cNvSpPr/>
-          <p:nvPr/>
-        </p:nvSpPr>
-        <p:spPr>
-          <a:xfrm>
-            <a:off x="3170635" y="4602520"/>
-            <a:ext cx="540712" cy="400279"/>
-          </a:xfrm>
-          <a:prstGeom prst="rect">
-            <a:avLst/>
-          </a:prstGeom>
-          <a:noFill/>
-          <a:ln>
-            <a:solidFill>
-              <a:srgbClr val="FF0000"/>
-            </a:solidFill>
-          </a:ln>
-        </p:spPr>
-        <p:style>
-          <a:lnRef idx="2">
-            <a:schemeClr val="accent1">
-              <a:shade val="50000"/>
-            </a:schemeClr>
-          </a:lnRef>
-          <a:fillRef idx="1">
-            <a:schemeClr val="accent1"/>
-          </a:fillRef>
-          <a:effectRef idx="0">
-            <a:schemeClr val="accent1"/>
-          </a:effectRef>
-          <a:fontRef idx="minor">
-            <a:schemeClr val="lt1"/>
-          </a:fontRef>
-        </p:style>
-        <p:txBody>
-          <a:bodyPr rtlCol="0" anchor="ctr"/>
-          <a:lstStyle/>
-          <a:p>
-            <a:pPr algn="ctr"/>
-            <a:endParaRPr lang="en-US"/>
-          </a:p>
-        </p:txBody>
-      </p:sp>
-      <p:sp>
-        <p:nvSpPr>
-          <p:cNvPr id="19" name="Rechteck 18">
-            <a:extLst>
-              <a:ext uri="{FF2B5EF4-FFF2-40B4-BE49-F238E27FC236}">
-                <a16:creationId xmlns:a16="http://schemas.microsoft.com/office/drawing/2014/main" id="{C087B22A-9530-4101-922F-23AFA27CE1C7}"/>
-              </a:ext>
-            </a:extLst>
-          </p:cNvPr>
-          <p:cNvSpPr/>
-          <p:nvPr/>
-        </p:nvSpPr>
-        <p:spPr>
-          <a:xfrm>
-            <a:off x="2098888" y="3560173"/>
-            <a:ext cx="815093" cy="414419"/>
-          </a:xfrm>
-          <a:prstGeom prst="rect">
-            <a:avLst/>
-          </a:prstGeom>
-          <a:noFill/>
-          <a:ln>
-            <a:solidFill>
-              <a:srgbClr val="FF0000"/>
-            </a:solidFill>
-          </a:ln>
-        </p:spPr>
-        <p:style>
-          <a:lnRef idx="2">
-            <a:schemeClr val="accent1">
-              <a:shade val="50000"/>
-            </a:schemeClr>
-          </a:lnRef>
-          <a:fillRef idx="1">
-            <a:schemeClr val="accent1"/>
-          </a:fillRef>
-          <a:effectRef idx="0">
-            <a:schemeClr val="accent1"/>
-          </a:effectRef>
-          <a:fontRef idx="minor">
-            <a:schemeClr val="lt1"/>
-          </a:fontRef>
-        </p:style>
-        <p:txBody>
-          <a:bodyPr rtlCol="0" anchor="ctr"/>
-          <a:lstStyle/>
-          <a:p>
-            <a:pPr algn="ctr"/>
-            <a:endParaRPr lang="en-US"/>
-          </a:p>
-        </p:txBody>
-      </p:sp>
-      <p:sp>
-        <p:nvSpPr>
-          <p:cNvPr id="20" name="Rechteck 19">
-            <a:extLst>
-              <a:ext uri="{FF2B5EF4-FFF2-40B4-BE49-F238E27FC236}">
-                <a16:creationId xmlns:a16="http://schemas.microsoft.com/office/drawing/2014/main" id="{F789DB7C-D855-442A-BC32-2C7D36A9215D}"/>
-              </a:ext>
-            </a:extLst>
-          </p:cNvPr>
-          <p:cNvSpPr/>
-          <p:nvPr/>
-        </p:nvSpPr>
-        <p:spPr>
-          <a:xfrm>
-            <a:off x="1328614" y="4348280"/>
-            <a:ext cx="1585367" cy="461237"/>
-          </a:xfrm>
-          <a:prstGeom prst="rect">
-            <a:avLst/>
-          </a:prstGeom>
-          <a:noFill/>
-          <a:ln>
-            <a:solidFill>
-              <a:srgbClr val="FF0000"/>
-            </a:solidFill>
-          </a:ln>
-        </p:spPr>
-        <p:style>
-          <a:lnRef idx="2">
-            <a:schemeClr val="accent1">
-              <a:shade val="50000"/>
-            </a:schemeClr>
-          </a:lnRef>
-          <a:fillRef idx="1">
-            <a:schemeClr val="accent1"/>
-          </a:fillRef>
-          <a:effectRef idx="0">
-            <a:schemeClr val="accent1"/>
-          </a:effectRef>
-          <a:fontRef idx="minor">
-            <a:schemeClr val="lt1"/>
-          </a:fontRef>
-        </p:style>
-        <p:txBody>
-          <a:bodyPr rtlCol="0" anchor="ctr"/>
-          <a:lstStyle/>
-          <a:p>
-            <a:pPr algn="ctr"/>
-            <a:endParaRPr lang="en-US"/>
-          </a:p>
-        </p:txBody>
-      </p:sp>
-      <p:sp>
-        <p:nvSpPr>
-          <p:cNvPr id="21" name="Rechteck 20">
-            <a:extLst>
-              <a:ext uri="{FF2B5EF4-FFF2-40B4-BE49-F238E27FC236}">
-                <a16:creationId xmlns:a16="http://schemas.microsoft.com/office/drawing/2014/main" id="{94AFD061-1E16-460A-B236-7DC3C2674CCA}"/>
-              </a:ext>
-            </a:extLst>
-          </p:cNvPr>
-          <p:cNvSpPr/>
-          <p:nvPr/>
-        </p:nvSpPr>
-        <p:spPr>
-          <a:xfrm>
-            <a:off x="3158127" y="4236720"/>
-            <a:ext cx="553219" cy="336792"/>
-          </a:xfrm>
-          <a:prstGeom prst="rect">
-            <a:avLst/>
-          </a:prstGeom>
-          <a:noFill/>
-          <a:ln>
-            <a:solidFill>
-              <a:schemeClr val="accent1">
-                <a:lumMod val="75000"/>
-              </a:schemeClr>
-            </a:solidFill>
-          </a:ln>
-        </p:spPr>
-        <p:style>
-          <a:lnRef idx="2">
-            <a:schemeClr val="accent1">
-              <a:shade val="50000"/>
-            </a:schemeClr>
-          </a:lnRef>
-          <a:fillRef idx="1">
-            <a:schemeClr val="accent1"/>
-          </a:fillRef>
-          <a:effectRef idx="0">
-            <a:schemeClr val="accent1"/>
-          </a:effectRef>
-          <a:fontRef idx="minor">
-            <a:schemeClr val="lt1"/>
-          </a:fontRef>
-        </p:style>
-        <p:txBody>
-          <a:bodyPr rtlCol="0" anchor="ctr"/>
-          <a:lstStyle/>
-          <a:p>
-            <a:pPr algn="ctr"/>
-            <a:endParaRPr lang="en-US"/>
-          </a:p>
-        </p:txBody>
-      </p:sp>
-      <p:sp>
-        <p:nvSpPr>
-          <p:cNvPr id="22" name="Rechteck 21">
-            <a:extLst>
-              <a:ext uri="{FF2B5EF4-FFF2-40B4-BE49-F238E27FC236}">
-                <a16:creationId xmlns:a16="http://schemas.microsoft.com/office/drawing/2014/main" id="{237040E2-24C2-4947-B9AB-E2E3D1DA5EC6}"/>
-              </a:ext>
-            </a:extLst>
-          </p:cNvPr>
-          <p:cNvSpPr/>
-          <p:nvPr/>
-        </p:nvSpPr>
-        <p:spPr>
-          <a:xfrm>
-            <a:off x="3125815" y="4599472"/>
-            <a:ext cx="647609" cy="461237"/>
-          </a:xfrm>
-          <a:prstGeom prst="rect">
-            <a:avLst/>
-          </a:prstGeom>
-          <a:noFill/>
-          <a:ln>
-            <a:solidFill>
-              <a:srgbClr val="00B050"/>
-            </a:solidFill>
-          </a:ln>
-        </p:spPr>
-        <p:style>
-          <a:lnRef idx="2">
-            <a:schemeClr val="accent1">
-              <a:shade val="50000"/>
-            </a:schemeClr>
-          </a:lnRef>
-          <a:fillRef idx="1">
-            <a:schemeClr val="accent1"/>
-          </a:fillRef>
-          <a:effectRef idx="0">
-            <a:schemeClr val="accent1"/>
-          </a:effectRef>
-          <a:fontRef idx="minor">
-            <a:schemeClr val="lt1"/>
-          </a:fontRef>
-        </p:style>
-        <p:txBody>
-          <a:bodyPr rtlCol="0" anchor="ctr"/>
-          <a:lstStyle/>
-          <a:p>
-            <a:pPr algn="ctr"/>
-            <a:endParaRPr lang="en-US"/>
-          </a:p>
-        </p:txBody>
-      </p:sp>
-      <p:sp>
-        <p:nvSpPr>
-          <p:cNvPr id="23" name="Rechteck 22">
-            <a:extLst>
-              <a:ext uri="{FF2B5EF4-FFF2-40B4-BE49-F238E27FC236}">
-                <a16:creationId xmlns:a16="http://schemas.microsoft.com/office/drawing/2014/main" id="{B33B17C8-4949-4531-970A-C96BC583E10C}"/>
-              </a:ext>
-            </a:extLst>
-          </p:cNvPr>
-          <p:cNvSpPr/>
-          <p:nvPr/>
-        </p:nvSpPr>
-        <p:spPr>
-          <a:xfrm>
-            <a:off x="6199879" y="1594105"/>
-            <a:ext cx="542297" cy="441960"/>
-          </a:xfrm>
-          <a:prstGeom prst="rect">
-            <a:avLst/>
-          </a:prstGeom>
-          <a:noFill/>
-          <a:ln>
-            <a:solidFill>
-              <a:srgbClr val="FF0000"/>
-            </a:solidFill>
-          </a:ln>
-        </p:spPr>
-        <p:style>
-          <a:lnRef idx="2">
-            <a:schemeClr val="accent1">
-              <a:shade val="50000"/>
-            </a:schemeClr>
-          </a:lnRef>
-          <a:fillRef idx="1">
-            <a:schemeClr val="accent1"/>
-          </a:fillRef>
-          <a:effectRef idx="0">
-            <a:schemeClr val="accent1"/>
-          </a:effectRef>
-          <a:fontRef idx="minor">
-            <a:schemeClr val="lt1"/>
-          </a:fontRef>
-        </p:style>
-        <p:txBody>
-          <a:bodyPr rtlCol="0" anchor="ctr"/>
-          <a:lstStyle/>
-          <a:p>
-            <a:pPr algn="ctr"/>
-            <a:endParaRPr lang="en-US"/>
-          </a:p>
-        </p:txBody>
-      </p:sp>
-      <p:sp>
-        <p:nvSpPr>
-          <p:cNvPr id="24" name="Textfeld 23">
-            <a:extLst>
-              <a:ext uri="{FF2B5EF4-FFF2-40B4-BE49-F238E27FC236}">
-                <a16:creationId xmlns:a16="http://schemas.microsoft.com/office/drawing/2014/main" id="{FF1211D0-9B4E-4B70-945E-A72395F59055}"/>
-              </a:ext>
-            </a:extLst>
-          </p:cNvPr>
-          <p:cNvSpPr txBox="1"/>
-          <p:nvPr/>
-        </p:nvSpPr>
-        <p:spPr>
-          <a:xfrm>
-            <a:off x="975360" y="1304544"/>
-            <a:ext cx="2150455" cy="1169551"/>
-          </a:xfrm>
-          <a:prstGeom prst="rect">
-            <a:avLst/>
-          </a:prstGeom>
-          <a:noFill/>
-        </p:spPr>
-        <p:txBody>
-          <a:bodyPr wrap="square" rtlCol="0">
-            <a:spAutoFit/>
-          </a:bodyPr>
-          <a:lstStyle/>
-          <a:p>
-            <a:r>
-              <a:rPr lang="en-US" sz="1400" dirty="0" err="1"/>
-              <a:t>Stefi</a:t>
-            </a:r>
-            <a:endParaRPr lang="en-US" sz="1400" dirty="0"/>
-          </a:p>
-          <a:p>
-            <a:r>
-              <a:rPr lang="en-US" sz="1400" dirty="0" err="1"/>
-              <a:t>Dimitar</a:t>
-            </a:r>
-            <a:endParaRPr lang="en-US" sz="1400" dirty="0"/>
-          </a:p>
-          <a:p>
-            <a:r>
-              <a:rPr lang="en-US" sz="1400" dirty="0"/>
-              <a:t>Manuel</a:t>
-            </a:r>
-          </a:p>
-          <a:p>
-            <a:r>
-              <a:rPr lang="en-US" sz="1400" dirty="0"/>
-              <a:t>Paul</a:t>
-            </a:r>
-          </a:p>
-          <a:p>
-            <a:r>
-              <a:rPr lang="en-US" sz="1400" dirty="0"/>
-              <a:t>Johannes</a:t>
-            </a:r>
-          </a:p>
-        </p:txBody>
-      </p:sp>
-      <p:sp>
-        <p:nvSpPr>
-          <p:cNvPr id="25" name="Rechteck 24">
-            <a:extLst>
-              <a:ext uri="{FF2B5EF4-FFF2-40B4-BE49-F238E27FC236}">
-                <a16:creationId xmlns:a16="http://schemas.microsoft.com/office/drawing/2014/main" id="{B8DD0E63-8B14-430C-A35E-BC4F2CA94126}"/>
-              </a:ext>
-            </a:extLst>
-          </p:cNvPr>
-          <p:cNvSpPr/>
-          <p:nvPr/>
-        </p:nvSpPr>
-        <p:spPr>
-          <a:xfrm>
-            <a:off x="883653" y="1440180"/>
-            <a:ext cx="99373" cy="85344"/>
-          </a:xfrm>
-          <a:prstGeom prst="rect">
-            <a:avLst/>
-          </a:prstGeom>
-          <a:solidFill>
-            <a:srgbClr val="FFC000"/>
-          </a:solidFill>
-          <a:ln>
-            <a:solidFill>
-              <a:srgbClr val="FFC000"/>
-            </a:solidFill>
-          </a:ln>
-        </p:spPr>
-        <p:style>
-          <a:lnRef idx="2">
-            <a:schemeClr val="accent1">
-              <a:shade val="50000"/>
-            </a:schemeClr>
-          </a:lnRef>
-          <a:fillRef idx="1">
-            <a:schemeClr val="accent1"/>
-          </a:fillRef>
-          <a:effectRef idx="0">
-            <a:schemeClr val="accent1"/>
-          </a:effectRef>
-          <a:fontRef idx="minor">
-            <a:schemeClr val="lt1"/>
-          </a:fontRef>
-        </p:style>
-        <p:txBody>
-          <a:bodyPr rtlCol="0" anchor="ctr"/>
-          <a:lstStyle/>
-          <a:p>
-            <a:pPr algn="ctr"/>
-            <a:endParaRPr lang="en-US"/>
-          </a:p>
-        </p:txBody>
-      </p:sp>
-      <p:sp>
-        <p:nvSpPr>
-          <p:cNvPr id="26" name="Rechteck 25">
-            <a:extLst>
-              <a:ext uri="{FF2B5EF4-FFF2-40B4-BE49-F238E27FC236}">
-                <a16:creationId xmlns:a16="http://schemas.microsoft.com/office/drawing/2014/main" id="{C03FF584-DF56-499D-84D4-CEAB19283AEB}"/>
-              </a:ext>
-            </a:extLst>
-          </p:cNvPr>
-          <p:cNvSpPr/>
-          <p:nvPr/>
-        </p:nvSpPr>
-        <p:spPr>
-          <a:xfrm>
-            <a:off x="881836" y="1659636"/>
-            <a:ext cx="99373" cy="85344"/>
-          </a:xfrm>
-          <a:prstGeom prst="rect">
-            <a:avLst/>
-          </a:prstGeom>
-          <a:solidFill>
-            <a:srgbClr val="008000"/>
-          </a:solidFill>
-          <a:ln>
-            <a:solidFill>
-              <a:srgbClr val="008000"/>
-            </a:solidFill>
-          </a:ln>
-        </p:spPr>
-        <p:style>
-          <a:lnRef idx="2">
-            <a:schemeClr val="accent1">
-              <a:shade val="50000"/>
-            </a:schemeClr>
-          </a:lnRef>
-          <a:fillRef idx="1">
-            <a:schemeClr val="accent1"/>
-          </a:fillRef>
-          <a:effectRef idx="0">
-            <a:schemeClr val="accent1"/>
-          </a:effectRef>
-          <a:fontRef idx="minor">
-            <a:schemeClr val="lt1"/>
-          </a:fontRef>
-        </p:style>
-        <p:txBody>
-          <a:bodyPr rtlCol="0" anchor="ctr"/>
-          <a:lstStyle/>
-          <a:p>
-            <a:pPr algn="ctr"/>
-            <a:endParaRPr lang="en-US"/>
-          </a:p>
-        </p:txBody>
-      </p:sp>
-      <p:sp>
-        <p:nvSpPr>
-          <p:cNvPr id="27" name="Rechteck 26">
-            <a:extLst>
-              <a:ext uri="{FF2B5EF4-FFF2-40B4-BE49-F238E27FC236}">
-                <a16:creationId xmlns:a16="http://schemas.microsoft.com/office/drawing/2014/main" id="{BFDA51CB-2D8F-4867-A90F-699BE9363C3A}"/>
-              </a:ext>
-            </a:extLst>
-          </p:cNvPr>
-          <p:cNvSpPr/>
-          <p:nvPr/>
-        </p:nvSpPr>
-        <p:spPr>
-          <a:xfrm>
-            <a:off x="884819" y="1859798"/>
-            <a:ext cx="99373" cy="85344"/>
-          </a:xfrm>
-          <a:prstGeom prst="rect">
-            <a:avLst/>
-          </a:prstGeom>
-          <a:solidFill>
-            <a:srgbClr val="00B050"/>
-          </a:solidFill>
-          <a:ln>
-            <a:solidFill>
-              <a:srgbClr val="00B050"/>
-            </a:solidFill>
-          </a:ln>
-        </p:spPr>
-        <p:style>
-          <a:lnRef idx="2">
-            <a:schemeClr val="accent1">
-              <a:shade val="50000"/>
-            </a:schemeClr>
-          </a:lnRef>
-          <a:fillRef idx="1">
-            <a:schemeClr val="accent1"/>
-          </a:fillRef>
-          <a:effectRef idx="0">
-            <a:schemeClr val="accent1"/>
-          </a:effectRef>
-          <a:fontRef idx="minor">
-            <a:schemeClr val="lt1"/>
-          </a:fontRef>
-        </p:style>
-        <p:txBody>
-          <a:bodyPr rtlCol="0" anchor="ctr"/>
-          <a:lstStyle/>
-          <a:p>
-            <a:pPr algn="ctr"/>
-            <a:endParaRPr lang="en-US"/>
-          </a:p>
-        </p:txBody>
-      </p:sp>
-      <p:sp>
-        <p:nvSpPr>
-          <p:cNvPr id="28" name="Rechteck 27">
-            <a:extLst>
-              <a:ext uri="{FF2B5EF4-FFF2-40B4-BE49-F238E27FC236}">
-                <a16:creationId xmlns:a16="http://schemas.microsoft.com/office/drawing/2014/main" id="{9958DB51-34A4-4231-A36C-D62C3DB662E6}"/>
-              </a:ext>
-            </a:extLst>
-          </p:cNvPr>
-          <p:cNvSpPr/>
-          <p:nvPr/>
-        </p:nvSpPr>
-        <p:spPr>
-          <a:xfrm>
-            <a:off x="881836" y="2059198"/>
-            <a:ext cx="99373" cy="85344"/>
-          </a:xfrm>
-          <a:prstGeom prst="rect">
-            <a:avLst/>
-          </a:prstGeom>
-          <a:solidFill>
-            <a:srgbClr val="3333FF"/>
-          </a:solidFill>
-          <a:ln>
-            <a:solidFill>
-              <a:srgbClr val="3333FF"/>
-            </a:solidFill>
-          </a:ln>
-        </p:spPr>
-        <p:style>
-          <a:lnRef idx="2">
-            <a:schemeClr val="accent1">
-              <a:shade val="50000"/>
-            </a:schemeClr>
-          </a:lnRef>
-          <a:fillRef idx="1">
-            <a:schemeClr val="accent1"/>
-          </a:fillRef>
-          <a:effectRef idx="0">
-            <a:schemeClr val="accent1"/>
-          </a:effectRef>
-          <a:fontRef idx="minor">
-            <a:schemeClr val="lt1"/>
-          </a:fontRef>
-        </p:style>
-        <p:txBody>
-          <a:bodyPr rtlCol="0" anchor="ctr"/>
-          <a:lstStyle/>
-          <a:p>
-            <a:pPr algn="ctr"/>
-            <a:endParaRPr lang="en-US"/>
-          </a:p>
-        </p:txBody>
-      </p:sp>
-      <p:sp>
-        <p:nvSpPr>
-          <p:cNvPr id="29" name="Rechteck 28">
-            <a:extLst>
-              <a:ext uri="{FF2B5EF4-FFF2-40B4-BE49-F238E27FC236}">
-                <a16:creationId xmlns:a16="http://schemas.microsoft.com/office/drawing/2014/main" id="{BA8B2246-042C-4FAA-BEF7-EE949DEB9571}"/>
-              </a:ext>
-            </a:extLst>
-          </p:cNvPr>
-          <p:cNvSpPr/>
-          <p:nvPr/>
-        </p:nvSpPr>
-        <p:spPr>
-          <a:xfrm>
-            <a:off x="883653" y="2283470"/>
-            <a:ext cx="99373" cy="85344"/>
-          </a:xfrm>
-          <a:prstGeom prst="rect">
-            <a:avLst/>
-          </a:prstGeom>
-          <a:solidFill>
-            <a:srgbClr val="FF0000"/>
-          </a:solidFill>
-          <a:ln>
-            <a:solidFill>
-              <a:srgbClr val="FF0000"/>
-            </a:solidFill>
-          </a:ln>
-        </p:spPr>
-        <p:style>
-          <a:lnRef idx="2">
-            <a:schemeClr val="accent1">
-              <a:shade val="50000"/>
-            </a:schemeClr>
-          </a:lnRef>
-          <a:fillRef idx="1">
-            <a:schemeClr val="accent1"/>
-          </a:fillRef>
-          <a:effectRef idx="0">
-            <a:schemeClr val="accent1"/>
-          </a:effectRef>
-          <a:fontRef idx="minor">
-            <a:schemeClr val="lt1"/>
-          </a:fontRef>
-        </p:style>
-        <p:txBody>
-          <a:bodyPr rtlCol="0" anchor="ctr"/>
-          <a:lstStyle/>
-          <a:p>
-            <a:pPr algn="ctr"/>
-            <a:endParaRPr lang="en-US"/>
-          </a:p>
-        </p:txBody>
-      </p:sp>
-    </p:spTree>
-    <p:extLst>
-      <p:ext uri="{BB962C8B-B14F-4D97-AF65-F5344CB8AC3E}">
-        <p14:creationId xmlns:p14="http://schemas.microsoft.com/office/powerpoint/2010/main" val="2826532634"/>
-      </p:ext>
-    </p:extLst>
-  </p:cSld>
-  <p:clrMapOvr>
-    <a:masterClrMapping/>
-  </p:clrMapOvr>
-</p:sld>
-</file>
-
-<file path=ppt/slides/slide4.xml><?xml version="1.0" encoding="utf-8"?>
-<p:sld xmlns:a="http://schemas.openxmlformats.org/drawingml/2006/main" xmlns:r="http://schemas.openxmlformats.org/officeDocument/2006/relationships" xmlns:p="http://schemas.openxmlformats.org/presentationml/2006/main">
-  <p:cSld>
-    <p:spTree>
-      <p:nvGrpSpPr>
-        <p:cNvPr id="1" name=""/>
-        <p:cNvGrpSpPr/>
-        <p:nvPr/>
-      </p:nvGrpSpPr>
-      <p:grpSpPr>
-        <a:xfrm>
-          <a:off x="0" y="0"/>
-          <a:ext cx="0" cy="0"/>
-          <a:chOff x="0" y="0"/>
-          <a:chExt cx="0" cy="0"/>
-        </a:xfrm>
-      </p:grpSpPr>
-      <p:sp>
-        <p:nvSpPr>
-          <p:cNvPr id="2" name="Titel 1">
-            <a:extLst>
-              <a:ext uri="{FF2B5EF4-FFF2-40B4-BE49-F238E27FC236}">
                 <a16:creationId xmlns:a16="http://schemas.microsoft.com/office/drawing/2014/main" id="{4A7197C1-0C6B-4384-987C-C307C903B5BF}"/>
               </a:ext>
             </a:extLst>
@@ -5530,7 +5013,7 @@
             </a:br>
             <a:r>
               <a:rPr lang="en-US" dirty="0"/>
-              <a:t>	 – class diagram of inferencing</a:t>
+              <a:t>	 – getting images</a:t>
             </a:r>
           </a:p>
         </p:txBody>
@@ -5622,788 +5105,7 @@
             <a:fld id="{E55ABDE9-7D1A-4CAE-9056-F713D277A78C}" type="slidenum">
               <a:rPr lang="de-DE" smtClean="0"/>
               <a:pPr/>
-              <a:t>4</a:t>
-            </a:fld>
-            <a:endParaRPr lang="de-DE" dirty="0"/>
-          </a:p>
-        </p:txBody>
-      </p:sp>
-      <p:pic>
-        <p:nvPicPr>
-          <p:cNvPr id="9" name="Grafik 8" descr="Ein Bild, das Text, Screenshot enthält.&#10;&#10;Automatisch generierte Beschreibung">
-            <a:extLst>
-              <a:ext uri="{FF2B5EF4-FFF2-40B4-BE49-F238E27FC236}">
-                <a16:creationId xmlns:a16="http://schemas.microsoft.com/office/drawing/2014/main" id="{0644959A-FF73-4F16-AA11-1E45E1A8BBA5}"/>
-              </a:ext>
-            </a:extLst>
-          </p:cNvPr>
-          <p:cNvPicPr>
-            <a:picLocks noChangeAspect="1"/>
-          </p:cNvPicPr>
-          <p:nvPr/>
-        </p:nvPicPr>
-        <p:blipFill>
-          <a:blip r:embed="rId2">
-            <a:extLst>
-              <a:ext uri="{28A0092B-C50C-407E-A947-70E740481C1C}">
-                <a14:useLocalDpi xmlns:a14="http://schemas.microsoft.com/office/drawing/2010/main" val="0"/>
-              </a:ext>
-            </a:extLst>
-          </a:blip>
-          <a:stretch>
-            <a:fillRect/>
-          </a:stretch>
-        </p:blipFill>
-        <p:spPr>
-          <a:xfrm>
-            <a:off x="883636" y="1141252"/>
-            <a:ext cx="7376728" cy="5040000"/>
-          </a:xfrm>
-          <a:prstGeom prst="rect">
-            <a:avLst/>
-          </a:prstGeom>
-        </p:spPr>
-      </p:pic>
-    </p:spTree>
-    <p:extLst>
-      <p:ext uri="{BB962C8B-B14F-4D97-AF65-F5344CB8AC3E}">
-        <p14:creationId xmlns:p14="http://schemas.microsoft.com/office/powerpoint/2010/main" val="1566738938"/>
-      </p:ext>
-    </p:extLst>
-  </p:cSld>
-  <p:clrMapOvr>
-    <a:masterClrMapping/>
-  </p:clrMapOvr>
-</p:sld>
-</file>
-
-<file path=ppt/slides/slide5.xml><?xml version="1.0" encoding="utf-8"?>
-<p:sld xmlns:a="http://schemas.openxmlformats.org/drawingml/2006/main" xmlns:r="http://schemas.openxmlformats.org/officeDocument/2006/relationships" xmlns:p="http://schemas.openxmlformats.org/presentationml/2006/main">
-  <p:cSld>
-    <p:spTree>
-      <p:nvGrpSpPr>
-        <p:cNvPr id="1" name=""/>
-        <p:cNvGrpSpPr/>
-        <p:nvPr/>
-      </p:nvGrpSpPr>
-      <p:grpSpPr>
-        <a:xfrm>
-          <a:off x="0" y="0"/>
-          <a:ext cx="0" cy="0"/>
-          <a:chOff x="0" y="0"/>
-          <a:chExt cx="0" cy="0"/>
-        </a:xfrm>
-      </p:grpSpPr>
-      <p:sp>
-        <p:nvSpPr>
-          <p:cNvPr id="2" name="Titel 1">
-            <a:extLst>
-              <a:ext uri="{FF2B5EF4-FFF2-40B4-BE49-F238E27FC236}">
-                <a16:creationId xmlns:a16="http://schemas.microsoft.com/office/drawing/2014/main" id="{4A7197C1-0C6B-4384-987C-C307C903B5BF}"/>
-              </a:ext>
-            </a:extLst>
-          </p:cNvPr>
-          <p:cNvSpPr>
-            <a:spLocks noGrp="1"/>
-          </p:cNvSpPr>
-          <p:nvPr>
-            <p:ph type="title"/>
-          </p:nvPr>
-        </p:nvSpPr>
-        <p:spPr/>
-        <p:txBody>
-          <a:bodyPr/>
-          <a:lstStyle/>
-          <a:p>
-            <a:r>
-              <a:rPr lang="en-US" dirty="0"/>
-              <a:t>Process of image classification</a:t>
-            </a:r>
-            <a:br>
-              <a:rPr lang="en-US" dirty="0"/>
-            </a:br>
-            <a:r>
-              <a:rPr lang="en-US" dirty="0"/>
-              <a:t>	 – class diagram of dispatcher</a:t>
-            </a:r>
-          </a:p>
-        </p:txBody>
-      </p:sp>
-      <p:sp>
-        <p:nvSpPr>
-          <p:cNvPr id="3" name="Fußzeilenplatzhalter 2">
-            <a:extLst>
-              <a:ext uri="{FF2B5EF4-FFF2-40B4-BE49-F238E27FC236}">
-                <a16:creationId xmlns:a16="http://schemas.microsoft.com/office/drawing/2014/main" id="{02AD2DE0-F005-4C32-974F-F7F86BE48391}"/>
-              </a:ext>
-            </a:extLst>
-          </p:cNvPr>
-          <p:cNvSpPr>
-            <a:spLocks noGrp="1"/>
-          </p:cNvSpPr>
-          <p:nvPr>
-            <p:ph type="ftr" sz="quarter" idx="10"/>
-          </p:nvPr>
-        </p:nvSpPr>
-        <p:spPr/>
-        <p:txBody>
-          <a:bodyPr/>
-          <a:lstStyle/>
-          <a:p>
-            <a:pPr>
-              <a:defRPr/>
-            </a:pPr>
-            <a:r>
-              <a:rPr lang="en-US"/>
-              <a:t>Dimitrov, Drehwald, Guneshka, Häring, Stangel</a:t>
-            </a:r>
-            <a:endParaRPr lang="en-US" dirty="0"/>
-          </a:p>
-        </p:txBody>
-      </p:sp>
-      <p:sp>
-        <p:nvSpPr>
-          <p:cNvPr id="4" name="Datumsplatzhalter 3">
-            <a:extLst>
-              <a:ext uri="{FF2B5EF4-FFF2-40B4-BE49-F238E27FC236}">
-                <a16:creationId xmlns:a16="http://schemas.microsoft.com/office/drawing/2014/main" id="{C9E939C9-C552-41F0-863D-5CADD1D70733}"/>
-              </a:ext>
-            </a:extLst>
-          </p:cNvPr>
-          <p:cNvSpPr>
-            <a:spLocks noGrp="1"/>
-          </p:cNvSpPr>
-          <p:nvPr>
-            <p:ph type="dt" sz="half" idx="11"/>
-          </p:nvPr>
-        </p:nvSpPr>
-        <p:spPr/>
-        <p:txBody>
-          <a:bodyPr/>
-          <a:lstStyle/>
-          <a:p>
-            <a:r>
-              <a:rPr lang="en-US"/>
-              <a:t>Neural Network based Image Classification System on Heterogeneous Platforms</a:t>
-            </a:r>
-          </a:p>
-          <a:p>
-            <a:endParaRPr lang="de-DE" dirty="0"/>
-          </a:p>
-        </p:txBody>
-      </p:sp>
-      <p:sp>
-        <p:nvSpPr>
-          <p:cNvPr id="5" name="Foliennummernplatzhalter 4">
-            <a:extLst>
-              <a:ext uri="{FF2B5EF4-FFF2-40B4-BE49-F238E27FC236}">
-                <a16:creationId xmlns:a16="http://schemas.microsoft.com/office/drawing/2014/main" id="{AC541923-1212-42E6-AA2B-5AFD4FD1FEB7}"/>
-              </a:ext>
-            </a:extLst>
-          </p:cNvPr>
-          <p:cNvSpPr>
-            <a:spLocks noGrp="1"/>
-          </p:cNvSpPr>
-          <p:nvPr>
-            <p:ph type="sldNum" sz="quarter" idx="12"/>
-          </p:nvPr>
-        </p:nvSpPr>
-        <p:spPr/>
-        <p:txBody>
-          <a:bodyPr/>
-          <a:lstStyle/>
-          <a:p>
-            <a:fld id="{E55ABDE9-7D1A-4CAE-9056-F713D277A78C}" type="slidenum">
-              <a:rPr lang="de-DE" smtClean="0"/>
-              <a:pPr/>
-              <a:t>5</a:t>
-            </a:fld>
-            <a:endParaRPr lang="de-DE" dirty="0"/>
-          </a:p>
-        </p:txBody>
-      </p:sp>
-      <p:pic>
-        <p:nvPicPr>
-          <p:cNvPr id="7" name="Grafik 6" descr="Ein Bild, das Text enthält.&#10;&#10;Automatisch generierte Beschreibung">
-            <a:extLst>
-              <a:ext uri="{FF2B5EF4-FFF2-40B4-BE49-F238E27FC236}">
-                <a16:creationId xmlns:a16="http://schemas.microsoft.com/office/drawing/2014/main" id="{846E56AD-3165-4FC1-B073-B49822223007}"/>
-              </a:ext>
-            </a:extLst>
-          </p:cNvPr>
-          <p:cNvPicPr>
-            <a:picLocks noChangeAspect="1"/>
-          </p:cNvPicPr>
-          <p:nvPr/>
-        </p:nvPicPr>
-        <p:blipFill>
-          <a:blip r:embed="rId2">
-            <a:extLst>
-              <a:ext uri="{28A0092B-C50C-407E-A947-70E740481C1C}">
-                <a14:useLocalDpi xmlns:a14="http://schemas.microsoft.com/office/drawing/2010/main" val="0"/>
-              </a:ext>
-            </a:extLst>
-          </a:blip>
-          <a:stretch>
-            <a:fillRect/>
-          </a:stretch>
-        </p:blipFill>
-        <p:spPr>
-          <a:xfrm>
-            <a:off x="390525" y="1158205"/>
-            <a:ext cx="7834455" cy="5040000"/>
-          </a:xfrm>
-          <a:prstGeom prst="rect">
-            <a:avLst/>
-          </a:prstGeom>
-        </p:spPr>
-      </p:pic>
-    </p:spTree>
-    <p:extLst>
-      <p:ext uri="{BB962C8B-B14F-4D97-AF65-F5344CB8AC3E}">
-        <p14:creationId xmlns:p14="http://schemas.microsoft.com/office/powerpoint/2010/main" val="2607947462"/>
-      </p:ext>
-    </p:extLst>
-  </p:cSld>
-  <p:clrMapOvr>
-    <a:masterClrMapping/>
-  </p:clrMapOvr>
-</p:sld>
-</file>
-
-<file path=ppt/slides/slide6.xml><?xml version="1.0" encoding="utf-8"?>
-<p:sld xmlns:a="http://schemas.openxmlformats.org/drawingml/2006/main" xmlns:r="http://schemas.openxmlformats.org/officeDocument/2006/relationships" xmlns:p="http://schemas.openxmlformats.org/presentationml/2006/main">
-  <p:cSld>
-    <p:spTree>
-      <p:nvGrpSpPr>
-        <p:cNvPr id="1" name=""/>
-        <p:cNvGrpSpPr/>
-        <p:nvPr/>
-      </p:nvGrpSpPr>
-      <p:grpSpPr>
-        <a:xfrm>
-          <a:off x="0" y="0"/>
-          <a:ext cx="0" cy="0"/>
-          <a:chOff x="0" y="0"/>
-          <a:chExt cx="0" cy="0"/>
-        </a:xfrm>
-      </p:grpSpPr>
-      <p:sp>
-        <p:nvSpPr>
-          <p:cNvPr id="2" name="Titel 1">
-            <a:extLst>
-              <a:ext uri="{FF2B5EF4-FFF2-40B4-BE49-F238E27FC236}">
-                <a16:creationId xmlns:a16="http://schemas.microsoft.com/office/drawing/2014/main" id="{4A7197C1-0C6B-4384-987C-C307C903B5BF}"/>
-              </a:ext>
-            </a:extLst>
-          </p:cNvPr>
-          <p:cNvSpPr>
-            <a:spLocks noGrp="1"/>
-          </p:cNvSpPr>
-          <p:nvPr>
-            <p:ph type="title"/>
-          </p:nvPr>
-        </p:nvSpPr>
-        <p:spPr/>
-        <p:txBody>
-          <a:bodyPr/>
-          <a:lstStyle/>
-          <a:p>
-            <a:r>
-              <a:rPr lang="en-US" dirty="0"/>
-              <a:t>Process of image classification</a:t>
-            </a:r>
-            <a:br>
-              <a:rPr lang="en-US" dirty="0"/>
-            </a:br>
-            <a:r>
-              <a:rPr lang="en-US" dirty="0"/>
-              <a:t>	 – class diagram of the predictor</a:t>
-            </a:r>
-          </a:p>
-        </p:txBody>
-      </p:sp>
-      <p:sp>
-        <p:nvSpPr>
-          <p:cNvPr id="3" name="Fußzeilenplatzhalter 2">
-            <a:extLst>
-              <a:ext uri="{FF2B5EF4-FFF2-40B4-BE49-F238E27FC236}">
-                <a16:creationId xmlns:a16="http://schemas.microsoft.com/office/drawing/2014/main" id="{02AD2DE0-F005-4C32-974F-F7F86BE48391}"/>
-              </a:ext>
-            </a:extLst>
-          </p:cNvPr>
-          <p:cNvSpPr>
-            <a:spLocks noGrp="1"/>
-          </p:cNvSpPr>
-          <p:nvPr>
-            <p:ph type="ftr" sz="quarter" idx="10"/>
-          </p:nvPr>
-        </p:nvSpPr>
-        <p:spPr/>
-        <p:txBody>
-          <a:bodyPr/>
-          <a:lstStyle/>
-          <a:p>
-            <a:pPr>
-              <a:defRPr/>
-            </a:pPr>
-            <a:r>
-              <a:rPr lang="en-US"/>
-              <a:t>Dimitrov, Drehwald, Guneshka, Häring, Stangel</a:t>
-            </a:r>
-            <a:endParaRPr lang="en-US" dirty="0"/>
-          </a:p>
-        </p:txBody>
-      </p:sp>
-      <p:sp>
-        <p:nvSpPr>
-          <p:cNvPr id="4" name="Datumsplatzhalter 3">
-            <a:extLst>
-              <a:ext uri="{FF2B5EF4-FFF2-40B4-BE49-F238E27FC236}">
-                <a16:creationId xmlns:a16="http://schemas.microsoft.com/office/drawing/2014/main" id="{C9E939C9-C552-41F0-863D-5CADD1D70733}"/>
-              </a:ext>
-            </a:extLst>
-          </p:cNvPr>
-          <p:cNvSpPr>
-            <a:spLocks noGrp="1"/>
-          </p:cNvSpPr>
-          <p:nvPr>
-            <p:ph type="dt" sz="half" idx="11"/>
-          </p:nvPr>
-        </p:nvSpPr>
-        <p:spPr/>
-        <p:txBody>
-          <a:bodyPr/>
-          <a:lstStyle/>
-          <a:p>
-            <a:r>
-              <a:rPr lang="en-US"/>
-              <a:t>Neural Network based Image Classification System on Heterogeneous Platforms</a:t>
-            </a:r>
-          </a:p>
-          <a:p>
-            <a:endParaRPr lang="de-DE" dirty="0"/>
-          </a:p>
-        </p:txBody>
-      </p:sp>
-      <p:sp>
-        <p:nvSpPr>
-          <p:cNvPr id="5" name="Foliennummernplatzhalter 4">
-            <a:extLst>
-              <a:ext uri="{FF2B5EF4-FFF2-40B4-BE49-F238E27FC236}">
-                <a16:creationId xmlns:a16="http://schemas.microsoft.com/office/drawing/2014/main" id="{AC541923-1212-42E6-AA2B-5AFD4FD1FEB7}"/>
-              </a:ext>
-            </a:extLst>
-          </p:cNvPr>
-          <p:cNvSpPr>
-            <a:spLocks noGrp="1"/>
-          </p:cNvSpPr>
-          <p:nvPr>
-            <p:ph type="sldNum" sz="quarter" idx="12"/>
-          </p:nvPr>
-        </p:nvSpPr>
-        <p:spPr/>
-        <p:txBody>
-          <a:bodyPr/>
-          <a:lstStyle/>
-          <a:p>
-            <a:fld id="{E55ABDE9-7D1A-4CAE-9056-F713D277A78C}" type="slidenum">
-              <a:rPr lang="de-DE" smtClean="0"/>
-              <a:pPr/>
-              <a:t>6</a:t>
-            </a:fld>
-            <a:endParaRPr lang="de-DE" dirty="0"/>
-          </a:p>
-        </p:txBody>
-      </p:sp>
-      <p:pic>
-        <p:nvPicPr>
-          <p:cNvPr id="7" name="Grafik 6" descr="Ein Bild, das Screenshot enthält.&#10;&#10;Automatisch generierte Beschreibung">
-            <a:extLst>
-              <a:ext uri="{FF2B5EF4-FFF2-40B4-BE49-F238E27FC236}">
-                <a16:creationId xmlns:a16="http://schemas.microsoft.com/office/drawing/2014/main" id="{B53D4A0C-3924-472F-A9CC-C117A2C0335F}"/>
-              </a:ext>
-            </a:extLst>
-          </p:cNvPr>
-          <p:cNvPicPr>
-            <a:picLocks noChangeAspect="1"/>
-          </p:cNvPicPr>
-          <p:nvPr/>
-        </p:nvPicPr>
-        <p:blipFill>
-          <a:blip r:embed="rId2">
-            <a:extLst>
-              <a:ext uri="{28A0092B-C50C-407E-A947-70E740481C1C}">
-                <a14:useLocalDpi xmlns:a14="http://schemas.microsoft.com/office/drawing/2010/main" val="0"/>
-              </a:ext>
-            </a:extLst>
-          </a:blip>
-          <a:stretch>
-            <a:fillRect/>
-          </a:stretch>
-        </p:blipFill>
-        <p:spPr>
-          <a:xfrm>
-            <a:off x="252000" y="1489363"/>
-            <a:ext cx="8640000" cy="4765091"/>
-          </a:xfrm>
-          <a:prstGeom prst="rect">
-            <a:avLst/>
-          </a:prstGeom>
-        </p:spPr>
-      </p:pic>
-    </p:spTree>
-    <p:extLst>
-      <p:ext uri="{BB962C8B-B14F-4D97-AF65-F5344CB8AC3E}">
-        <p14:creationId xmlns:p14="http://schemas.microsoft.com/office/powerpoint/2010/main" val="72236851"/>
-      </p:ext>
-    </p:extLst>
-  </p:cSld>
-  <p:clrMapOvr>
-    <a:masterClrMapping/>
-  </p:clrMapOvr>
-</p:sld>
-</file>
-
-<file path=ppt/slides/slide7.xml><?xml version="1.0" encoding="utf-8"?>
-<p:sld xmlns:a="http://schemas.openxmlformats.org/drawingml/2006/main" xmlns:r="http://schemas.openxmlformats.org/officeDocument/2006/relationships" xmlns:p="http://schemas.openxmlformats.org/presentationml/2006/main">
-  <p:cSld>
-    <p:spTree>
-      <p:nvGrpSpPr>
-        <p:cNvPr id="1" name=""/>
-        <p:cNvGrpSpPr/>
-        <p:nvPr/>
-      </p:nvGrpSpPr>
-      <p:grpSpPr>
-        <a:xfrm>
-          <a:off x="0" y="0"/>
-          <a:ext cx="0" cy="0"/>
-          <a:chOff x="0" y="0"/>
-          <a:chExt cx="0" cy="0"/>
-        </a:xfrm>
-      </p:grpSpPr>
-      <p:sp>
-        <p:nvSpPr>
-          <p:cNvPr id="2" name="Titel 1">
-            <a:extLst>
-              <a:ext uri="{FF2B5EF4-FFF2-40B4-BE49-F238E27FC236}">
-                <a16:creationId xmlns:a16="http://schemas.microsoft.com/office/drawing/2014/main" id="{4A7197C1-0C6B-4384-987C-C307C903B5BF}"/>
-              </a:ext>
-            </a:extLst>
-          </p:cNvPr>
-          <p:cNvSpPr>
-            <a:spLocks noGrp="1"/>
-          </p:cNvSpPr>
-          <p:nvPr>
-            <p:ph type="title"/>
-          </p:nvPr>
-        </p:nvSpPr>
-        <p:spPr/>
-        <p:txBody>
-          <a:bodyPr/>
-          <a:lstStyle/>
-          <a:p>
-            <a:r>
-              <a:rPr lang="en-US" dirty="0"/>
-              <a:t>Process of image classification</a:t>
-            </a:r>
-            <a:br>
-              <a:rPr lang="en-US" dirty="0"/>
-            </a:br>
-            <a:r>
-              <a:rPr lang="en-US" dirty="0"/>
-              <a:t>	 – class diagram of communication</a:t>
-            </a:r>
-          </a:p>
-        </p:txBody>
-      </p:sp>
-      <p:sp>
-        <p:nvSpPr>
-          <p:cNvPr id="3" name="Fußzeilenplatzhalter 2">
-            <a:extLst>
-              <a:ext uri="{FF2B5EF4-FFF2-40B4-BE49-F238E27FC236}">
-                <a16:creationId xmlns:a16="http://schemas.microsoft.com/office/drawing/2014/main" id="{02AD2DE0-F005-4C32-974F-F7F86BE48391}"/>
-              </a:ext>
-            </a:extLst>
-          </p:cNvPr>
-          <p:cNvSpPr>
-            <a:spLocks noGrp="1"/>
-          </p:cNvSpPr>
-          <p:nvPr>
-            <p:ph type="ftr" sz="quarter" idx="10"/>
-          </p:nvPr>
-        </p:nvSpPr>
-        <p:spPr/>
-        <p:txBody>
-          <a:bodyPr/>
-          <a:lstStyle/>
-          <a:p>
-            <a:pPr>
-              <a:defRPr/>
-            </a:pPr>
-            <a:r>
-              <a:rPr lang="en-US"/>
-              <a:t>Dimitrov, Drehwald, Guneshka, Häring, Stangel</a:t>
-            </a:r>
-            <a:endParaRPr lang="en-US" dirty="0"/>
-          </a:p>
-        </p:txBody>
-      </p:sp>
-      <p:sp>
-        <p:nvSpPr>
-          <p:cNvPr id="4" name="Datumsplatzhalter 3">
-            <a:extLst>
-              <a:ext uri="{FF2B5EF4-FFF2-40B4-BE49-F238E27FC236}">
-                <a16:creationId xmlns:a16="http://schemas.microsoft.com/office/drawing/2014/main" id="{C9E939C9-C552-41F0-863D-5CADD1D70733}"/>
-              </a:ext>
-            </a:extLst>
-          </p:cNvPr>
-          <p:cNvSpPr>
-            <a:spLocks noGrp="1"/>
-          </p:cNvSpPr>
-          <p:nvPr>
-            <p:ph type="dt" sz="half" idx="11"/>
-          </p:nvPr>
-        </p:nvSpPr>
-        <p:spPr/>
-        <p:txBody>
-          <a:bodyPr/>
-          <a:lstStyle/>
-          <a:p>
-            <a:r>
-              <a:rPr lang="en-US"/>
-              <a:t>Neural Network based Image Classification System on Heterogeneous Platforms</a:t>
-            </a:r>
-          </a:p>
-          <a:p>
-            <a:endParaRPr lang="de-DE" dirty="0"/>
-          </a:p>
-        </p:txBody>
-      </p:sp>
-      <p:sp>
-        <p:nvSpPr>
-          <p:cNvPr id="5" name="Foliennummernplatzhalter 4">
-            <a:extLst>
-              <a:ext uri="{FF2B5EF4-FFF2-40B4-BE49-F238E27FC236}">
-                <a16:creationId xmlns:a16="http://schemas.microsoft.com/office/drawing/2014/main" id="{AC541923-1212-42E6-AA2B-5AFD4FD1FEB7}"/>
-              </a:ext>
-            </a:extLst>
-          </p:cNvPr>
-          <p:cNvSpPr>
-            <a:spLocks noGrp="1"/>
-          </p:cNvSpPr>
-          <p:nvPr>
-            <p:ph type="sldNum" sz="quarter" idx="12"/>
-          </p:nvPr>
-        </p:nvSpPr>
-        <p:spPr/>
-        <p:txBody>
-          <a:bodyPr/>
-          <a:lstStyle/>
-          <a:p>
-            <a:fld id="{E55ABDE9-7D1A-4CAE-9056-F713D277A78C}" type="slidenum">
-              <a:rPr lang="de-DE" smtClean="0"/>
-              <a:pPr/>
-              <a:t>7</a:t>
-            </a:fld>
-            <a:endParaRPr lang="de-DE" dirty="0"/>
-          </a:p>
-        </p:txBody>
-      </p:sp>
-      <p:pic>
-        <p:nvPicPr>
-          <p:cNvPr id="7" name="Grafik 6" descr="Ein Bild, das Screenshot enthält.&#10;&#10;Automatisch generierte Beschreibung">
-            <a:extLst>
-              <a:ext uri="{FF2B5EF4-FFF2-40B4-BE49-F238E27FC236}">
-                <a16:creationId xmlns:a16="http://schemas.microsoft.com/office/drawing/2014/main" id="{DC4ADC09-2A7B-4630-9C67-490335AAF86A}"/>
-              </a:ext>
-            </a:extLst>
-          </p:cNvPr>
-          <p:cNvPicPr>
-            <a:picLocks noChangeAspect="1"/>
-          </p:cNvPicPr>
-          <p:nvPr/>
-        </p:nvPicPr>
-        <p:blipFill>
-          <a:blip r:embed="rId2">
-            <a:extLst>
-              <a:ext uri="{28A0092B-C50C-407E-A947-70E740481C1C}">
-                <a14:useLocalDpi xmlns:a14="http://schemas.microsoft.com/office/drawing/2010/main" val="0"/>
-              </a:ext>
-            </a:extLst>
-          </a:blip>
-          <a:stretch>
-            <a:fillRect/>
-          </a:stretch>
-        </p:blipFill>
-        <p:spPr>
-          <a:xfrm>
-            <a:off x="448363" y="1158205"/>
-            <a:ext cx="8247273" cy="5040000"/>
-          </a:xfrm>
-          <a:prstGeom prst="rect">
-            <a:avLst/>
-          </a:prstGeom>
-        </p:spPr>
-      </p:pic>
-    </p:spTree>
-    <p:extLst>
-      <p:ext uri="{BB962C8B-B14F-4D97-AF65-F5344CB8AC3E}">
-        <p14:creationId xmlns:p14="http://schemas.microsoft.com/office/powerpoint/2010/main" val="2560123012"/>
-      </p:ext>
-    </p:extLst>
-  </p:cSld>
-  <p:clrMapOvr>
-    <a:masterClrMapping/>
-  </p:clrMapOvr>
-</p:sld>
-</file>
-
-<file path=ppt/slides/slide8.xml><?xml version="1.0" encoding="utf-8"?>
-<p:sld xmlns:a="http://schemas.openxmlformats.org/drawingml/2006/main" xmlns:r="http://schemas.openxmlformats.org/officeDocument/2006/relationships" xmlns:p="http://schemas.openxmlformats.org/presentationml/2006/main">
-  <p:cSld>
-    <p:spTree>
-      <p:nvGrpSpPr>
-        <p:cNvPr id="1" name=""/>
-        <p:cNvGrpSpPr/>
-        <p:nvPr/>
-      </p:nvGrpSpPr>
-      <p:grpSpPr>
-        <a:xfrm>
-          <a:off x="0" y="0"/>
-          <a:ext cx="0" cy="0"/>
-          <a:chOff x="0" y="0"/>
-          <a:chExt cx="0" cy="0"/>
-        </a:xfrm>
-      </p:grpSpPr>
-      <p:sp>
-        <p:nvSpPr>
-          <p:cNvPr id="2" name="Titel 1">
-            <a:extLst>
-              <a:ext uri="{FF2B5EF4-FFF2-40B4-BE49-F238E27FC236}">
-                <a16:creationId xmlns:a16="http://schemas.microsoft.com/office/drawing/2014/main" id="{4A7197C1-0C6B-4384-987C-C307C903B5BF}"/>
-              </a:ext>
-            </a:extLst>
-          </p:cNvPr>
-          <p:cNvSpPr>
-            <a:spLocks noGrp="1"/>
-          </p:cNvSpPr>
-          <p:nvPr>
-            <p:ph type="title"/>
-          </p:nvPr>
-        </p:nvSpPr>
-        <p:spPr/>
-        <p:txBody>
-          <a:bodyPr/>
-          <a:lstStyle/>
-          <a:p>
-            <a:r>
-              <a:rPr lang="en-US" dirty="0"/>
-              <a:t>Process of image classification</a:t>
-            </a:r>
-            <a:br>
-              <a:rPr lang="en-US" dirty="0"/>
-            </a:br>
-            <a:r>
-              <a:rPr lang="en-US" dirty="0"/>
-              <a:t>	 – </a:t>
-            </a:r>
-            <a:r>
-              <a:rPr lang="en-US" dirty="0" err="1"/>
-              <a:t>getImages</a:t>
-            </a:r>
-            <a:endParaRPr lang="en-US" dirty="0"/>
-          </a:p>
-        </p:txBody>
-      </p:sp>
-      <p:sp>
-        <p:nvSpPr>
-          <p:cNvPr id="3" name="Fußzeilenplatzhalter 2">
-            <a:extLst>
-              <a:ext uri="{FF2B5EF4-FFF2-40B4-BE49-F238E27FC236}">
-                <a16:creationId xmlns:a16="http://schemas.microsoft.com/office/drawing/2014/main" id="{02AD2DE0-F005-4C32-974F-F7F86BE48391}"/>
-              </a:ext>
-            </a:extLst>
-          </p:cNvPr>
-          <p:cNvSpPr>
-            <a:spLocks noGrp="1"/>
-          </p:cNvSpPr>
-          <p:nvPr>
-            <p:ph type="ftr" sz="quarter" idx="10"/>
-          </p:nvPr>
-        </p:nvSpPr>
-        <p:spPr/>
-        <p:txBody>
-          <a:bodyPr/>
-          <a:lstStyle/>
-          <a:p>
-            <a:pPr>
-              <a:defRPr/>
-            </a:pPr>
-            <a:r>
-              <a:rPr lang="en-US"/>
-              <a:t>Dimitrov, Drehwald, Guneshka, Häring, Stangel</a:t>
-            </a:r>
-            <a:endParaRPr lang="en-US" dirty="0"/>
-          </a:p>
-        </p:txBody>
-      </p:sp>
-      <p:sp>
-        <p:nvSpPr>
-          <p:cNvPr id="4" name="Datumsplatzhalter 3">
-            <a:extLst>
-              <a:ext uri="{FF2B5EF4-FFF2-40B4-BE49-F238E27FC236}">
-                <a16:creationId xmlns:a16="http://schemas.microsoft.com/office/drawing/2014/main" id="{C9E939C9-C552-41F0-863D-5CADD1D70733}"/>
-              </a:ext>
-            </a:extLst>
-          </p:cNvPr>
-          <p:cNvSpPr>
-            <a:spLocks noGrp="1"/>
-          </p:cNvSpPr>
-          <p:nvPr>
-            <p:ph type="dt" sz="half" idx="11"/>
-          </p:nvPr>
-        </p:nvSpPr>
-        <p:spPr/>
-        <p:txBody>
-          <a:bodyPr/>
-          <a:lstStyle/>
-          <a:p>
-            <a:r>
-              <a:rPr lang="en-US"/>
-              <a:t>Neural Network based Image Classification System on Heterogeneous Platforms</a:t>
-            </a:r>
-          </a:p>
-          <a:p>
-            <a:endParaRPr lang="de-DE" dirty="0"/>
-          </a:p>
-        </p:txBody>
-      </p:sp>
-      <p:sp>
-        <p:nvSpPr>
-          <p:cNvPr id="5" name="Foliennummernplatzhalter 4">
-            <a:extLst>
-              <a:ext uri="{FF2B5EF4-FFF2-40B4-BE49-F238E27FC236}">
-                <a16:creationId xmlns:a16="http://schemas.microsoft.com/office/drawing/2014/main" id="{AC541923-1212-42E6-AA2B-5AFD4FD1FEB7}"/>
-              </a:ext>
-            </a:extLst>
-          </p:cNvPr>
-          <p:cNvSpPr>
-            <a:spLocks noGrp="1"/>
-          </p:cNvSpPr>
-          <p:nvPr>
-            <p:ph type="sldNum" sz="quarter" idx="12"/>
-          </p:nvPr>
-        </p:nvSpPr>
-        <p:spPr/>
-        <p:txBody>
-          <a:bodyPr/>
-          <a:lstStyle/>
-          <a:p>
-            <a:fld id="{E55ABDE9-7D1A-4CAE-9056-F713D277A78C}" type="slidenum">
-              <a:rPr lang="de-DE" smtClean="0"/>
-              <a:pPr/>
-              <a:t>8</a:t>
+              <a:t>10</a:t>
             </a:fld>
             <a:endParaRPr lang="de-DE" dirty="0"/>
           </a:p>
@@ -6458,6 +5160,4476 @@
 </p:sld>
 </file>
 
+<file path=ppt/slides/slide11.xml><?xml version="1.0" encoding="utf-8"?>
+<p:sld xmlns:a="http://schemas.openxmlformats.org/drawingml/2006/main" xmlns:r="http://schemas.openxmlformats.org/officeDocument/2006/relationships" xmlns:p="http://schemas.openxmlformats.org/presentationml/2006/main">
+  <p:cSld>
+    <p:spTree>
+      <p:nvGrpSpPr>
+        <p:cNvPr id="1" name=""/>
+        <p:cNvGrpSpPr/>
+        <p:nvPr/>
+      </p:nvGrpSpPr>
+      <p:grpSpPr>
+        <a:xfrm>
+          <a:off x="0" y="0"/>
+          <a:ext cx="0" cy="0"/>
+          <a:chOff x="0" y="0"/>
+          <a:chExt cx="0" cy="0"/>
+        </a:xfrm>
+      </p:grpSpPr>
+      <p:sp>
+        <p:nvSpPr>
+          <p:cNvPr id="2" name="Titel 1">
+            <a:extLst>
+              <a:ext uri="{FF2B5EF4-FFF2-40B4-BE49-F238E27FC236}">
+                <a16:creationId xmlns:a16="http://schemas.microsoft.com/office/drawing/2014/main" id="{1B112619-2BC8-46BC-A2E5-89C623D7A2F7}"/>
+              </a:ext>
+            </a:extLst>
+          </p:cNvPr>
+          <p:cNvSpPr>
+            <a:spLocks noGrp="1"/>
+          </p:cNvSpPr>
+          <p:nvPr>
+            <p:ph type="title"/>
+          </p:nvPr>
+        </p:nvSpPr>
+        <p:spPr/>
+        <p:txBody>
+          <a:bodyPr/>
+          <a:lstStyle/>
+          <a:p>
+            <a:r>
+              <a:rPr lang="de-DE" dirty="0"/>
+              <a:t>Next </a:t>
+            </a:r>
+            <a:r>
+              <a:rPr lang="en-US" dirty="0"/>
+              <a:t>steps</a:t>
+            </a:r>
+          </a:p>
+        </p:txBody>
+      </p:sp>
+      <p:sp>
+        <p:nvSpPr>
+          <p:cNvPr id="3" name="Inhaltsplatzhalter 2">
+            <a:extLst>
+              <a:ext uri="{FF2B5EF4-FFF2-40B4-BE49-F238E27FC236}">
+                <a16:creationId xmlns:a16="http://schemas.microsoft.com/office/drawing/2014/main" id="{B53E3B2B-57BC-488F-B204-35E3BF8DB4FB}"/>
+              </a:ext>
+            </a:extLst>
+          </p:cNvPr>
+          <p:cNvSpPr>
+            <a:spLocks noGrp="1"/>
+          </p:cNvSpPr>
+          <p:nvPr>
+            <p:ph idx="1"/>
+          </p:nvPr>
+        </p:nvSpPr>
+        <p:spPr>
+          <a:xfrm>
+            <a:off x="392113" y="1246909"/>
+            <a:ext cx="8356600" cy="4845916"/>
+          </a:xfrm>
+        </p:spPr>
+        <p:txBody>
+          <a:bodyPr/>
+          <a:lstStyle/>
+          <a:p>
+            <a:r>
+              <a:rPr lang="en-US" dirty="0"/>
+              <a:t>Christmas and holidays!</a:t>
+            </a:r>
+          </a:p>
+          <a:p>
+            <a:endParaRPr lang="en-US" dirty="0"/>
+          </a:p>
+          <a:p>
+            <a:r>
+              <a:rPr lang="en-US" dirty="0"/>
+              <a:t>Implementation phase with Manuel as responsible person</a:t>
+            </a:r>
+          </a:p>
+          <a:p>
+            <a:pPr marL="0" indent="0">
+              <a:buNone/>
+            </a:pPr>
+            <a:endParaRPr lang="en-US" dirty="0"/>
+          </a:p>
+          <a:p>
+            <a:r>
+              <a:rPr lang="en-US" dirty="0"/>
+              <a:t>Next ultimatum: 31. January</a:t>
+            </a:r>
+          </a:p>
+          <a:p>
+            <a:endParaRPr lang="en-US" dirty="0"/>
+          </a:p>
+        </p:txBody>
+      </p:sp>
+      <p:sp>
+        <p:nvSpPr>
+          <p:cNvPr id="4" name="Datumsplatzhalter 3">
+            <a:extLst>
+              <a:ext uri="{FF2B5EF4-FFF2-40B4-BE49-F238E27FC236}">
+                <a16:creationId xmlns:a16="http://schemas.microsoft.com/office/drawing/2014/main" id="{093C10B7-6440-4C84-8C50-684950195EE3}"/>
+              </a:ext>
+            </a:extLst>
+          </p:cNvPr>
+          <p:cNvSpPr>
+            <a:spLocks noGrp="1"/>
+          </p:cNvSpPr>
+          <p:nvPr>
+            <p:ph type="dt" sz="half" idx="2"/>
+          </p:nvPr>
+        </p:nvSpPr>
+        <p:spPr/>
+        <p:txBody>
+          <a:bodyPr/>
+          <a:lstStyle/>
+          <a:p>
+            <a:r>
+              <a:rPr lang="en-US"/>
+              <a:t>Neural Network based Image Classification System on Heterogeneous Platforms</a:t>
+            </a:r>
+          </a:p>
+          <a:p>
+            <a:endParaRPr lang="de-DE" dirty="0"/>
+          </a:p>
+        </p:txBody>
+      </p:sp>
+      <p:sp>
+        <p:nvSpPr>
+          <p:cNvPr id="5" name="Foliennummernplatzhalter 4">
+            <a:extLst>
+              <a:ext uri="{FF2B5EF4-FFF2-40B4-BE49-F238E27FC236}">
+                <a16:creationId xmlns:a16="http://schemas.microsoft.com/office/drawing/2014/main" id="{C98A3C77-F718-460E-91A4-9FD9AD7D466B}"/>
+              </a:ext>
+            </a:extLst>
+          </p:cNvPr>
+          <p:cNvSpPr>
+            <a:spLocks noGrp="1"/>
+          </p:cNvSpPr>
+          <p:nvPr>
+            <p:ph type="sldNum" sz="quarter" idx="4"/>
+          </p:nvPr>
+        </p:nvSpPr>
+        <p:spPr/>
+        <p:txBody>
+          <a:bodyPr/>
+          <a:lstStyle/>
+          <a:p>
+            <a:fld id="{E55ABDE9-7D1A-4CAE-9056-F713D277A78C}" type="slidenum">
+              <a:rPr lang="de-DE" smtClean="0"/>
+              <a:pPr/>
+              <a:t>11</a:t>
+            </a:fld>
+            <a:endParaRPr lang="de-DE" dirty="0"/>
+          </a:p>
+        </p:txBody>
+      </p:sp>
+      <p:sp>
+        <p:nvSpPr>
+          <p:cNvPr id="6" name="Fußzeilenplatzhalter 5">
+            <a:extLst>
+              <a:ext uri="{FF2B5EF4-FFF2-40B4-BE49-F238E27FC236}">
+                <a16:creationId xmlns:a16="http://schemas.microsoft.com/office/drawing/2014/main" id="{243E1856-6CA5-48B5-BD2F-A4AEA03F79AB}"/>
+              </a:ext>
+            </a:extLst>
+          </p:cNvPr>
+          <p:cNvSpPr>
+            <a:spLocks noGrp="1"/>
+          </p:cNvSpPr>
+          <p:nvPr>
+            <p:ph type="ftr" sz="quarter" idx="3"/>
+          </p:nvPr>
+        </p:nvSpPr>
+        <p:spPr/>
+        <p:txBody>
+          <a:bodyPr/>
+          <a:lstStyle/>
+          <a:p>
+            <a:pPr>
+              <a:defRPr/>
+            </a:pPr>
+            <a:r>
+              <a:rPr lang="en-US"/>
+              <a:t>Dimitrov, Drehwald, Guneshka, Häring, Stangel</a:t>
+            </a:r>
+            <a:endParaRPr lang="en-US" dirty="0"/>
+          </a:p>
+        </p:txBody>
+      </p:sp>
+    </p:spTree>
+    <p:extLst>
+      <p:ext uri="{BB962C8B-B14F-4D97-AF65-F5344CB8AC3E}">
+        <p14:creationId xmlns:p14="http://schemas.microsoft.com/office/powerpoint/2010/main" val="1098885676"/>
+      </p:ext>
+    </p:extLst>
+  </p:cSld>
+  <p:clrMapOvr>
+    <a:masterClrMapping/>
+  </p:clrMapOvr>
+  <p:timing>
+    <p:tnLst>
+      <p:par>
+        <p:cTn id="1" dur="indefinite" restart="never" nodeType="tmRoot">
+          <p:childTnLst>
+            <p:seq concurrent="1" nextAc="seek">
+              <p:cTn id="2" dur="indefinite" nodeType="mainSeq">
+                <p:childTnLst>
+                  <p:par>
+                    <p:cTn id="3" fill="hold">
+                      <p:stCondLst>
+                        <p:cond delay="indefinite"/>
+                      </p:stCondLst>
+                      <p:childTnLst>
+                        <p:par>
+                          <p:cTn id="4" fill="hold">
+                            <p:stCondLst>
+                              <p:cond delay="0"/>
+                            </p:stCondLst>
+                            <p:childTnLst>
+                              <p:par>
+                                <p:cTn id="5" presetID="1" presetClass="entr" presetSubtype="0" fill="hold" nodeType="clickEffect">
+                                  <p:stCondLst>
+                                    <p:cond delay="0"/>
+                                  </p:stCondLst>
+                                  <p:childTnLst>
+                                    <p:set>
+                                      <p:cBhvr>
+                                        <p:cTn id="6" dur="1" fill="hold">
+                                          <p:stCondLst>
+                                            <p:cond delay="0"/>
+                                          </p:stCondLst>
+                                        </p:cTn>
+                                        <p:tgtEl>
+                                          <p:spTgt spid="3">
+                                            <p:txEl>
+                                              <p:pRg st="0" end="0"/>
+                                            </p:txEl>
+                                          </p:spTgt>
+                                        </p:tgtEl>
+                                        <p:attrNameLst>
+                                          <p:attrName>style.visibility</p:attrName>
+                                        </p:attrNameLst>
+                                      </p:cBhvr>
+                                      <p:to>
+                                        <p:strVal val="visible"/>
+                                      </p:to>
+                                    </p:set>
+                                  </p:childTnLst>
+                                </p:cTn>
+                              </p:par>
+                            </p:childTnLst>
+                          </p:cTn>
+                        </p:par>
+                      </p:childTnLst>
+                    </p:cTn>
+                  </p:par>
+                  <p:par>
+                    <p:cTn id="7" fill="hold">
+                      <p:stCondLst>
+                        <p:cond delay="indefinite"/>
+                      </p:stCondLst>
+                      <p:childTnLst>
+                        <p:par>
+                          <p:cTn id="8" fill="hold">
+                            <p:stCondLst>
+                              <p:cond delay="0"/>
+                            </p:stCondLst>
+                            <p:childTnLst>
+                              <p:par>
+                                <p:cTn id="9" presetID="1" presetClass="entr" presetSubtype="0" fill="hold" nodeType="clickEffect">
+                                  <p:stCondLst>
+                                    <p:cond delay="0"/>
+                                  </p:stCondLst>
+                                  <p:childTnLst>
+                                    <p:set>
+                                      <p:cBhvr>
+                                        <p:cTn id="10" dur="1" fill="hold">
+                                          <p:stCondLst>
+                                            <p:cond delay="0"/>
+                                          </p:stCondLst>
+                                        </p:cTn>
+                                        <p:tgtEl>
+                                          <p:spTgt spid="3">
+                                            <p:txEl>
+                                              <p:pRg st="2" end="2"/>
+                                            </p:txEl>
+                                          </p:spTgt>
+                                        </p:tgtEl>
+                                        <p:attrNameLst>
+                                          <p:attrName>style.visibility</p:attrName>
+                                        </p:attrNameLst>
+                                      </p:cBhvr>
+                                      <p:to>
+                                        <p:strVal val="visible"/>
+                                      </p:to>
+                                    </p:set>
+                                  </p:childTnLst>
+                                </p:cTn>
+                              </p:par>
+                            </p:childTnLst>
+                          </p:cTn>
+                        </p:par>
+                      </p:childTnLst>
+                    </p:cTn>
+                  </p:par>
+                  <p:par>
+                    <p:cTn id="11" fill="hold">
+                      <p:stCondLst>
+                        <p:cond delay="indefinite"/>
+                      </p:stCondLst>
+                      <p:childTnLst>
+                        <p:par>
+                          <p:cTn id="12" fill="hold">
+                            <p:stCondLst>
+                              <p:cond delay="0"/>
+                            </p:stCondLst>
+                            <p:childTnLst>
+                              <p:par>
+                                <p:cTn id="13" presetID="1" presetClass="entr" presetSubtype="0" fill="hold" nodeType="clickEffect">
+                                  <p:stCondLst>
+                                    <p:cond delay="0"/>
+                                  </p:stCondLst>
+                                  <p:childTnLst>
+                                    <p:set>
+                                      <p:cBhvr>
+                                        <p:cTn id="14" dur="1" fill="hold">
+                                          <p:stCondLst>
+                                            <p:cond delay="0"/>
+                                          </p:stCondLst>
+                                        </p:cTn>
+                                        <p:tgtEl>
+                                          <p:spTgt spid="3">
+                                            <p:txEl>
+                                              <p:pRg st="4" end="4"/>
+                                            </p:txEl>
+                                          </p:spTgt>
+                                        </p:tgtEl>
+                                        <p:attrNameLst>
+                                          <p:attrName>style.visibility</p:attrName>
+                                        </p:attrNameLst>
+                                      </p:cBhvr>
+                                      <p:to>
+                                        <p:strVal val="visible"/>
+                                      </p:to>
+                                    </p:set>
+                                  </p:childTnLst>
+                                </p:cTn>
+                              </p:par>
+                            </p:childTnLst>
+                          </p:cTn>
+                        </p:par>
+                      </p:childTnLst>
+                    </p:cTn>
+                  </p:par>
+                </p:childTnLst>
+              </p:cTn>
+              <p:prevCondLst>
+                <p:cond evt="onPrev" delay="0">
+                  <p:tgtEl>
+                    <p:sldTgt/>
+                  </p:tgtEl>
+                </p:cond>
+              </p:prevCondLst>
+              <p:nextCondLst>
+                <p:cond evt="onNext" delay="0">
+                  <p:tgtEl>
+                    <p:sldTgt/>
+                  </p:tgtEl>
+                </p:cond>
+              </p:nextCondLst>
+            </p:seq>
+          </p:childTnLst>
+        </p:cTn>
+      </p:par>
+    </p:tnLst>
+  </p:timing>
+</p:sld>
+</file>
+
+<file path=ppt/slides/slide2.xml><?xml version="1.0" encoding="utf-8"?>
+<p:sld xmlns:a="http://schemas.openxmlformats.org/drawingml/2006/main" xmlns:r="http://schemas.openxmlformats.org/officeDocument/2006/relationships" xmlns:p="http://schemas.openxmlformats.org/presentationml/2006/main">
+  <p:cSld>
+    <p:spTree>
+      <p:nvGrpSpPr>
+        <p:cNvPr id="1" name=""/>
+        <p:cNvGrpSpPr/>
+        <p:nvPr/>
+      </p:nvGrpSpPr>
+      <p:grpSpPr>
+        <a:xfrm>
+          <a:off x="0" y="0"/>
+          <a:ext cx="0" cy="0"/>
+          <a:chOff x="0" y="0"/>
+          <a:chExt cx="0" cy="0"/>
+        </a:xfrm>
+      </p:grpSpPr>
+      <p:sp>
+        <p:nvSpPr>
+          <p:cNvPr id="2" name="Titel 1">
+            <a:extLst>
+              <a:ext uri="{FF2B5EF4-FFF2-40B4-BE49-F238E27FC236}">
+                <a16:creationId xmlns:a16="http://schemas.microsoft.com/office/drawing/2014/main" id="{FB3FD186-A062-485A-9314-8EBFED13C7C1}"/>
+              </a:ext>
+            </a:extLst>
+          </p:cNvPr>
+          <p:cNvSpPr>
+            <a:spLocks noGrp="1"/>
+          </p:cNvSpPr>
+          <p:nvPr>
+            <p:ph type="title"/>
+          </p:nvPr>
+        </p:nvSpPr>
+        <p:spPr>
+          <a:xfrm>
+            <a:off x="390525" y="333375"/>
+            <a:ext cx="6911975" cy="561975"/>
+          </a:xfrm>
+        </p:spPr>
+        <p:txBody>
+          <a:bodyPr/>
+          <a:lstStyle/>
+          <a:p>
+            <a:r>
+              <a:rPr lang="de-DE" dirty="0"/>
+              <a:t>Roadmap</a:t>
+            </a:r>
+          </a:p>
+        </p:txBody>
+      </p:sp>
+      <p:sp>
+        <p:nvSpPr>
+          <p:cNvPr id="3" name="Inhaltsplatzhalter 2">
+            <a:extLst>
+              <a:ext uri="{FF2B5EF4-FFF2-40B4-BE49-F238E27FC236}">
+                <a16:creationId xmlns:a16="http://schemas.microsoft.com/office/drawing/2014/main" id="{0753E92E-8410-43A2-864C-6299AA9DB8B6}"/>
+              </a:ext>
+            </a:extLst>
+          </p:cNvPr>
+          <p:cNvSpPr>
+            <a:spLocks noGrp="1"/>
+          </p:cNvSpPr>
+          <p:nvPr>
+            <p:ph idx="1"/>
+          </p:nvPr>
+        </p:nvSpPr>
+        <p:spPr/>
+        <p:txBody>
+          <a:bodyPr/>
+          <a:lstStyle/>
+          <a:p>
+            <a:r>
+              <a:rPr lang="en-US" dirty="0"/>
+              <a:t>Package design</a:t>
+            </a:r>
+          </a:p>
+          <a:p>
+            <a:pPr marL="0" indent="0">
+              <a:buNone/>
+            </a:pPr>
+            <a:endParaRPr lang="en-US" dirty="0"/>
+          </a:p>
+          <a:p>
+            <a:r>
+              <a:rPr lang="en-US" dirty="0"/>
+              <a:t>Process of image classification</a:t>
+            </a:r>
+          </a:p>
+          <a:p>
+            <a:pPr lvl="1"/>
+            <a:r>
+              <a:rPr lang="en-US" dirty="0"/>
+              <a:t>Class diagrams of the process in the controller</a:t>
+            </a:r>
+          </a:p>
+          <a:p>
+            <a:pPr lvl="1"/>
+            <a:r>
+              <a:rPr lang="en-US" dirty="0"/>
+              <a:t>Sequence diagram for getting the image</a:t>
+            </a:r>
+          </a:p>
+          <a:p>
+            <a:endParaRPr lang="en-US" dirty="0"/>
+          </a:p>
+          <a:p>
+            <a:r>
+              <a:rPr lang="en-US" dirty="0"/>
+              <a:t>Next steps</a:t>
+            </a:r>
+          </a:p>
+        </p:txBody>
+      </p:sp>
+      <p:sp>
+        <p:nvSpPr>
+          <p:cNvPr id="4" name="Datumsplatzhalter 3">
+            <a:extLst>
+              <a:ext uri="{FF2B5EF4-FFF2-40B4-BE49-F238E27FC236}">
+                <a16:creationId xmlns:a16="http://schemas.microsoft.com/office/drawing/2014/main" id="{9B49551B-67BB-4FA0-B23F-E157C26A77E2}"/>
+              </a:ext>
+            </a:extLst>
+          </p:cNvPr>
+          <p:cNvSpPr>
+            <a:spLocks noGrp="1"/>
+          </p:cNvSpPr>
+          <p:nvPr>
+            <p:ph type="dt" sz="half" idx="2"/>
+          </p:nvPr>
+        </p:nvSpPr>
+        <p:spPr/>
+        <p:txBody>
+          <a:bodyPr/>
+          <a:lstStyle/>
+          <a:p>
+            <a:r>
+              <a:rPr lang="en-US"/>
+              <a:t>Neural Network based Image Classification System on Heterogeneous Platforms</a:t>
+            </a:r>
+          </a:p>
+          <a:p>
+            <a:endParaRPr lang="de-DE" dirty="0"/>
+          </a:p>
+        </p:txBody>
+      </p:sp>
+      <p:sp>
+        <p:nvSpPr>
+          <p:cNvPr id="5" name="Foliennummernplatzhalter 4">
+            <a:extLst>
+              <a:ext uri="{FF2B5EF4-FFF2-40B4-BE49-F238E27FC236}">
+                <a16:creationId xmlns:a16="http://schemas.microsoft.com/office/drawing/2014/main" id="{726DC489-6C95-4D1A-97DD-717292A7AD30}"/>
+              </a:ext>
+            </a:extLst>
+          </p:cNvPr>
+          <p:cNvSpPr>
+            <a:spLocks noGrp="1"/>
+          </p:cNvSpPr>
+          <p:nvPr>
+            <p:ph type="sldNum" sz="quarter" idx="4"/>
+          </p:nvPr>
+        </p:nvSpPr>
+        <p:spPr/>
+        <p:txBody>
+          <a:bodyPr/>
+          <a:lstStyle/>
+          <a:p>
+            <a:fld id="{E55ABDE9-7D1A-4CAE-9056-F713D277A78C}" type="slidenum">
+              <a:rPr lang="de-DE" smtClean="0"/>
+              <a:pPr/>
+              <a:t>2</a:t>
+            </a:fld>
+            <a:endParaRPr lang="de-DE" dirty="0"/>
+          </a:p>
+        </p:txBody>
+      </p:sp>
+      <p:sp>
+        <p:nvSpPr>
+          <p:cNvPr id="6" name="Fußzeilenplatzhalter 5">
+            <a:extLst>
+              <a:ext uri="{FF2B5EF4-FFF2-40B4-BE49-F238E27FC236}">
+                <a16:creationId xmlns:a16="http://schemas.microsoft.com/office/drawing/2014/main" id="{A670A551-81CF-4DA5-9E11-323394DAB52C}"/>
+              </a:ext>
+            </a:extLst>
+          </p:cNvPr>
+          <p:cNvSpPr>
+            <a:spLocks noGrp="1"/>
+          </p:cNvSpPr>
+          <p:nvPr>
+            <p:ph type="ftr" sz="quarter" idx="3"/>
+          </p:nvPr>
+        </p:nvSpPr>
+        <p:spPr/>
+        <p:txBody>
+          <a:bodyPr/>
+          <a:lstStyle/>
+          <a:p>
+            <a:pPr>
+              <a:defRPr/>
+            </a:pPr>
+            <a:r>
+              <a:rPr lang="en-US"/>
+              <a:t>Dimitrov, Drehwald, Guneshka, Häring, Stangel</a:t>
+            </a:r>
+            <a:endParaRPr lang="en-US" dirty="0"/>
+          </a:p>
+        </p:txBody>
+      </p:sp>
+    </p:spTree>
+    <p:extLst>
+      <p:ext uri="{BB962C8B-B14F-4D97-AF65-F5344CB8AC3E}">
+        <p14:creationId xmlns:p14="http://schemas.microsoft.com/office/powerpoint/2010/main" val="3242364237"/>
+      </p:ext>
+    </p:extLst>
+  </p:cSld>
+  <p:clrMapOvr>
+    <a:masterClrMapping/>
+  </p:clrMapOvr>
+</p:sld>
+</file>
+
+<file path=ppt/slides/slide3.xml><?xml version="1.0" encoding="utf-8"?>
+<p:sld xmlns:a="http://schemas.openxmlformats.org/drawingml/2006/main" xmlns:r="http://schemas.openxmlformats.org/officeDocument/2006/relationships" xmlns:p="http://schemas.openxmlformats.org/presentationml/2006/main">
+  <p:cSld>
+    <p:spTree>
+      <p:nvGrpSpPr>
+        <p:cNvPr id="1" name=""/>
+        <p:cNvGrpSpPr/>
+        <p:nvPr/>
+      </p:nvGrpSpPr>
+      <p:grpSpPr>
+        <a:xfrm>
+          <a:off x="0" y="0"/>
+          <a:ext cx="0" cy="0"/>
+          <a:chOff x="0" y="0"/>
+          <a:chExt cx="0" cy="0"/>
+        </a:xfrm>
+      </p:grpSpPr>
+      <p:sp>
+        <p:nvSpPr>
+          <p:cNvPr id="2" name="Titel 1">
+            <a:extLst>
+              <a:ext uri="{FF2B5EF4-FFF2-40B4-BE49-F238E27FC236}">
+                <a16:creationId xmlns:a16="http://schemas.microsoft.com/office/drawing/2014/main" id="{964DBE75-A83B-408D-B8D9-CC9EA1662372}"/>
+              </a:ext>
+            </a:extLst>
+          </p:cNvPr>
+          <p:cNvSpPr>
+            <a:spLocks noGrp="1"/>
+          </p:cNvSpPr>
+          <p:nvPr>
+            <p:ph type="title"/>
+          </p:nvPr>
+        </p:nvSpPr>
+        <p:spPr/>
+        <p:txBody>
+          <a:bodyPr/>
+          <a:lstStyle/>
+          <a:p>
+            <a:r>
+              <a:rPr lang="en-US" dirty="0"/>
+              <a:t>Package design</a:t>
+            </a:r>
+          </a:p>
+        </p:txBody>
+      </p:sp>
+      <p:sp>
+        <p:nvSpPr>
+          <p:cNvPr id="3" name="Fußzeilenplatzhalter 2">
+            <a:extLst>
+              <a:ext uri="{FF2B5EF4-FFF2-40B4-BE49-F238E27FC236}">
+                <a16:creationId xmlns:a16="http://schemas.microsoft.com/office/drawing/2014/main" id="{0BB8799E-1CA8-4073-ADC7-43730AAF8A74}"/>
+              </a:ext>
+            </a:extLst>
+          </p:cNvPr>
+          <p:cNvSpPr>
+            <a:spLocks noGrp="1"/>
+          </p:cNvSpPr>
+          <p:nvPr>
+            <p:ph type="ftr" sz="quarter" idx="10"/>
+          </p:nvPr>
+        </p:nvSpPr>
+        <p:spPr/>
+        <p:txBody>
+          <a:bodyPr/>
+          <a:lstStyle/>
+          <a:p>
+            <a:pPr>
+              <a:defRPr/>
+            </a:pPr>
+            <a:r>
+              <a:rPr lang="en-US"/>
+              <a:t>Dimitrov, Drehwald, Guneshka, Häring, Stangel</a:t>
+            </a:r>
+            <a:endParaRPr lang="en-US" dirty="0"/>
+          </a:p>
+        </p:txBody>
+      </p:sp>
+      <p:sp>
+        <p:nvSpPr>
+          <p:cNvPr id="4" name="Datumsplatzhalter 3">
+            <a:extLst>
+              <a:ext uri="{FF2B5EF4-FFF2-40B4-BE49-F238E27FC236}">
+                <a16:creationId xmlns:a16="http://schemas.microsoft.com/office/drawing/2014/main" id="{ECFA7BED-FB02-4DA8-AA4C-ECADFE28B29B}"/>
+              </a:ext>
+            </a:extLst>
+          </p:cNvPr>
+          <p:cNvSpPr>
+            <a:spLocks noGrp="1"/>
+          </p:cNvSpPr>
+          <p:nvPr>
+            <p:ph type="dt" sz="half" idx="11"/>
+          </p:nvPr>
+        </p:nvSpPr>
+        <p:spPr/>
+        <p:txBody>
+          <a:bodyPr/>
+          <a:lstStyle/>
+          <a:p>
+            <a:r>
+              <a:rPr lang="en-US"/>
+              <a:t>Neural Network based Image Classification System on Heterogeneous Platforms</a:t>
+            </a:r>
+          </a:p>
+          <a:p>
+            <a:endParaRPr lang="de-DE" dirty="0"/>
+          </a:p>
+        </p:txBody>
+      </p:sp>
+      <p:sp>
+        <p:nvSpPr>
+          <p:cNvPr id="5" name="Foliennummernplatzhalter 4">
+            <a:extLst>
+              <a:ext uri="{FF2B5EF4-FFF2-40B4-BE49-F238E27FC236}">
+                <a16:creationId xmlns:a16="http://schemas.microsoft.com/office/drawing/2014/main" id="{30867FAE-3577-4648-A4A9-812A8260A07C}"/>
+              </a:ext>
+            </a:extLst>
+          </p:cNvPr>
+          <p:cNvSpPr>
+            <a:spLocks noGrp="1"/>
+          </p:cNvSpPr>
+          <p:nvPr>
+            <p:ph type="sldNum" sz="quarter" idx="12"/>
+          </p:nvPr>
+        </p:nvSpPr>
+        <p:spPr/>
+        <p:txBody>
+          <a:bodyPr/>
+          <a:lstStyle/>
+          <a:p>
+            <a:fld id="{E55ABDE9-7D1A-4CAE-9056-F713D277A78C}" type="slidenum">
+              <a:rPr lang="de-DE" smtClean="0"/>
+              <a:pPr/>
+              <a:t>3</a:t>
+            </a:fld>
+            <a:endParaRPr lang="de-DE" dirty="0"/>
+          </a:p>
+        </p:txBody>
+      </p:sp>
+      <p:pic>
+        <p:nvPicPr>
+          <p:cNvPr id="7" name="Grafik 6" descr="Ein Bild, das Text, Karte enthält.&#10;&#10;Automatisch generierte Beschreibung">
+            <a:extLst>
+              <a:ext uri="{FF2B5EF4-FFF2-40B4-BE49-F238E27FC236}">
+                <a16:creationId xmlns:a16="http://schemas.microsoft.com/office/drawing/2014/main" id="{4FFA0E9D-4A5E-4874-A900-984244F67D1C}"/>
+              </a:ext>
+            </a:extLst>
+          </p:cNvPr>
+          <p:cNvPicPr>
+            <a:picLocks noChangeAspect="1"/>
+          </p:cNvPicPr>
+          <p:nvPr/>
+        </p:nvPicPr>
+        <p:blipFill>
+          <a:blip r:embed="rId3">
+            <a:extLst>
+              <a:ext uri="{28A0092B-C50C-407E-A947-70E740481C1C}">
+                <a14:useLocalDpi xmlns:a14="http://schemas.microsoft.com/office/drawing/2010/main" val="0"/>
+              </a:ext>
+            </a:extLst>
+          </a:blip>
+          <a:stretch>
+            <a:fillRect/>
+          </a:stretch>
+        </p:blipFill>
+        <p:spPr>
+          <a:xfrm>
+            <a:off x="1116780" y="1234579"/>
+            <a:ext cx="7200000" cy="5112426"/>
+          </a:xfrm>
+          <a:prstGeom prst="rect">
+            <a:avLst/>
+          </a:prstGeom>
+        </p:spPr>
+      </p:pic>
+      <p:sp>
+        <p:nvSpPr>
+          <p:cNvPr id="8" name="Rechteck 7">
+            <a:extLst>
+              <a:ext uri="{FF2B5EF4-FFF2-40B4-BE49-F238E27FC236}">
+                <a16:creationId xmlns:a16="http://schemas.microsoft.com/office/drawing/2014/main" id="{B5F0B07C-46C9-40D7-90BB-B54939B38C5F}"/>
+              </a:ext>
+            </a:extLst>
+          </p:cNvPr>
+          <p:cNvSpPr/>
+          <p:nvPr/>
+        </p:nvSpPr>
+        <p:spPr>
+          <a:xfrm>
+            <a:off x="5383276" y="1594104"/>
+            <a:ext cx="601980" cy="441960"/>
+          </a:xfrm>
+          <a:prstGeom prst="rect">
+            <a:avLst/>
+          </a:prstGeom>
+          <a:noFill/>
+          <a:ln>
+            <a:solidFill>
+              <a:srgbClr val="FFC000"/>
+            </a:solidFill>
+          </a:ln>
+        </p:spPr>
+        <p:style>
+          <a:lnRef idx="2">
+            <a:schemeClr val="accent1">
+              <a:shade val="50000"/>
+            </a:schemeClr>
+          </a:lnRef>
+          <a:fillRef idx="1">
+            <a:schemeClr val="accent1"/>
+          </a:fillRef>
+          <a:effectRef idx="0">
+            <a:schemeClr val="accent1"/>
+          </a:effectRef>
+          <a:fontRef idx="minor">
+            <a:schemeClr val="lt1"/>
+          </a:fontRef>
+        </p:style>
+        <p:txBody>
+          <a:bodyPr rtlCol="0" anchor="ctr"/>
+          <a:lstStyle/>
+          <a:p>
+            <a:pPr algn="ctr"/>
+            <a:endParaRPr lang="en-US"/>
+          </a:p>
+        </p:txBody>
+      </p:sp>
+      <p:sp>
+        <p:nvSpPr>
+          <p:cNvPr id="9" name="Rechteck 8">
+            <a:extLst>
+              <a:ext uri="{FF2B5EF4-FFF2-40B4-BE49-F238E27FC236}">
+                <a16:creationId xmlns:a16="http://schemas.microsoft.com/office/drawing/2014/main" id="{201582FF-F6AA-48D5-90A0-E07AFFA0D84B}"/>
+              </a:ext>
+            </a:extLst>
+          </p:cNvPr>
+          <p:cNvSpPr/>
+          <p:nvPr/>
+        </p:nvSpPr>
+        <p:spPr>
+          <a:xfrm>
+            <a:off x="5388356" y="1594104"/>
+            <a:ext cx="601980" cy="441960"/>
+          </a:xfrm>
+          <a:prstGeom prst="rect">
+            <a:avLst/>
+          </a:prstGeom>
+          <a:noFill/>
+          <a:ln>
+            <a:solidFill>
+              <a:srgbClr val="0070C0"/>
+            </a:solidFill>
+            <a:prstDash val="dash"/>
+          </a:ln>
+        </p:spPr>
+        <p:style>
+          <a:lnRef idx="2">
+            <a:schemeClr val="accent1">
+              <a:shade val="50000"/>
+            </a:schemeClr>
+          </a:lnRef>
+          <a:fillRef idx="1">
+            <a:schemeClr val="accent1"/>
+          </a:fillRef>
+          <a:effectRef idx="0">
+            <a:schemeClr val="accent1"/>
+          </a:effectRef>
+          <a:fontRef idx="minor">
+            <a:schemeClr val="lt1"/>
+          </a:fontRef>
+        </p:style>
+        <p:txBody>
+          <a:bodyPr rtlCol="0" anchor="ctr"/>
+          <a:lstStyle/>
+          <a:p>
+            <a:pPr algn="ctr"/>
+            <a:endParaRPr lang="en-US"/>
+          </a:p>
+        </p:txBody>
+      </p:sp>
+      <p:sp>
+        <p:nvSpPr>
+          <p:cNvPr id="10" name="Rechteck 9">
+            <a:extLst>
+              <a:ext uri="{FF2B5EF4-FFF2-40B4-BE49-F238E27FC236}">
+                <a16:creationId xmlns:a16="http://schemas.microsoft.com/office/drawing/2014/main" id="{DEB5180C-4D50-476A-A32B-253AEDB01ED9}"/>
+              </a:ext>
+            </a:extLst>
+          </p:cNvPr>
+          <p:cNvSpPr/>
+          <p:nvPr/>
+        </p:nvSpPr>
+        <p:spPr>
+          <a:xfrm>
+            <a:off x="5914238" y="4038600"/>
+            <a:ext cx="763119" cy="394588"/>
+          </a:xfrm>
+          <a:prstGeom prst="rect">
+            <a:avLst/>
+          </a:prstGeom>
+          <a:noFill/>
+          <a:ln>
+            <a:solidFill>
+              <a:srgbClr val="0070C0"/>
+            </a:solidFill>
+          </a:ln>
+        </p:spPr>
+        <p:style>
+          <a:lnRef idx="2">
+            <a:schemeClr val="accent1">
+              <a:shade val="50000"/>
+            </a:schemeClr>
+          </a:lnRef>
+          <a:fillRef idx="1">
+            <a:schemeClr val="accent1"/>
+          </a:fillRef>
+          <a:effectRef idx="0">
+            <a:schemeClr val="accent1"/>
+          </a:effectRef>
+          <a:fontRef idx="minor">
+            <a:schemeClr val="lt1"/>
+          </a:fontRef>
+        </p:style>
+        <p:txBody>
+          <a:bodyPr rtlCol="0" anchor="ctr"/>
+          <a:lstStyle/>
+          <a:p>
+            <a:pPr algn="ctr"/>
+            <a:endParaRPr lang="en-US"/>
+          </a:p>
+        </p:txBody>
+      </p:sp>
+      <p:sp>
+        <p:nvSpPr>
+          <p:cNvPr id="11" name="Rechteck 10">
+            <a:extLst>
+              <a:ext uri="{FF2B5EF4-FFF2-40B4-BE49-F238E27FC236}">
+                <a16:creationId xmlns:a16="http://schemas.microsoft.com/office/drawing/2014/main" id="{B1B9B81E-EE73-4FCF-B227-5AF2B2B760F6}"/>
+              </a:ext>
+            </a:extLst>
+          </p:cNvPr>
+          <p:cNvSpPr/>
+          <p:nvPr/>
+        </p:nvSpPr>
+        <p:spPr>
+          <a:xfrm>
+            <a:off x="5233821" y="3424962"/>
+            <a:ext cx="763119" cy="461238"/>
+          </a:xfrm>
+          <a:prstGeom prst="rect">
+            <a:avLst/>
+          </a:prstGeom>
+          <a:noFill/>
+          <a:ln>
+            <a:solidFill>
+              <a:srgbClr val="0070C0"/>
+            </a:solidFill>
+          </a:ln>
+        </p:spPr>
+        <p:style>
+          <a:lnRef idx="2">
+            <a:schemeClr val="accent1">
+              <a:shade val="50000"/>
+            </a:schemeClr>
+          </a:lnRef>
+          <a:fillRef idx="1">
+            <a:schemeClr val="accent1"/>
+          </a:fillRef>
+          <a:effectRef idx="0">
+            <a:schemeClr val="accent1"/>
+          </a:effectRef>
+          <a:fontRef idx="minor">
+            <a:schemeClr val="lt1"/>
+          </a:fontRef>
+        </p:style>
+        <p:txBody>
+          <a:bodyPr rtlCol="0" anchor="ctr"/>
+          <a:lstStyle/>
+          <a:p>
+            <a:pPr algn="ctr"/>
+            <a:endParaRPr lang="en-US"/>
+          </a:p>
+        </p:txBody>
+      </p:sp>
+      <p:sp>
+        <p:nvSpPr>
+          <p:cNvPr id="12" name="Rechteck 11">
+            <a:extLst>
+              <a:ext uri="{FF2B5EF4-FFF2-40B4-BE49-F238E27FC236}">
+                <a16:creationId xmlns:a16="http://schemas.microsoft.com/office/drawing/2014/main" id="{C55074E8-7BCD-43A9-9793-32CE7BF4E1AF}"/>
+              </a:ext>
+            </a:extLst>
+          </p:cNvPr>
+          <p:cNvSpPr/>
+          <p:nvPr/>
+        </p:nvSpPr>
+        <p:spPr>
+          <a:xfrm>
+            <a:off x="4198061" y="4236720"/>
+            <a:ext cx="594919" cy="464820"/>
+          </a:xfrm>
+          <a:prstGeom prst="rect">
+            <a:avLst/>
+          </a:prstGeom>
+          <a:noFill/>
+          <a:ln>
+            <a:solidFill>
+              <a:srgbClr val="0070C0"/>
+            </a:solidFill>
+          </a:ln>
+        </p:spPr>
+        <p:style>
+          <a:lnRef idx="2">
+            <a:schemeClr val="accent1">
+              <a:shade val="50000"/>
+            </a:schemeClr>
+          </a:lnRef>
+          <a:fillRef idx="1">
+            <a:schemeClr val="accent1"/>
+          </a:fillRef>
+          <a:effectRef idx="0">
+            <a:schemeClr val="accent1"/>
+          </a:effectRef>
+          <a:fontRef idx="minor">
+            <a:schemeClr val="lt1"/>
+          </a:fontRef>
+        </p:style>
+        <p:txBody>
+          <a:bodyPr rtlCol="0" anchor="ctr"/>
+          <a:lstStyle/>
+          <a:p>
+            <a:pPr algn="ctr"/>
+            <a:endParaRPr lang="en-US"/>
+          </a:p>
+        </p:txBody>
+      </p:sp>
+      <p:sp>
+        <p:nvSpPr>
+          <p:cNvPr id="13" name="Rechteck 12">
+            <a:extLst>
+              <a:ext uri="{FF2B5EF4-FFF2-40B4-BE49-F238E27FC236}">
+                <a16:creationId xmlns:a16="http://schemas.microsoft.com/office/drawing/2014/main" id="{44330F81-1DA7-412F-BC29-FAB83474F44B}"/>
+              </a:ext>
+            </a:extLst>
+          </p:cNvPr>
+          <p:cNvSpPr/>
+          <p:nvPr/>
+        </p:nvSpPr>
+        <p:spPr>
+          <a:xfrm>
+            <a:off x="4198061" y="4863618"/>
+            <a:ext cx="550723" cy="461238"/>
+          </a:xfrm>
+          <a:prstGeom prst="rect">
+            <a:avLst/>
+          </a:prstGeom>
+          <a:noFill/>
+          <a:ln>
+            <a:solidFill>
+              <a:srgbClr val="0070C0"/>
+            </a:solidFill>
+          </a:ln>
+        </p:spPr>
+        <p:style>
+          <a:lnRef idx="2">
+            <a:schemeClr val="accent1">
+              <a:shade val="50000"/>
+            </a:schemeClr>
+          </a:lnRef>
+          <a:fillRef idx="1">
+            <a:schemeClr val="accent1"/>
+          </a:fillRef>
+          <a:effectRef idx="0">
+            <a:schemeClr val="accent1"/>
+          </a:effectRef>
+          <a:fontRef idx="minor">
+            <a:schemeClr val="lt1"/>
+          </a:fontRef>
+        </p:style>
+        <p:txBody>
+          <a:bodyPr rtlCol="0" anchor="ctr"/>
+          <a:lstStyle/>
+          <a:p>
+            <a:pPr algn="ctr"/>
+            <a:endParaRPr lang="en-US"/>
+          </a:p>
+        </p:txBody>
+      </p:sp>
+      <p:sp>
+        <p:nvSpPr>
+          <p:cNvPr id="14" name="Rechteck 13">
+            <a:extLst>
+              <a:ext uri="{FF2B5EF4-FFF2-40B4-BE49-F238E27FC236}">
+                <a16:creationId xmlns:a16="http://schemas.microsoft.com/office/drawing/2014/main" id="{718C1369-6CFE-45B5-A508-00C30091A96B}"/>
+              </a:ext>
+            </a:extLst>
+          </p:cNvPr>
+          <p:cNvSpPr/>
+          <p:nvPr/>
+        </p:nvSpPr>
+        <p:spPr>
+          <a:xfrm>
+            <a:off x="5960364" y="4543032"/>
+            <a:ext cx="716993" cy="461237"/>
+          </a:xfrm>
+          <a:prstGeom prst="rect">
+            <a:avLst/>
+          </a:prstGeom>
+          <a:noFill/>
+          <a:ln>
+            <a:solidFill>
+              <a:srgbClr val="00B050"/>
+            </a:solidFill>
+          </a:ln>
+        </p:spPr>
+        <p:style>
+          <a:lnRef idx="2">
+            <a:schemeClr val="accent1">
+              <a:shade val="50000"/>
+            </a:schemeClr>
+          </a:lnRef>
+          <a:fillRef idx="1">
+            <a:schemeClr val="accent1"/>
+          </a:fillRef>
+          <a:effectRef idx="0">
+            <a:schemeClr val="accent1"/>
+          </a:effectRef>
+          <a:fontRef idx="minor">
+            <a:schemeClr val="lt1"/>
+          </a:fontRef>
+        </p:style>
+        <p:txBody>
+          <a:bodyPr rtlCol="0" anchor="ctr"/>
+          <a:lstStyle/>
+          <a:p>
+            <a:pPr algn="ctr"/>
+            <a:endParaRPr lang="en-US"/>
+          </a:p>
+        </p:txBody>
+      </p:sp>
+      <p:sp>
+        <p:nvSpPr>
+          <p:cNvPr id="15" name="Rechteck 14">
+            <a:extLst>
+              <a:ext uri="{FF2B5EF4-FFF2-40B4-BE49-F238E27FC236}">
+                <a16:creationId xmlns:a16="http://schemas.microsoft.com/office/drawing/2014/main" id="{6DFC4BA7-BB08-4B40-8AC0-E9AF2BF0BC05}"/>
+              </a:ext>
+            </a:extLst>
+          </p:cNvPr>
+          <p:cNvSpPr/>
+          <p:nvPr/>
+        </p:nvSpPr>
+        <p:spPr>
+          <a:xfrm>
+            <a:off x="5937300" y="5324857"/>
+            <a:ext cx="716993" cy="394588"/>
+          </a:xfrm>
+          <a:prstGeom prst="rect">
+            <a:avLst/>
+          </a:prstGeom>
+          <a:noFill/>
+          <a:ln>
+            <a:solidFill>
+              <a:srgbClr val="00B050"/>
+            </a:solidFill>
+          </a:ln>
+        </p:spPr>
+        <p:style>
+          <a:lnRef idx="2">
+            <a:schemeClr val="accent1">
+              <a:shade val="50000"/>
+            </a:schemeClr>
+          </a:lnRef>
+          <a:fillRef idx="1">
+            <a:schemeClr val="accent1"/>
+          </a:fillRef>
+          <a:effectRef idx="0">
+            <a:schemeClr val="accent1"/>
+          </a:effectRef>
+          <a:fontRef idx="minor">
+            <a:schemeClr val="lt1"/>
+          </a:fontRef>
+        </p:style>
+        <p:txBody>
+          <a:bodyPr rtlCol="0" anchor="ctr"/>
+          <a:lstStyle/>
+          <a:p>
+            <a:pPr algn="ctr"/>
+            <a:endParaRPr lang="en-US"/>
+          </a:p>
+        </p:txBody>
+      </p:sp>
+      <p:sp>
+        <p:nvSpPr>
+          <p:cNvPr id="16" name="Rechteck 15">
+            <a:extLst>
+              <a:ext uri="{FF2B5EF4-FFF2-40B4-BE49-F238E27FC236}">
+                <a16:creationId xmlns:a16="http://schemas.microsoft.com/office/drawing/2014/main" id="{9E2F8BDC-6F71-4070-BB72-A2D234E3EAB8}"/>
+              </a:ext>
+            </a:extLst>
+          </p:cNvPr>
+          <p:cNvSpPr/>
+          <p:nvPr/>
+        </p:nvSpPr>
+        <p:spPr>
+          <a:xfrm>
+            <a:off x="7014972" y="4548378"/>
+            <a:ext cx="815093" cy="461237"/>
+          </a:xfrm>
+          <a:prstGeom prst="rect">
+            <a:avLst/>
+          </a:prstGeom>
+          <a:noFill/>
+          <a:ln>
+            <a:solidFill>
+              <a:srgbClr val="FF0000"/>
+            </a:solidFill>
+          </a:ln>
+        </p:spPr>
+        <p:style>
+          <a:lnRef idx="2">
+            <a:schemeClr val="accent1">
+              <a:shade val="50000"/>
+            </a:schemeClr>
+          </a:lnRef>
+          <a:fillRef idx="1">
+            <a:schemeClr val="accent1"/>
+          </a:fillRef>
+          <a:effectRef idx="0">
+            <a:schemeClr val="accent1"/>
+          </a:effectRef>
+          <a:fontRef idx="minor">
+            <a:schemeClr val="lt1"/>
+          </a:fontRef>
+        </p:style>
+        <p:txBody>
+          <a:bodyPr rtlCol="0" anchor="ctr"/>
+          <a:lstStyle/>
+          <a:p>
+            <a:pPr algn="ctr"/>
+            <a:endParaRPr lang="en-US"/>
+          </a:p>
+        </p:txBody>
+      </p:sp>
+      <p:sp>
+        <p:nvSpPr>
+          <p:cNvPr id="17" name="Rechteck 16">
+            <a:extLst>
+              <a:ext uri="{FF2B5EF4-FFF2-40B4-BE49-F238E27FC236}">
+                <a16:creationId xmlns:a16="http://schemas.microsoft.com/office/drawing/2014/main" id="{F3E013AB-0087-44D2-9A12-995741D60325}"/>
+              </a:ext>
+            </a:extLst>
+          </p:cNvPr>
+          <p:cNvSpPr/>
+          <p:nvPr/>
+        </p:nvSpPr>
+        <p:spPr>
+          <a:xfrm>
+            <a:off x="5029200" y="4863618"/>
+            <a:ext cx="593550" cy="400278"/>
+          </a:xfrm>
+          <a:prstGeom prst="rect">
+            <a:avLst/>
+          </a:prstGeom>
+          <a:noFill/>
+          <a:ln>
+            <a:solidFill>
+              <a:srgbClr val="FF0000"/>
+            </a:solidFill>
+          </a:ln>
+        </p:spPr>
+        <p:style>
+          <a:lnRef idx="2">
+            <a:schemeClr val="accent1">
+              <a:shade val="50000"/>
+            </a:schemeClr>
+          </a:lnRef>
+          <a:fillRef idx="1">
+            <a:schemeClr val="accent1"/>
+          </a:fillRef>
+          <a:effectRef idx="0">
+            <a:schemeClr val="accent1"/>
+          </a:effectRef>
+          <a:fontRef idx="minor">
+            <a:schemeClr val="lt1"/>
+          </a:fontRef>
+        </p:style>
+        <p:txBody>
+          <a:bodyPr rtlCol="0" anchor="ctr"/>
+          <a:lstStyle/>
+          <a:p>
+            <a:pPr algn="ctr"/>
+            <a:endParaRPr lang="en-US"/>
+          </a:p>
+        </p:txBody>
+      </p:sp>
+      <p:sp>
+        <p:nvSpPr>
+          <p:cNvPr id="18" name="Rechteck 17">
+            <a:extLst>
+              <a:ext uri="{FF2B5EF4-FFF2-40B4-BE49-F238E27FC236}">
+                <a16:creationId xmlns:a16="http://schemas.microsoft.com/office/drawing/2014/main" id="{A2EEE072-C663-41C3-80FE-01174D7E191E}"/>
+              </a:ext>
+            </a:extLst>
+          </p:cNvPr>
+          <p:cNvSpPr/>
+          <p:nvPr/>
+        </p:nvSpPr>
+        <p:spPr>
+          <a:xfrm>
+            <a:off x="3170635" y="4602520"/>
+            <a:ext cx="540712" cy="400279"/>
+          </a:xfrm>
+          <a:prstGeom prst="rect">
+            <a:avLst/>
+          </a:prstGeom>
+          <a:noFill/>
+          <a:ln>
+            <a:solidFill>
+              <a:srgbClr val="FF0000"/>
+            </a:solidFill>
+          </a:ln>
+        </p:spPr>
+        <p:style>
+          <a:lnRef idx="2">
+            <a:schemeClr val="accent1">
+              <a:shade val="50000"/>
+            </a:schemeClr>
+          </a:lnRef>
+          <a:fillRef idx="1">
+            <a:schemeClr val="accent1"/>
+          </a:fillRef>
+          <a:effectRef idx="0">
+            <a:schemeClr val="accent1"/>
+          </a:effectRef>
+          <a:fontRef idx="minor">
+            <a:schemeClr val="lt1"/>
+          </a:fontRef>
+        </p:style>
+        <p:txBody>
+          <a:bodyPr rtlCol="0" anchor="ctr"/>
+          <a:lstStyle/>
+          <a:p>
+            <a:pPr algn="ctr"/>
+            <a:endParaRPr lang="en-US"/>
+          </a:p>
+        </p:txBody>
+      </p:sp>
+      <p:sp>
+        <p:nvSpPr>
+          <p:cNvPr id="19" name="Rechteck 18">
+            <a:extLst>
+              <a:ext uri="{FF2B5EF4-FFF2-40B4-BE49-F238E27FC236}">
+                <a16:creationId xmlns:a16="http://schemas.microsoft.com/office/drawing/2014/main" id="{C087B22A-9530-4101-922F-23AFA27CE1C7}"/>
+              </a:ext>
+            </a:extLst>
+          </p:cNvPr>
+          <p:cNvSpPr/>
+          <p:nvPr/>
+        </p:nvSpPr>
+        <p:spPr>
+          <a:xfrm>
+            <a:off x="2098888" y="3560173"/>
+            <a:ext cx="815093" cy="414419"/>
+          </a:xfrm>
+          <a:prstGeom prst="rect">
+            <a:avLst/>
+          </a:prstGeom>
+          <a:noFill/>
+          <a:ln>
+            <a:solidFill>
+              <a:srgbClr val="FF0000"/>
+            </a:solidFill>
+          </a:ln>
+        </p:spPr>
+        <p:style>
+          <a:lnRef idx="2">
+            <a:schemeClr val="accent1">
+              <a:shade val="50000"/>
+            </a:schemeClr>
+          </a:lnRef>
+          <a:fillRef idx="1">
+            <a:schemeClr val="accent1"/>
+          </a:fillRef>
+          <a:effectRef idx="0">
+            <a:schemeClr val="accent1"/>
+          </a:effectRef>
+          <a:fontRef idx="minor">
+            <a:schemeClr val="lt1"/>
+          </a:fontRef>
+        </p:style>
+        <p:txBody>
+          <a:bodyPr rtlCol="0" anchor="ctr"/>
+          <a:lstStyle/>
+          <a:p>
+            <a:pPr algn="ctr"/>
+            <a:endParaRPr lang="en-US"/>
+          </a:p>
+        </p:txBody>
+      </p:sp>
+      <p:sp>
+        <p:nvSpPr>
+          <p:cNvPr id="20" name="Rechteck 19">
+            <a:extLst>
+              <a:ext uri="{FF2B5EF4-FFF2-40B4-BE49-F238E27FC236}">
+                <a16:creationId xmlns:a16="http://schemas.microsoft.com/office/drawing/2014/main" id="{F789DB7C-D855-442A-BC32-2C7D36A9215D}"/>
+              </a:ext>
+            </a:extLst>
+          </p:cNvPr>
+          <p:cNvSpPr/>
+          <p:nvPr/>
+        </p:nvSpPr>
+        <p:spPr>
+          <a:xfrm>
+            <a:off x="1328614" y="4348280"/>
+            <a:ext cx="1585367" cy="461237"/>
+          </a:xfrm>
+          <a:prstGeom prst="rect">
+            <a:avLst/>
+          </a:prstGeom>
+          <a:noFill/>
+          <a:ln>
+            <a:solidFill>
+              <a:srgbClr val="FF0000"/>
+            </a:solidFill>
+          </a:ln>
+        </p:spPr>
+        <p:style>
+          <a:lnRef idx="2">
+            <a:schemeClr val="accent1">
+              <a:shade val="50000"/>
+            </a:schemeClr>
+          </a:lnRef>
+          <a:fillRef idx="1">
+            <a:schemeClr val="accent1"/>
+          </a:fillRef>
+          <a:effectRef idx="0">
+            <a:schemeClr val="accent1"/>
+          </a:effectRef>
+          <a:fontRef idx="minor">
+            <a:schemeClr val="lt1"/>
+          </a:fontRef>
+        </p:style>
+        <p:txBody>
+          <a:bodyPr rtlCol="0" anchor="ctr"/>
+          <a:lstStyle/>
+          <a:p>
+            <a:pPr algn="ctr"/>
+            <a:endParaRPr lang="en-US"/>
+          </a:p>
+        </p:txBody>
+      </p:sp>
+      <p:sp>
+        <p:nvSpPr>
+          <p:cNvPr id="21" name="Rechteck 20">
+            <a:extLst>
+              <a:ext uri="{FF2B5EF4-FFF2-40B4-BE49-F238E27FC236}">
+                <a16:creationId xmlns:a16="http://schemas.microsoft.com/office/drawing/2014/main" id="{94AFD061-1E16-460A-B236-7DC3C2674CCA}"/>
+              </a:ext>
+            </a:extLst>
+          </p:cNvPr>
+          <p:cNvSpPr/>
+          <p:nvPr/>
+        </p:nvSpPr>
+        <p:spPr>
+          <a:xfrm>
+            <a:off x="3158127" y="4236720"/>
+            <a:ext cx="553219" cy="336792"/>
+          </a:xfrm>
+          <a:prstGeom prst="rect">
+            <a:avLst/>
+          </a:prstGeom>
+          <a:noFill/>
+          <a:ln>
+            <a:solidFill>
+              <a:schemeClr val="accent1">
+                <a:lumMod val="60000"/>
+                <a:lumOff val="40000"/>
+              </a:schemeClr>
+            </a:solidFill>
+          </a:ln>
+        </p:spPr>
+        <p:style>
+          <a:lnRef idx="2">
+            <a:schemeClr val="accent1">
+              <a:shade val="50000"/>
+            </a:schemeClr>
+          </a:lnRef>
+          <a:fillRef idx="1">
+            <a:schemeClr val="accent1"/>
+          </a:fillRef>
+          <a:effectRef idx="0">
+            <a:schemeClr val="accent1"/>
+          </a:effectRef>
+          <a:fontRef idx="minor">
+            <a:schemeClr val="lt1"/>
+          </a:fontRef>
+        </p:style>
+        <p:txBody>
+          <a:bodyPr rtlCol="0" anchor="ctr"/>
+          <a:lstStyle/>
+          <a:p>
+            <a:pPr algn="ctr"/>
+            <a:endParaRPr lang="en-US"/>
+          </a:p>
+        </p:txBody>
+      </p:sp>
+      <p:sp>
+        <p:nvSpPr>
+          <p:cNvPr id="22" name="Rechteck 21">
+            <a:extLst>
+              <a:ext uri="{FF2B5EF4-FFF2-40B4-BE49-F238E27FC236}">
+                <a16:creationId xmlns:a16="http://schemas.microsoft.com/office/drawing/2014/main" id="{237040E2-24C2-4947-B9AB-E2E3D1DA5EC6}"/>
+              </a:ext>
+            </a:extLst>
+          </p:cNvPr>
+          <p:cNvSpPr/>
+          <p:nvPr/>
+        </p:nvSpPr>
+        <p:spPr>
+          <a:xfrm>
+            <a:off x="3158127" y="4599472"/>
+            <a:ext cx="561238" cy="410143"/>
+          </a:xfrm>
+          <a:prstGeom prst="rect">
+            <a:avLst/>
+          </a:prstGeom>
+          <a:noFill/>
+          <a:ln>
+            <a:solidFill>
+              <a:srgbClr val="00B050"/>
+            </a:solidFill>
+            <a:prstDash val="dash"/>
+          </a:ln>
+        </p:spPr>
+        <p:style>
+          <a:lnRef idx="2">
+            <a:schemeClr val="accent1">
+              <a:shade val="50000"/>
+            </a:schemeClr>
+          </a:lnRef>
+          <a:fillRef idx="1">
+            <a:schemeClr val="accent1"/>
+          </a:fillRef>
+          <a:effectRef idx="0">
+            <a:schemeClr val="accent1"/>
+          </a:effectRef>
+          <a:fontRef idx="minor">
+            <a:schemeClr val="lt1"/>
+          </a:fontRef>
+        </p:style>
+        <p:txBody>
+          <a:bodyPr rtlCol="0" anchor="ctr"/>
+          <a:lstStyle/>
+          <a:p>
+            <a:pPr algn="ctr"/>
+            <a:endParaRPr lang="en-US">
+              <a:ln>
+                <a:solidFill>
+                  <a:schemeClr val="tx1"/>
+                </a:solidFill>
+                <a:prstDash val="dash"/>
+              </a:ln>
+            </a:endParaRPr>
+          </a:p>
+        </p:txBody>
+      </p:sp>
+      <p:sp>
+        <p:nvSpPr>
+          <p:cNvPr id="23" name="Rechteck 22">
+            <a:extLst>
+              <a:ext uri="{FF2B5EF4-FFF2-40B4-BE49-F238E27FC236}">
+                <a16:creationId xmlns:a16="http://schemas.microsoft.com/office/drawing/2014/main" id="{B33B17C8-4949-4531-970A-C96BC583E10C}"/>
+              </a:ext>
+            </a:extLst>
+          </p:cNvPr>
+          <p:cNvSpPr/>
+          <p:nvPr/>
+        </p:nvSpPr>
+        <p:spPr>
+          <a:xfrm>
+            <a:off x="6199879" y="1594105"/>
+            <a:ext cx="542297" cy="441960"/>
+          </a:xfrm>
+          <a:prstGeom prst="rect">
+            <a:avLst/>
+          </a:prstGeom>
+          <a:noFill/>
+          <a:ln>
+            <a:solidFill>
+              <a:srgbClr val="FF0000"/>
+            </a:solidFill>
+          </a:ln>
+        </p:spPr>
+        <p:style>
+          <a:lnRef idx="2">
+            <a:schemeClr val="accent1">
+              <a:shade val="50000"/>
+            </a:schemeClr>
+          </a:lnRef>
+          <a:fillRef idx="1">
+            <a:schemeClr val="accent1"/>
+          </a:fillRef>
+          <a:effectRef idx="0">
+            <a:schemeClr val="accent1"/>
+          </a:effectRef>
+          <a:fontRef idx="minor">
+            <a:schemeClr val="lt1"/>
+          </a:fontRef>
+        </p:style>
+        <p:txBody>
+          <a:bodyPr rtlCol="0" anchor="ctr"/>
+          <a:lstStyle/>
+          <a:p>
+            <a:pPr algn="ctr"/>
+            <a:endParaRPr lang="en-US"/>
+          </a:p>
+        </p:txBody>
+      </p:sp>
+      <p:sp>
+        <p:nvSpPr>
+          <p:cNvPr id="24" name="Textfeld 23">
+            <a:extLst>
+              <a:ext uri="{FF2B5EF4-FFF2-40B4-BE49-F238E27FC236}">
+                <a16:creationId xmlns:a16="http://schemas.microsoft.com/office/drawing/2014/main" id="{FF1211D0-9B4E-4B70-945E-A72395F59055}"/>
+              </a:ext>
+            </a:extLst>
+          </p:cNvPr>
+          <p:cNvSpPr txBox="1"/>
+          <p:nvPr/>
+        </p:nvSpPr>
+        <p:spPr>
+          <a:xfrm>
+            <a:off x="975360" y="1304544"/>
+            <a:ext cx="2150455" cy="1169551"/>
+          </a:xfrm>
+          <a:prstGeom prst="rect">
+            <a:avLst/>
+          </a:prstGeom>
+          <a:noFill/>
+        </p:spPr>
+        <p:txBody>
+          <a:bodyPr wrap="square" rtlCol="0">
+            <a:spAutoFit/>
+          </a:bodyPr>
+          <a:lstStyle/>
+          <a:p>
+            <a:r>
+              <a:rPr lang="en-US" sz="1400" dirty="0" err="1"/>
+              <a:t>Stefi</a:t>
+            </a:r>
+            <a:endParaRPr lang="en-US" sz="1400" dirty="0"/>
+          </a:p>
+          <a:p>
+            <a:r>
+              <a:rPr lang="en-US" sz="1400" dirty="0" err="1"/>
+              <a:t>Dimitar</a:t>
+            </a:r>
+            <a:endParaRPr lang="en-US" sz="1400" dirty="0"/>
+          </a:p>
+          <a:p>
+            <a:r>
+              <a:rPr lang="en-US" sz="1400" dirty="0"/>
+              <a:t>Manuel</a:t>
+            </a:r>
+          </a:p>
+          <a:p>
+            <a:r>
+              <a:rPr lang="en-US" sz="1400" dirty="0"/>
+              <a:t>Paul</a:t>
+            </a:r>
+          </a:p>
+          <a:p>
+            <a:r>
+              <a:rPr lang="en-US" sz="1400" dirty="0"/>
+              <a:t>Johannes</a:t>
+            </a:r>
+          </a:p>
+        </p:txBody>
+      </p:sp>
+      <p:sp>
+        <p:nvSpPr>
+          <p:cNvPr id="25" name="Rechteck 24">
+            <a:extLst>
+              <a:ext uri="{FF2B5EF4-FFF2-40B4-BE49-F238E27FC236}">
+                <a16:creationId xmlns:a16="http://schemas.microsoft.com/office/drawing/2014/main" id="{B8DD0E63-8B14-430C-A35E-BC4F2CA94126}"/>
+              </a:ext>
+            </a:extLst>
+          </p:cNvPr>
+          <p:cNvSpPr/>
+          <p:nvPr/>
+        </p:nvSpPr>
+        <p:spPr>
+          <a:xfrm>
+            <a:off x="883653" y="1440180"/>
+            <a:ext cx="99373" cy="85344"/>
+          </a:xfrm>
+          <a:prstGeom prst="rect">
+            <a:avLst/>
+          </a:prstGeom>
+          <a:solidFill>
+            <a:srgbClr val="FFC000"/>
+          </a:solidFill>
+          <a:ln>
+            <a:solidFill>
+              <a:srgbClr val="FFC000"/>
+            </a:solidFill>
+          </a:ln>
+        </p:spPr>
+        <p:style>
+          <a:lnRef idx="2">
+            <a:schemeClr val="accent1">
+              <a:shade val="50000"/>
+            </a:schemeClr>
+          </a:lnRef>
+          <a:fillRef idx="1">
+            <a:schemeClr val="accent1"/>
+          </a:fillRef>
+          <a:effectRef idx="0">
+            <a:schemeClr val="accent1"/>
+          </a:effectRef>
+          <a:fontRef idx="minor">
+            <a:schemeClr val="lt1"/>
+          </a:fontRef>
+        </p:style>
+        <p:txBody>
+          <a:bodyPr rtlCol="0" anchor="ctr"/>
+          <a:lstStyle/>
+          <a:p>
+            <a:pPr algn="ctr"/>
+            <a:endParaRPr lang="en-US"/>
+          </a:p>
+        </p:txBody>
+      </p:sp>
+      <p:sp>
+        <p:nvSpPr>
+          <p:cNvPr id="26" name="Rechteck 25">
+            <a:extLst>
+              <a:ext uri="{FF2B5EF4-FFF2-40B4-BE49-F238E27FC236}">
+                <a16:creationId xmlns:a16="http://schemas.microsoft.com/office/drawing/2014/main" id="{C03FF584-DF56-499D-84D4-CEAB19283AEB}"/>
+              </a:ext>
+            </a:extLst>
+          </p:cNvPr>
+          <p:cNvSpPr/>
+          <p:nvPr/>
+        </p:nvSpPr>
+        <p:spPr>
+          <a:xfrm>
+            <a:off x="881836" y="1659636"/>
+            <a:ext cx="99373" cy="85344"/>
+          </a:xfrm>
+          <a:prstGeom prst="rect">
+            <a:avLst/>
+          </a:prstGeom>
+          <a:solidFill>
+            <a:schemeClr val="accent1">
+              <a:lumMod val="60000"/>
+              <a:lumOff val="40000"/>
+            </a:schemeClr>
+          </a:solidFill>
+          <a:ln>
+            <a:solidFill>
+              <a:schemeClr val="accent1">
+                <a:lumMod val="60000"/>
+                <a:lumOff val="40000"/>
+              </a:schemeClr>
+            </a:solidFill>
+          </a:ln>
+        </p:spPr>
+        <p:style>
+          <a:lnRef idx="2">
+            <a:schemeClr val="accent1">
+              <a:shade val="50000"/>
+            </a:schemeClr>
+          </a:lnRef>
+          <a:fillRef idx="1">
+            <a:schemeClr val="accent1"/>
+          </a:fillRef>
+          <a:effectRef idx="0">
+            <a:schemeClr val="accent1"/>
+          </a:effectRef>
+          <a:fontRef idx="minor">
+            <a:schemeClr val="lt1"/>
+          </a:fontRef>
+        </p:style>
+        <p:txBody>
+          <a:bodyPr rtlCol="0" anchor="ctr"/>
+          <a:lstStyle/>
+          <a:p>
+            <a:pPr algn="ctr"/>
+            <a:endParaRPr lang="en-US"/>
+          </a:p>
+        </p:txBody>
+      </p:sp>
+      <p:sp>
+        <p:nvSpPr>
+          <p:cNvPr id="27" name="Rechteck 26">
+            <a:extLst>
+              <a:ext uri="{FF2B5EF4-FFF2-40B4-BE49-F238E27FC236}">
+                <a16:creationId xmlns:a16="http://schemas.microsoft.com/office/drawing/2014/main" id="{BFDA51CB-2D8F-4867-A90F-699BE9363C3A}"/>
+              </a:ext>
+            </a:extLst>
+          </p:cNvPr>
+          <p:cNvSpPr/>
+          <p:nvPr/>
+        </p:nvSpPr>
+        <p:spPr>
+          <a:xfrm>
+            <a:off x="884819" y="1859798"/>
+            <a:ext cx="99373" cy="85344"/>
+          </a:xfrm>
+          <a:prstGeom prst="rect">
+            <a:avLst/>
+          </a:prstGeom>
+          <a:solidFill>
+            <a:srgbClr val="00B050"/>
+          </a:solidFill>
+          <a:ln>
+            <a:solidFill>
+              <a:srgbClr val="00B050"/>
+            </a:solidFill>
+          </a:ln>
+        </p:spPr>
+        <p:style>
+          <a:lnRef idx="2">
+            <a:schemeClr val="accent1">
+              <a:shade val="50000"/>
+            </a:schemeClr>
+          </a:lnRef>
+          <a:fillRef idx="1">
+            <a:schemeClr val="accent1"/>
+          </a:fillRef>
+          <a:effectRef idx="0">
+            <a:schemeClr val="accent1"/>
+          </a:effectRef>
+          <a:fontRef idx="minor">
+            <a:schemeClr val="lt1"/>
+          </a:fontRef>
+        </p:style>
+        <p:txBody>
+          <a:bodyPr rtlCol="0" anchor="ctr"/>
+          <a:lstStyle/>
+          <a:p>
+            <a:pPr algn="ctr"/>
+            <a:endParaRPr lang="en-US"/>
+          </a:p>
+        </p:txBody>
+      </p:sp>
+      <p:sp>
+        <p:nvSpPr>
+          <p:cNvPr id="28" name="Rechteck 27">
+            <a:extLst>
+              <a:ext uri="{FF2B5EF4-FFF2-40B4-BE49-F238E27FC236}">
+                <a16:creationId xmlns:a16="http://schemas.microsoft.com/office/drawing/2014/main" id="{9958DB51-34A4-4231-A36C-D62C3DB662E6}"/>
+              </a:ext>
+            </a:extLst>
+          </p:cNvPr>
+          <p:cNvSpPr/>
+          <p:nvPr/>
+        </p:nvSpPr>
+        <p:spPr>
+          <a:xfrm>
+            <a:off x="881836" y="2059198"/>
+            <a:ext cx="99373" cy="85344"/>
+          </a:xfrm>
+          <a:prstGeom prst="rect">
+            <a:avLst/>
+          </a:prstGeom>
+          <a:solidFill>
+            <a:srgbClr val="3333FF"/>
+          </a:solidFill>
+          <a:ln>
+            <a:solidFill>
+              <a:srgbClr val="3333FF"/>
+            </a:solidFill>
+          </a:ln>
+        </p:spPr>
+        <p:style>
+          <a:lnRef idx="2">
+            <a:schemeClr val="accent1">
+              <a:shade val="50000"/>
+            </a:schemeClr>
+          </a:lnRef>
+          <a:fillRef idx="1">
+            <a:schemeClr val="accent1"/>
+          </a:fillRef>
+          <a:effectRef idx="0">
+            <a:schemeClr val="accent1"/>
+          </a:effectRef>
+          <a:fontRef idx="minor">
+            <a:schemeClr val="lt1"/>
+          </a:fontRef>
+        </p:style>
+        <p:txBody>
+          <a:bodyPr rtlCol="0" anchor="ctr"/>
+          <a:lstStyle/>
+          <a:p>
+            <a:pPr algn="ctr"/>
+            <a:endParaRPr lang="en-US"/>
+          </a:p>
+        </p:txBody>
+      </p:sp>
+      <p:sp>
+        <p:nvSpPr>
+          <p:cNvPr id="29" name="Rechteck 28">
+            <a:extLst>
+              <a:ext uri="{FF2B5EF4-FFF2-40B4-BE49-F238E27FC236}">
+                <a16:creationId xmlns:a16="http://schemas.microsoft.com/office/drawing/2014/main" id="{BA8B2246-042C-4FAA-BEF7-EE949DEB9571}"/>
+              </a:ext>
+            </a:extLst>
+          </p:cNvPr>
+          <p:cNvSpPr/>
+          <p:nvPr/>
+        </p:nvSpPr>
+        <p:spPr>
+          <a:xfrm>
+            <a:off x="883653" y="2283470"/>
+            <a:ext cx="99373" cy="85344"/>
+          </a:xfrm>
+          <a:prstGeom prst="rect">
+            <a:avLst/>
+          </a:prstGeom>
+          <a:solidFill>
+            <a:srgbClr val="FF0000"/>
+          </a:solidFill>
+          <a:ln>
+            <a:solidFill>
+              <a:srgbClr val="FF0000"/>
+            </a:solidFill>
+          </a:ln>
+        </p:spPr>
+        <p:style>
+          <a:lnRef idx="2">
+            <a:schemeClr val="accent1">
+              <a:shade val="50000"/>
+            </a:schemeClr>
+          </a:lnRef>
+          <a:fillRef idx="1">
+            <a:schemeClr val="accent1"/>
+          </a:fillRef>
+          <a:effectRef idx="0">
+            <a:schemeClr val="accent1"/>
+          </a:effectRef>
+          <a:fontRef idx="minor">
+            <a:schemeClr val="lt1"/>
+          </a:fontRef>
+        </p:style>
+        <p:txBody>
+          <a:bodyPr rtlCol="0" anchor="ctr"/>
+          <a:lstStyle/>
+          <a:p>
+            <a:pPr algn="ctr"/>
+            <a:endParaRPr lang="en-US"/>
+          </a:p>
+        </p:txBody>
+      </p:sp>
+    </p:spTree>
+    <p:extLst>
+      <p:ext uri="{BB962C8B-B14F-4D97-AF65-F5344CB8AC3E}">
+        <p14:creationId xmlns:p14="http://schemas.microsoft.com/office/powerpoint/2010/main" val="2826532634"/>
+      </p:ext>
+    </p:extLst>
+  </p:cSld>
+  <p:clrMapOvr>
+    <a:masterClrMapping/>
+  </p:clrMapOvr>
+</p:sld>
+</file>
+
+<file path=ppt/slides/slide4.xml><?xml version="1.0" encoding="utf-8"?>
+<p:sld xmlns:a="http://schemas.openxmlformats.org/drawingml/2006/main" xmlns:r="http://schemas.openxmlformats.org/officeDocument/2006/relationships" xmlns:p="http://schemas.openxmlformats.org/presentationml/2006/main">
+  <p:cSld>
+    <p:spTree>
+      <p:nvGrpSpPr>
+        <p:cNvPr id="1" name=""/>
+        <p:cNvGrpSpPr/>
+        <p:nvPr/>
+      </p:nvGrpSpPr>
+      <p:grpSpPr>
+        <a:xfrm>
+          <a:off x="0" y="0"/>
+          <a:ext cx="0" cy="0"/>
+          <a:chOff x="0" y="0"/>
+          <a:chExt cx="0" cy="0"/>
+        </a:xfrm>
+      </p:grpSpPr>
+      <p:sp>
+        <p:nvSpPr>
+          <p:cNvPr id="2" name="Titel 1">
+            <a:extLst>
+              <a:ext uri="{FF2B5EF4-FFF2-40B4-BE49-F238E27FC236}">
+                <a16:creationId xmlns:a16="http://schemas.microsoft.com/office/drawing/2014/main" id="{4A7197C1-0C6B-4384-987C-C307C903B5BF}"/>
+              </a:ext>
+            </a:extLst>
+          </p:cNvPr>
+          <p:cNvSpPr>
+            <a:spLocks noGrp="1"/>
+          </p:cNvSpPr>
+          <p:nvPr>
+            <p:ph type="title"/>
+          </p:nvPr>
+        </p:nvSpPr>
+        <p:spPr/>
+        <p:txBody>
+          <a:bodyPr/>
+          <a:lstStyle/>
+          <a:p>
+            <a:r>
+              <a:rPr lang="en-US" dirty="0"/>
+              <a:t>Process of image classification</a:t>
+            </a:r>
+            <a:br>
+              <a:rPr lang="en-US" dirty="0"/>
+            </a:br>
+            <a:r>
+              <a:rPr lang="en-US" dirty="0"/>
+              <a:t>	 – class diagram of inferencing</a:t>
+            </a:r>
+          </a:p>
+        </p:txBody>
+      </p:sp>
+      <p:sp>
+        <p:nvSpPr>
+          <p:cNvPr id="3" name="Fußzeilenplatzhalter 2">
+            <a:extLst>
+              <a:ext uri="{FF2B5EF4-FFF2-40B4-BE49-F238E27FC236}">
+                <a16:creationId xmlns:a16="http://schemas.microsoft.com/office/drawing/2014/main" id="{02AD2DE0-F005-4C32-974F-F7F86BE48391}"/>
+              </a:ext>
+            </a:extLst>
+          </p:cNvPr>
+          <p:cNvSpPr>
+            <a:spLocks noGrp="1"/>
+          </p:cNvSpPr>
+          <p:nvPr>
+            <p:ph type="ftr" sz="quarter" idx="10"/>
+          </p:nvPr>
+        </p:nvSpPr>
+        <p:spPr/>
+        <p:txBody>
+          <a:bodyPr/>
+          <a:lstStyle/>
+          <a:p>
+            <a:pPr>
+              <a:defRPr/>
+            </a:pPr>
+            <a:r>
+              <a:rPr lang="en-US"/>
+              <a:t>Dimitrov, Drehwald, Guneshka, Häring, Stangel</a:t>
+            </a:r>
+            <a:endParaRPr lang="en-US" dirty="0"/>
+          </a:p>
+        </p:txBody>
+      </p:sp>
+      <p:sp>
+        <p:nvSpPr>
+          <p:cNvPr id="4" name="Datumsplatzhalter 3">
+            <a:extLst>
+              <a:ext uri="{FF2B5EF4-FFF2-40B4-BE49-F238E27FC236}">
+                <a16:creationId xmlns:a16="http://schemas.microsoft.com/office/drawing/2014/main" id="{C9E939C9-C552-41F0-863D-5CADD1D70733}"/>
+              </a:ext>
+            </a:extLst>
+          </p:cNvPr>
+          <p:cNvSpPr>
+            <a:spLocks noGrp="1"/>
+          </p:cNvSpPr>
+          <p:nvPr>
+            <p:ph type="dt" sz="half" idx="11"/>
+          </p:nvPr>
+        </p:nvSpPr>
+        <p:spPr/>
+        <p:txBody>
+          <a:bodyPr/>
+          <a:lstStyle/>
+          <a:p>
+            <a:r>
+              <a:rPr lang="en-US"/>
+              <a:t>Neural Network based Image Classification System on Heterogeneous Platforms</a:t>
+            </a:r>
+          </a:p>
+          <a:p>
+            <a:endParaRPr lang="de-DE" dirty="0"/>
+          </a:p>
+        </p:txBody>
+      </p:sp>
+      <p:sp>
+        <p:nvSpPr>
+          <p:cNvPr id="5" name="Foliennummernplatzhalter 4">
+            <a:extLst>
+              <a:ext uri="{FF2B5EF4-FFF2-40B4-BE49-F238E27FC236}">
+                <a16:creationId xmlns:a16="http://schemas.microsoft.com/office/drawing/2014/main" id="{AC541923-1212-42E6-AA2B-5AFD4FD1FEB7}"/>
+              </a:ext>
+            </a:extLst>
+          </p:cNvPr>
+          <p:cNvSpPr>
+            <a:spLocks noGrp="1"/>
+          </p:cNvSpPr>
+          <p:nvPr>
+            <p:ph type="sldNum" sz="quarter" idx="12"/>
+          </p:nvPr>
+        </p:nvSpPr>
+        <p:spPr/>
+        <p:txBody>
+          <a:bodyPr/>
+          <a:lstStyle/>
+          <a:p>
+            <a:fld id="{E55ABDE9-7D1A-4CAE-9056-F713D277A78C}" type="slidenum">
+              <a:rPr lang="de-DE" smtClean="0"/>
+              <a:pPr/>
+              <a:t>4</a:t>
+            </a:fld>
+            <a:endParaRPr lang="de-DE" dirty="0"/>
+          </a:p>
+        </p:txBody>
+      </p:sp>
+      <p:pic>
+        <p:nvPicPr>
+          <p:cNvPr id="8" name="Grafik 7" descr="Ein Bild, das Text, Screenshot enthält.&#10;&#10;Automatisch generierte Beschreibung">
+            <a:extLst>
+              <a:ext uri="{FF2B5EF4-FFF2-40B4-BE49-F238E27FC236}">
+                <a16:creationId xmlns:a16="http://schemas.microsoft.com/office/drawing/2014/main" id="{0BCBEA4F-DF73-4003-B8DC-380B4D42271E}"/>
+              </a:ext>
+            </a:extLst>
+          </p:cNvPr>
+          <p:cNvPicPr>
+            <a:picLocks noChangeAspect="1"/>
+          </p:cNvPicPr>
+          <p:nvPr/>
+        </p:nvPicPr>
+        <p:blipFill>
+          <a:blip r:embed="rId3">
+            <a:extLst>
+              <a:ext uri="{28A0092B-C50C-407E-A947-70E740481C1C}">
+                <a14:useLocalDpi xmlns:a14="http://schemas.microsoft.com/office/drawing/2010/main" val="0"/>
+              </a:ext>
+            </a:extLst>
+          </a:blip>
+          <a:stretch>
+            <a:fillRect/>
+          </a:stretch>
+        </p:blipFill>
+        <p:spPr>
+          <a:xfrm>
+            <a:off x="883636" y="1141252"/>
+            <a:ext cx="7376728" cy="5040000"/>
+          </a:xfrm>
+          <a:prstGeom prst="rect">
+            <a:avLst/>
+          </a:prstGeom>
+        </p:spPr>
+      </p:pic>
+      <p:sp>
+        <p:nvSpPr>
+          <p:cNvPr id="10" name="Rechteck 9">
+            <a:extLst>
+              <a:ext uri="{FF2B5EF4-FFF2-40B4-BE49-F238E27FC236}">
+                <a16:creationId xmlns:a16="http://schemas.microsoft.com/office/drawing/2014/main" id="{297C5F24-8CFE-4FCD-BF3C-F65DE3A9F04A}"/>
+              </a:ext>
+            </a:extLst>
+          </p:cNvPr>
+          <p:cNvSpPr/>
+          <p:nvPr/>
+        </p:nvSpPr>
+        <p:spPr>
+          <a:xfrm>
+            <a:off x="640080" y="1056640"/>
+            <a:ext cx="4084320" cy="2372360"/>
+          </a:xfrm>
+          <a:prstGeom prst="rect">
+            <a:avLst/>
+          </a:prstGeom>
+          <a:noFill/>
+          <a:ln>
+            <a:solidFill>
+              <a:srgbClr val="FF0000"/>
+            </a:solidFill>
+          </a:ln>
+        </p:spPr>
+        <p:style>
+          <a:lnRef idx="2">
+            <a:schemeClr val="accent1">
+              <a:shade val="50000"/>
+            </a:schemeClr>
+          </a:lnRef>
+          <a:fillRef idx="1">
+            <a:schemeClr val="accent1"/>
+          </a:fillRef>
+          <a:effectRef idx="0">
+            <a:schemeClr val="accent1"/>
+          </a:effectRef>
+          <a:fontRef idx="minor">
+            <a:schemeClr val="lt1"/>
+          </a:fontRef>
+        </p:style>
+        <p:txBody>
+          <a:bodyPr rtlCol="0" anchor="ctr"/>
+          <a:lstStyle/>
+          <a:p>
+            <a:pPr algn="ctr"/>
+            <a:endParaRPr lang="en-US"/>
+          </a:p>
+        </p:txBody>
+      </p:sp>
+      <p:sp>
+        <p:nvSpPr>
+          <p:cNvPr id="11" name="Rechteck 10">
+            <a:extLst>
+              <a:ext uri="{FF2B5EF4-FFF2-40B4-BE49-F238E27FC236}">
+                <a16:creationId xmlns:a16="http://schemas.microsoft.com/office/drawing/2014/main" id="{A1BE79E9-8E75-4E36-B5D3-9EFD1867E6CA}"/>
+              </a:ext>
+            </a:extLst>
+          </p:cNvPr>
+          <p:cNvSpPr/>
+          <p:nvPr/>
+        </p:nvSpPr>
+        <p:spPr>
+          <a:xfrm>
+            <a:off x="3383280" y="1056640"/>
+            <a:ext cx="2530959" cy="995680"/>
+          </a:xfrm>
+          <a:prstGeom prst="rect">
+            <a:avLst/>
+          </a:prstGeom>
+          <a:noFill/>
+          <a:ln>
+            <a:solidFill>
+              <a:srgbClr val="FF0000"/>
+            </a:solidFill>
+          </a:ln>
+        </p:spPr>
+        <p:style>
+          <a:lnRef idx="2">
+            <a:schemeClr val="accent1">
+              <a:shade val="50000"/>
+            </a:schemeClr>
+          </a:lnRef>
+          <a:fillRef idx="1">
+            <a:schemeClr val="accent1"/>
+          </a:fillRef>
+          <a:effectRef idx="0">
+            <a:schemeClr val="accent1"/>
+          </a:effectRef>
+          <a:fontRef idx="minor">
+            <a:schemeClr val="lt1"/>
+          </a:fontRef>
+        </p:style>
+        <p:txBody>
+          <a:bodyPr rtlCol="0" anchor="ctr"/>
+          <a:lstStyle/>
+          <a:p>
+            <a:pPr algn="ctr"/>
+            <a:endParaRPr lang="en-US"/>
+          </a:p>
+        </p:txBody>
+      </p:sp>
+      <p:sp>
+        <p:nvSpPr>
+          <p:cNvPr id="12" name="Rechteck 11">
+            <a:extLst>
+              <a:ext uri="{FF2B5EF4-FFF2-40B4-BE49-F238E27FC236}">
+                <a16:creationId xmlns:a16="http://schemas.microsoft.com/office/drawing/2014/main" id="{76C96346-456E-4806-AA92-D386169746E4}"/>
+              </a:ext>
+            </a:extLst>
+          </p:cNvPr>
+          <p:cNvSpPr/>
+          <p:nvPr/>
+        </p:nvSpPr>
+        <p:spPr>
+          <a:xfrm>
+            <a:off x="6441440" y="3312160"/>
+            <a:ext cx="1818924" cy="1772221"/>
+          </a:xfrm>
+          <a:prstGeom prst="rect">
+            <a:avLst/>
+          </a:prstGeom>
+          <a:noFill/>
+          <a:ln>
+            <a:solidFill>
+              <a:srgbClr val="FF0000"/>
+            </a:solidFill>
+          </a:ln>
+        </p:spPr>
+        <p:style>
+          <a:lnRef idx="2">
+            <a:schemeClr val="accent6"/>
+          </a:lnRef>
+          <a:fillRef idx="1">
+            <a:schemeClr val="lt1"/>
+          </a:fillRef>
+          <a:effectRef idx="0">
+            <a:schemeClr val="accent6"/>
+          </a:effectRef>
+          <a:fontRef idx="minor">
+            <a:schemeClr val="dk1"/>
+          </a:fontRef>
+        </p:style>
+        <p:txBody>
+          <a:bodyPr rtlCol="0" anchor="ctr"/>
+          <a:lstStyle/>
+          <a:p>
+            <a:pPr algn="ctr"/>
+            <a:endParaRPr lang="en-US"/>
+          </a:p>
+        </p:txBody>
+      </p:sp>
+      <p:sp>
+        <p:nvSpPr>
+          <p:cNvPr id="13" name="Rechteck 12">
+            <a:extLst>
+              <a:ext uri="{FF2B5EF4-FFF2-40B4-BE49-F238E27FC236}">
+                <a16:creationId xmlns:a16="http://schemas.microsoft.com/office/drawing/2014/main" id="{13FE7F51-AD93-42B0-AACC-CBE40313BED8}"/>
+              </a:ext>
+            </a:extLst>
+          </p:cNvPr>
+          <p:cNvSpPr/>
+          <p:nvPr/>
+        </p:nvSpPr>
+        <p:spPr>
+          <a:xfrm>
+            <a:off x="3027680" y="3312160"/>
+            <a:ext cx="3322320" cy="2869092"/>
+          </a:xfrm>
+          <a:prstGeom prst="rect">
+            <a:avLst/>
+          </a:prstGeom>
+          <a:noFill/>
+          <a:ln>
+            <a:solidFill>
+              <a:srgbClr val="FF0000"/>
+            </a:solidFill>
+          </a:ln>
+        </p:spPr>
+        <p:style>
+          <a:lnRef idx="2">
+            <a:schemeClr val="accent1">
+              <a:shade val="50000"/>
+            </a:schemeClr>
+          </a:lnRef>
+          <a:fillRef idx="1">
+            <a:schemeClr val="accent1"/>
+          </a:fillRef>
+          <a:effectRef idx="0">
+            <a:schemeClr val="accent1"/>
+          </a:effectRef>
+          <a:fontRef idx="minor">
+            <a:schemeClr val="lt1"/>
+          </a:fontRef>
+        </p:style>
+        <p:txBody>
+          <a:bodyPr rtlCol="0" anchor="ctr"/>
+          <a:lstStyle/>
+          <a:p>
+            <a:pPr algn="ctr"/>
+            <a:endParaRPr lang="en-US"/>
+          </a:p>
+        </p:txBody>
+      </p:sp>
+    </p:spTree>
+    <p:extLst>
+      <p:ext uri="{BB962C8B-B14F-4D97-AF65-F5344CB8AC3E}">
+        <p14:creationId xmlns:p14="http://schemas.microsoft.com/office/powerpoint/2010/main" val="1566738938"/>
+      </p:ext>
+    </p:extLst>
+  </p:cSld>
+  <p:clrMapOvr>
+    <a:masterClrMapping/>
+  </p:clrMapOvr>
+  <p:timing>
+    <p:tnLst>
+      <p:par>
+        <p:cTn id="1" dur="indefinite" restart="never" nodeType="tmRoot">
+          <p:childTnLst>
+            <p:seq concurrent="1" nextAc="seek">
+              <p:cTn id="2" dur="indefinite" nodeType="mainSeq">
+                <p:childTnLst>
+                  <p:par>
+                    <p:cTn id="3" fill="hold">
+                      <p:stCondLst>
+                        <p:cond delay="indefinite"/>
+                      </p:stCondLst>
+                      <p:childTnLst>
+                        <p:par>
+                          <p:cTn id="4" fill="hold">
+                            <p:stCondLst>
+                              <p:cond delay="0"/>
+                            </p:stCondLst>
+                            <p:childTnLst>
+                              <p:par>
+                                <p:cTn id="5" presetID="1" presetClass="exit" presetSubtype="0" fill="hold" grpId="1" nodeType="clickEffect">
+                                  <p:stCondLst>
+                                    <p:cond delay="0"/>
+                                  </p:stCondLst>
+                                  <p:childTnLst>
+                                    <p:set>
+                                      <p:cBhvr>
+                                        <p:cTn id="6" dur="1" fill="hold">
+                                          <p:stCondLst>
+                                            <p:cond delay="0"/>
+                                          </p:stCondLst>
+                                        </p:cTn>
+                                        <p:tgtEl>
+                                          <p:spTgt spid="10"/>
+                                        </p:tgtEl>
+                                        <p:attrNameLst>
+                                          <p:attrName>style.visibility</p:attrName>
+                                        </p:attrNameLst>
+                                      </p:cBhvr>
+                                      <p:to>
+                                        <p:strVal val="hidden"/>
+                                      </p:to>
+                                    </p:set>
+                                  </p:childTnLst>
+                                </p:cTn>
+                              </p:par>
+                              <p:par>
+                                <p:cTn id="7" presetID="1" presetClass="entr" presetSubtype="0" fill="hold" grpId="0" nodeType="withEffect">
+                                  <p:stCondLst>
+                                    <p:cond delay="0"/>
+                                  </p:stCondLst>
+                                  <p:childTnLst>
+                                    <p:set>
+                                      <p:cBhvr>
+                                        <p:cTn id="8" dur="1" fill="hold">
+                                          <p:stCondLst>
+                                            <p:cond delay="0"/>
+                                          </p:stCondLst>
+                                        </p:cTn>
+                                        <p:tgtEl>
+                                          <p:spTgt spid="11"/>
+                                        </p:tgtEl>
+                                        <p:attrNameLst>
+                                          <p:attrName>style.visibility</p:attrName>
+                                        </p:attrNameLst>
+                                      </p:cBhvr>
+                                      <p:to>
+                                        <p:strVal val="visible"/>
+                                      </p:to>
+                                    </p:set>
+                                  </p:childTnLst>
+                                </p:cTn>
+                              </p:par>
+                              <p:par>
+                                <p:cTn id="9" presetID="1" presetClass="entr" presetSubtype="0" fill="hold" grpId="0" nodeType="withEffect">
+                                  <p:stCondLst>
+                                    <p:cond delay="0"/>
+                                  </p:stCondLst>
+                                  <p:childTnLst>
+                                    <p:set>
+                                      <p:cBhvr>
+                                        <p:cTn id="10" dur="1" fill="hold">
+                                          <p:stCondLst>
+                                            <p:cond delay="0"/>
+                                          </p:stCondLst>
+                                        </p:cTn>
+                                        <p:tgtEl>
+                                          <p:spTgt spid="12"/>
+                                        </p:tgtEl>
+                                        <p:attrNameLst>
+                                          <p:attrName>style.visibility</p:attrName>
+                                        </p:attrNameLst>
+                                      </p:cBhvr>
+                                      <p:to>
+                                        <p:strVal val="visible"/>
+                                      </p:to>
+                                    </p:set>
+                                  </p:childTnLst>
+                                </p:cTn>
+                              </p:par>
+                            </p:childTnLst>
+                          </p:cTn>
+                        </p:par>
+                      </p:childTnLst>
+                    </p:cTn>
+                  </p:par>
+                  <p:par>
+                    <p:cTn id="11" fill="hold">
+                      <p:stCondLst>
+                        <p:cond delay="indefinite"/>
+                      </p:stCondLst>
+                      <p:childTnLst>
+                        <p:par>
+                          <p:cTn id="12" fill="hold">
+                            <p:stCondLst>
+                              <p:cond delay="0"/>
+                            </p:stCondLst>
+                            <p:childTnLst>
+                              <p:par>
+                                <p:cTn id="13" presetID="1" presetClass="exit" presetSubtype="0" fill="hold" grpId="1" nodeType="clickEffect">
+                                  <p:stCondLst>
+                                    <p:cond delay="0"/>
+                                  </p:stCondLst>
+                                  <p:childTnLst>
+                                    <p:set>
+                                      <p:cBhvr>
+                                        <p:cTn id="14" dur="1" fill="hold">
+                                          <p:stCondLst>
+                                            <p:cond delay="0"/>
+                                          </p:stCondLst>
+                                        </p:cTn>
+                                        <p:tgtEl>
+                                          <p:spTgt spid="11"/>
+                                        </p:tgtEl>
+                                        <p:attrNameLst>
+                                          <p:attrName>style.visibility</p:attrName>
+                                        </p:attrNameLst>
+                                      </p:cBhvr>
+                                      <p:to>
+                                        <p:strVal val="hidden"/>
+                                      </p:to>
+                                    </p:set>
+                                  </p:childTnLst>
+                                </p:cTn>
+                              </p:par>
+                              <p:par>
+                                <p:cTn id="15" presetID="1" presetClass="exit" presetSubtype="0" fill="hold" grpId="1" nodeType="withEffect">
+                                  <p:stCondLst>
+                                    <p:cond delay="0"/>
+                                  </p:stCondLst>
+                                  <p:childTnLst>
+                                    <p:set>
+                                      <p:cBhvr>
+                                        <p:cTn id="16" dur="1" fill="hold">
+                                          <p:stCondLst>
+                                            <p:cond delay="0"/>
+                                          </p:stCondLst>
+                                        </p:cTn>
+                                        <p:tgtEl>
+                                          <p:spTgt spid="12"/>
+                                        </p:tgtEl>
+                                        <p:attrNameLst>
+                                          <p:attrName>style.visibility</p:attrName>
+                                        </p:attrNameLst>
+                                      </p:cBhvr>
+                                      <p:to>
+                                        <p:strVal val="hidden"/>
+                                      </p:to>
+                                    </p:set>
+                                  </p:childTnLst>
+                                </p:cTn>
+                              </p:par>
+                              <p:par>
+                                <p:cTn id="17" presetID="1" presetClass="entr" presetSubtype="0" fill="hold" grpId="0" nodeType="withEffect">
+                                  <p:stCondLst>
+                                    <p:cond delay="0"/>
+                                  </p:stCondLst>
+                                  <p:childTnLst>
+                                    <p:set>
+                                      <p:cBhvr>
+                                        <p:cTn id="18" dur="1" fill="hold">
+                                          <p:stCondLst>
+                                            <p:cond delay="0"/>
+                                          </p:stCondLst>
+                                        </p:cTn>
+                                        <p:tgtEl>
+                                          <p:spTgt spid="13"/>
+                                        </p:tgtEl>
+                                        <p:attrNameLst>
+                                          <p:attrName>style.visibility</p:attrName>
+                                        </p:attrNameLst>
+                                      </p:cBhvr>
+                                      <p:to>
+                                        <p:strVal val="visible"/>
+                                      </p:to>
+                                    </p:set>
+                                  </p:childTnLst>
+                                </p:cTn>
+                              </p:par>
+                            </p:childTnLst>
+                          </p:cTn>
+                        </p:par>
+                      </p:childTnLst>
+                    </p:cTn>
+                  </p:par>
+                </p:childTnLst>
+              </p:cTn>
+              <p:prevCondLst>
+                <p:cond evt="onPrev" delay="0">
+                  <p:tgtEl>
+                    <p:sldTgt/>
+                  </p:tgtEl>
+                </p:cond>
+              </p:prevCondLst>
+              <p:nextCondLst>
+                <p:cond evt="onNext" delay="0">
+                  <p:tgtEl>
+                    <p:sldTgt/>
+                  </p:tgtEl>
+                </p:cond>
+              </p:nextCondLst>
+            </p:seq>
+          </p:childTnLst>
+        </p:cTn>
+      </p:par>
+    </p:tnLst>
+    <p:bldLst>
+      <p:bldP spid="10" grpId="1" animBg="1"/>
+      <p:bldP spid="11" grpId="0" animBg="1"/>
+      <p:bldP spid="11" grpId="1" animBg="1"/>
+      <p:bldP spid="12" grpId="0" animBg="1"/>
+      <p:bldP spid="12" grpId="1" animBg="1"/>
+      <p:bldP spid="13" grpId="0" animBg="1"/>
+    </p:bldLst>
+  </p:timing>
+</p:sld>
+</file>
+
+<file path=ppt/slides/slide5.xml><?xml version="1.0" encoding="utf-8"?>
+<p:sld xmlns:a="http://schemas.openxmlformats.org/drawingml/2006/main" xmlns:r="http://schemas.openxmlformats.org/officeDocument/2006/relationships" xmlns:p="http://schemas.openxmlformats.org/presentationml/2006/main">
+  <p:cSld>
+    <p:spTree>
+      <p:nvGrpSpPr>
+        <p:cNvPr id="1" name=""/>
+        <p:cNvGrpSpPr/>
+        <p:nvPr/>
+      </p:nvGrpSpPr>
+      <p:grpSpPr>
+        <a:xfrm>
+          <a:off x="0" y="0"/>
+          <a:ext cx="0" cy="0"/>
+          <a:chOff x="0" y="0"/>
+          <a:chExt cx="0" cy="0"/>
+        </a:xfrm>
+      </p:grpSpPr>
+      <p:sp>
+        <p:nvSpPr>
+          <p:cNvPr id="2" name="Titel 1">
+            <a:extLst>
+              <a:ext uri="{FF2B5EF4-FFF2-40B4-BE49-F238E27FC236}">
+                <a16:creationId xmlns:a16="http://schemas.microsoft.com/office/drawing/2014/main" id="{4A7197C1-0C6B-4384-987C-C307C903B5BF}"/>
+              </a:ext>
+            </a:extLst>
+          </p:cNvPr>
+          <p:cNvSpPr>
+            <a:spLocks noGrp="1"/>
+          </p:cNvSpPr>
+          <p:nvPr>
+            <p:ph type="title"/>
+          </p:nvPr>
+        </p:nvSpPr>
+        <p:spPr/>
+        <p:txBody>
+          <a:bodyPr/>
+          <a:lstStyle/>
+          <a:p>
+            <a:r>
+              <a:rPr lang="en-US" dirty="0"/>
+              <a:t>Process of image classification</a:t>
+            </a:r>
+            <a:br>
+              <a:rPr lang="en-US" dirty="0"/>
+            </a:br>
+            <a:r>
+              <a:rPr lang="en-US" dirty="0"/>
+              <a:t>	 – class diagram of dispatcher</a:t>
+            </a:r>
+          </a:p>
+        </p:txBody>
+      </p:sp>
+      <p:sp>
+        <p:nvSpPr>
+          <p:cNvPr id="3" name="Fußzeilenplatzhalter 2">
+            <a:extLst>
+              <a:ext uri="{FF2B5EF4-FFF2-40B4-BE49-F238E27FC236}">
+                <a16:creationId xmlns:a16="http://schemas.microsoft.com/office/drawing/2014/main" id="{02AD2DE0-F005-4C32-974F-F7F86BE48391}"/>
+              </a:ext>
+            </a:extLst>
+          </p:cNvPr>
+          <p:cNvSpPr>
+            <a:spLocks noGrp="1"/>
+          </p:cNvSpPr>
+          <p:nvPr>
+            <p:ph type="ftr" sz="quarter" idx="10"/>
+          </p:nvPr>
+        </p:nvSpPr>
+        <p:spPr/>
+        <p:txBody>
+          <a:bodyPr/>
+          <a:lstStyle/>
+          <a:p>
+            <a:pPr>
+              <a:defRPr/>
+            </a:pPr>
+            <a:r>
+              <a:rPr lang="en-US"/>
+              <a:t>Dimitrov, Drehwald, Guneshka, Häring, Stangel</a:t>
+            </a:r>
+            <a:endParaRPr lang="en-US" dirty="0"/>
+          </a:p>
+        </p:txBody>
+      </p:sp>
+      <p:sp>
+        <p:nvSpPr>
+          <p:cNvPr id="4" name="Datumsplatzhalter 3">
+            <a:extLst>
+              <a:ext uri="{FF2B5EF4-FFF2-40B4-BE49-F238E27FC236}">
+                <a16:creationId xmlns:a16="http://schemas.microsoft.com/office/drawing/2014/main" id="{C9E939C9-C552-41F0-863D-5CADD1D70733}"/>
+              </a:ext>
+            </a:extLst>
+          </p:cNvPr>
+          <p:cNvSpPr>
+            <a:spLocks noGrp="1"/>
+          </p:cNvSpPr>
+          <p:nvPr>
+            <p:ph type="dt" sz="half" idx="11"/>
+          </p:nvPr>
+        </p:nvSpPr>
+        <p:spPr/>
+        <p:txBody>
+          <a:bodyPr/>
+          <a:lstStyle/>
+          <a:p>
+            <a:r>
+              <a:rPr lang="en-US"/>
+              <a:t>Neural Network based Image Classification System on Heterogeneous Platforms</a:t>
+            </a:r>
+          </a:p>
+          <a:p>
+            <a:endParaRPr lang="de-DE" dirty="0"/>
+          </a:p>
+        </p:txBody>
+      </p:sp>
+      <p:sp>
+        <p:nvSpPr>
+          <p:cNvPr id="5" name="Foliennummernplatzhalter 4">
+            <a:extLst>
+              <a:ext uri="{FF2B5EF4-FFF2-40B4-BE49-F238E27FC236}">
+                <a16:creationId xmlns:a16="http://schemas.microsoft.com/office/drawing/2014/main" id="{AC541923-1212-42E6-AA2B-5AFD4FD1FEB7}"/>
+              </a:ext>
+            </a:extLst>
+          </p:cNvPr>
+          <p:cNvSpPr>
+            <a:spLocks noGrp="1"/>
+          </p:cNvSpPr>
+          <p:nvPr>
+            <p:ph type="sldNum" sz="quarter" idx="12"/>
+          </p:nvPr>
+        </p:nvSpPr>
+        <p:spPr/>
+        <p:txBody>
+          <a:bodyPr/>
+          <a:lstStyle/>
+          <a:p>
+            <a:fld id="{E55ABDE9-7D1A-4CAE-9056-F713D277A78C}" type="slidenum">
+              <a:rPr lang="de-DE" smtClean="0"/>
+              <a:pPr/>
+              <a:t>5</a:t>
+            </a:fld>
+            <a:endParaRPr lang="de-DE" dirty="0"/>
+          </a:p>
+        </p:txBody>
+      </p:sp>
+      <p:pic>
+        <p:nvPicPr>
+          <p:cNvPr id="7" name="Grafik 6" descr="Ein Bild, das Text enthält.&#10;&#10;Automatisch generierte Beschreibung">
+            <a:extLst>
+              <a:ext uri="{FF2B5EF4-FFF2-40B4-BE49-F238E27FC236}">
+                <a16:creationId xmlns:a16="http://schemas.microsoft.com/office/drawing/2014/main" id="{846E56AD-3165-4FC1-B073-B49822223007}"/>
+              </a:ext>
+            </a:extLst>
+          </p:cNvPr>
+          <p:cNvPicPr>
+            <a:picLocks noChangeAspect="1"/>
+          </p:cNvPicPr>
+          <p:nvPr/>
+        </p:nvPicPr>
+        <p:blipFill>
+          <a:blip r:embed="rId3">
+            <a:extLst>
+              <a:ext uri="{28A0092B-C50C-407E-A947-70E740481C1C}">
+                <a14:useLocalDpi xmlns:a14="http://schemas.microsoft.com/office/drawing/2010/main" val="0"/>
+              </a:ext>
+            </a:extLst>
+          </a:blip>
+          <a:stretch>
+            <a:fillRect/>
+          </a:stretch>
+        </p:blipFill>
+        <p:spPr>
+          <a:xfrm>
+            <a:off x="390525" y="1158205"/>
+            <a:ext cx="7834455" cy="5040000"/>
+          </a:xfrm>
+          <a:prstGeom prst="rect">
+            <a:avLst/>
+          </a:prstGeom>
+        </p:spPr>
+      </p:pic>
+      <p:sp>
+        <p:nvSpPr>
+          <p:cNvPr id="6" name="Rechteck 5">
+            <a:extLst>
+              <a:ext uri="{FF2B5EF4-FFF2-40B4-BE49-F238E27FC236}">
+                <a16:creationId xmlns:a16="http://schemas.microsoft.com/office/drawing/2014/main" id="{15D22D55-E0C0-4F03-99A7-839B61278D5F}"/>
+              </a:ext>
+            </a:extLst>
+          </p:cNvPr>
+          <p:cNvSpPr/>
+          <p:nvPr/>
+        </p:nvSpPr>
+        <p:spPr>
+          <a:xfrm>
+            <a:off x="719328" y="2615184"/>
+            <a:ext cx="2712720" cy="1359408"/>
+          </a:xfrm>
+          <a:prstGeom prst="rect">
+            <a:avLst/>
+          </a:prstGeom>
+          <a:noFill/>
+          <a:ln>
+            <a:solidFill>
+              <a:srgbClr val="FF0000"/>
+            </a:solidFill>
+          </a:ln>
+        </p:spPr>
+        <p:style>
+          <a:lnRef idx="2">
+            <a:schemeClr val="accent1">
+              <a:shade val="50000"/>
+            </a:schemeClr>
+          </a:lnRef>
+          <a:fillRef idx="1">
+            <a:schemeClr val="accent1"/>
+          </a:fillRef>
+          <a:effectRef idx="0">
+            <a:schemeClr val="accent1"/>
+          </a:effectRef>
+          <a:fontRef idx="minor">
+            <a:schemeClr val="lt1"/>
+          </a:fontRef>
+        </p:style>
+        <p:txBody>
+          <a:bodyPr rtlCol="0" anchor="ctr"/>
+          <a:lstStyle/>
+          <a:p>
+            <a:pPr algn="ctr"/>
+            <a:endParaRPr lang="en-US"/>
+          </a:p>
+        </p:txBody>
+      </p:sp>
+    </p:spTree>
+    <p:extLst>
+      <p:ext uri="{BB962C8B-B14F-4D97-AF65-F5344CB8AC3E}">
+        <p14:creationId xmlns:p14="http://schemas.microsoft.com/office/powerpoint/2010/main" val="2607947462"/>
+      </p:ext>
+    </p:extLst>
+  </p:cSld>
+  <p:clrMapOvr>
+    <a:masterClrMapping/>
+  </p:clrMapOvr>
+</p:sld>
+</file>
+
+<file path=ppt/slides/slide6.xml><?xml version="1.0" encoding="utf-8"?>
+<p:sld xmlns:a="http://schemas.openxmlformats.org/drawingml/2006/main" xmlns:r="http://schemas.openxmlformats.org/officeDocument/2006/relationships" xmlns:p="http://schemas.openxmlformats.org/presentationml/2006/main">
+  <p:cSld>
+    <p:spTree>
+      <p:nvGrpSpPr>
+        <p:cNvPr id="1" name=""/>
+        <p:cNvGrpSpPr/>
+        <p:nvPr/>
+      </p:nvGrpSpPr>
+      <p:grpSpPr>
+        <a:xfrm>
+          <a:off x="0" y="0"/>
+          <a:ext cx="0" cy="0"/>
+          <a:chOff x="0" y="0"/>
+          <a:chExt cx="0" cy="0"/>
+        </a:xfrm>
+      </p:grpSpPr>
+      <p:sp>
+        <p:nvSpPr>
+          <p:cNvPr id="2" name="Titel 1">
+            <a:extLst>
+              <a:ext uri="{FF2B5EF4-FFF2-40B4-BE49-F238E27FC236}">
+                <a16:creationId xmlns:a16="http://schemas.microsoft.com/office/drawing/2014/main" id="{4A7197C1-0C6B-4384-987C-C307C903B5BF}"/>
+              </a:ext>
+            </a:extLst>
+          </p:cNvPr>
+          <p:cNvSpPr>
+            <a:spLocks noGrp="1"/>
+          </p:cNvSpPr>
+          <p:nvPr>
+            <p:ph type="title"/>
+          </p:nvPr>
+        </p:nvSpPr>
+        <p:spPr/>
+        <p:txBody>
+          <a:bodyPr/>
+          <a:lstStyle/>
+          <a:p>
+            <a:r>
+              <a:rPr lang="en-US" dirty="0"/>
+              <a:t>Process of image classification</a:t>
+            </a:r>
+            <a:br>
+              <a:rPr lang="en-US" dirty="0"/>
+            </a:br>
+            <a:r>
+              <a:rPr lang="en-US" dirty="0"/>
+              <a:t>	 – class diagram of the predictor</a:t>
+            </a:r>
+          </a:p>
+        </p:txBody>
+      </p:sp>
+      <p:sp>
+        <p:nvSpPr>
+          <p:cNvPr id="3" name="Fußzeilenplatzhalter 2">
+            <a:extLst>
+              <a:ext uri="{FF2B5EF4-FFF2-40B4-BE49-F238E27FC236}">
+                <a16:creationId xmlns:a16="http://schemas.microsoft.com/office/drawing/2014/main" id="{02AD2DE0-F005-4C32-974F-F7F86BE48391}"/>
+              </a:ext>
+            </a:extLst>
+          </p:cNvPr>
+          <p:cNvSpPr>
+            <a:spLocks noGrp="1"/>
+          </p:cNvSpPr>
+          <p:nvPr>
+            <p:ph type="ftr" sz="quarter" idx="10"/>
+          </p:nvPr>
+        </p:nvSpPr>
+        <p:spPr/>
+        <p:txBody>
+          <a:bodyPr/>
+          <a:lstStyle/>
+          <a:p>
+            <a:pPr>
+              <a:defRPr/>
+            </a:pPr>
+            <a:r>
+              <a:rPr lang="en-US"/>
+              <a:t>Dimitrov, Drehwald, Guneshka, Häring, Stangel</a:t>
+            </a:r>
+            <a:endParaRPr lang="en-US" dirty="0"/>
+          </a:p>
+        </p:txBody>
+      </p:sp>
+      <p:sp>
+        <p:nvSpPr>
+          <p:cNvPr id="4" name="Datumsplatzhalter 3">
+            <a:extLst>
+              <a:ext uri="{FF2B5EF4-FFF2-40B4-BE49-F238E27FC236}">
+                <a16:creationId xmlns:a16="http://schemas.microsoft.com/office/drawing/2014/main" id="{C9E939C9-C552-41F0-863D-5CADD1D70733}"/>
+              </a:ext>
+            </a:extLst>
+          </p:cNvPr>
+          <p:cNvSpPr>
+            <a:spLocks noGrp="1"/>
+          </p:cNvSpPr>
+          <p:nvPr>
+            <p:ph type="dt" sz="half" idx="11"/>
+          </p:nvPr>
+        </p:nvSpPr>
+        <p:spPr/>
+        <p:txBody>
+          <a:bodyPr/>
+          <a:lstStyle/>
+          <a:p>
+            <a:r>
+              <a:rPr lang="en-US"/>
+              <a:t>Neural Network based Image Classification System on Heterogeneous Platforms</a:t>
+            </a:r>
+          </a:p>
+          <a:p>
+            <a:endParaRPr lang="de-DE" dirty="0"/>
+          </a:p>
+        </p:txBody>
+      </p:sp>
+      <p:sp>
+        <p:nvSpPr>
+          <p:cNvPr id="5" name="Foliennummernplatzhalter 4">
+            <a:extLst>
+              <a:ext uri="{FF2B5EF4-FFF2-40B4-BE49-F238E27FC236}">
+                <a16:creationId xmlns:a16="http://schemas.microsoft.com/office/drawing/2014/main" id="{AC541923-1212-42E6-AA2B-5AFD4FD1FEB7}"/>
+              </a:ext>
+            </a:extLst>
+          </p:cNvPr>
+          <p:cNvSpPr>
+            <a:spLocks noGrp="1"/>
+          </p:cNvSpPr>
+          <p:nvPr>
+            <p:ph type="sldNum" sz="quarter" idx="12"/>
+          </p:nvPr>
+        </p:nvSpPr>
+        <p:spPr/>
+        <p:txBody>
+          <a:bodyPr/>
+          <a:lstStyle/>
+          <a:p>
+            <a:fld id="{E55ABDE9-7D1A-4CAE-9056-F713D277A78C}" type="slidenum">
+              <a:rPr lang="de-DE" smtClean="0"/>
+              <a:pPr/>
+              <a:t>6</a:t>
+            </a:fld>
+            <a:endParaRPr lang="de-DE" dirty="0"/>
+          </a:p>
+        </p:txBody>
+      </p:sp>
+      <p:pic>
+        <p:nvPicPr>
+          <p:cNvPr id="7" name="Grafik 6" descr="Ein Bild, das Screenshot enthält.&#10;&#10;Automatisch generierte Beschreibung">
+            <a:extLst>
+              <a:ext uri="{FF2B5EF4-FFF2-40B4-BE49-F238E27FC236}">
+                <a16:creationId xmlns:a16="http://schemas.microsoft.com/office/drawing/2014/main" id="{B53D4A0C-3924-472F-A9CC-C117A2C0335F}"/>
+              </a:ext>
+            </a:extLst>
+          </p:cNvPr>
+          <p:cNvPicPr>
+            <a:picLocks noChangeAspect="1"/>
+          </p:cNvPicPr>
+          <p:nvPr/>
+        </p:nvPicPr>
+        <p:blipFill>
+          <a:blip r:embed="rId3">
+            <a:extLst>
+              <a:ext uri="{28A0092B-C50C-407E-A947-70E740481C1C}">
+                <a14:useLocalDpi xmlns:a14="http://schemas.microsoft.com/office/drawing/2010/main" val="0"/>
+              </a:ext>
+            </a:extLst>
+          </a:blip>
+          <a:stretch>
+            <a:fillRect/>
+          </a:stretch>
+        </p:blipFill>
+        <p:spPr>
+          <a:xfrm>
+            <a:off x="252000" y="1489363"/>
+            <a:ext cx="8640000" cy="4765091"/>
+          </a:xfrm>
+          <a:prstGeom prst="rect">
+            <a:avLst/>
+          </a:prstGeom>
+        </p:spPr>
+      </p:pic>
+      <p:sp>
+        <p:nvSpPr>
+          <p:cNvPr id="6" name="Rechteck 5">
+            <a:extLst>
+              <a:ext uri="{FF2B5EF4-FFF2-40B4-BE49-F238E27FC236}">
+                <a16:creationId xmlns:a16="http://schemas.microsoft.com/office/drawing/2014/main" id="{D4E8FADC-CDDA-4307-85A9-C7257C1CE056}"/>
+              </a:ext>
+            </a:extLst>
+          </p:cNvPr>
+          <p:cNvSpPr/>
+          <p:nvPr/>
+        </p:nvSpPr>
+        <p:spPr>
+          <a:xfrm>
+            <a:off x="4846320" y="3328416"/>
+            <a:ext cx="3931920" cy="847344"/>
+          </a:xfrm>
+          <a:prstGeom prst="rect">
+            <a:avLst/>
+          </a:prstGeom>
+          <a:noFill/>
+          <a:ln>
+            <a:solidFill>
+              <a:srgbClr val="FF0000"/>
+            </a:solidFill>
+          </a:ln>
+        </p:spPr>
+        <p:style>
+          <a:lnRef idx="2">
+            <a:schemeClr val="accent1">
+              <a:shade val="50000"/>
+            </a:schemeClr>
+          </a:lnRef>
+          <a:fillRef idx="1">
+            <a:schemeClr val="accent1"/>
+          </a:fillRef>
+          <a:effectRef idx="0">
+            <a:schemeClr val="accent1"/>
+          </a:effectRef>
+          <a:fontRef idx="minor">
+            <a:schemeClr val="lt1"/>
+          </a:fontRef>
+        </p:style>
+        <p:txBody>
+          <a:bodyPr rtlCol="0" anchor="ctr"/>
+          <a:lstStyle/>
+          <a:p>
+            <a:pPr algn="ctr"/>
+            <a:endParaRPr lang="en-US"/>
+          </a:p>
+        </p:txBody>
+      </p:sp>
+      <p:sp>
+        <p:nvSpPr>
+          <p:cNvPr id="8" name="Rechteck 7">
+            <a:extLst>
+              <a:ext uri="{FF2B5EF4-FFF2-40B4-BE49-F238E27FC236}">
+                <a16:creationId xmlns:a16="http://schemas.microsoft.com/office/drawing/2014/main" id="{CA44BF65-F7C0-4E30-9C0B-BA1CA6E57F0F}"/>
+              </a:ext>
+            </a:extLst>
+          </p:cNvPr>
+          <p:cNvSpPr/>
+          <p:nvPr/>
+        </p:nvSpPr>
+        <p:spPr>
+          <a:xfrm>
+            <a:off x="4846320" y="3328416"/>
+            <a:ext cx="3931920" cy="1725168"/>
+          </a:xfrm>
+          <a:prstGeom prst="rect">
+            <a:avLst/>
+          </a:prstGeom>
+          <a:noFill/>
+          <a:ln>
+            <a:solidFill>
+              <a:srgbClr val="FF0000"/>
+            </a:solidFill>
+          </a:ln>
+        </p:spPr>
+        <p:style>
+          <a:lnRef idx="2">
+            <a:schemeClr val="accent1">
+              <a:shade val="50000"/>
+            </a:schemeClr>
+          </a:lnRef>
+          <a:fillRef idx="1">
+            <a:schemeClr val="accent1"/>
+          </a:fillRef>
+          <a:effectRef idx="0">
+            <a:schemeClr val="accent1"/>
+          </a:effectRef>
+          <a:fontRef idx="minor">
+            <a:schemeClr val="lt1"/>
+          </a:fontRef>
+        </p:style>
+        <p:txBody>
+          <a:bodyPr rtlCol="0" anchor="ctr"/>
+          <a:lstStyle/>
+          <a:p>
+            <a:pPr algn="ctr"/>
+            <a:endParaRPr lang="en-US"/>
+          </a:p>
+        </p:txBody>
+      </p:sp>
+      <p:sp>
+        <p:nvSpPr>
+          <p:cNvPr id="9" name="Rechteck 8">
+            <a:extLst>
+              <a:ext uri="{FF2B5EF4-FFF2-40B4-BE49-F238E27FC236}">
+                <a16:creationId xmlns:a16="http://schemas.microsoft.com/office/drawing/2014/main" id="{AF272B55-E8F0-44A4-ABA9-E8A586F2EDAE}"/>
+              </a:ext>
+            </a:extLst>
+          </p:cNvPr>
+          <p:cNvSpPr/>
+          <p:nvPr/>
+        </p:nvSpPr>
+        <p:spPr>
+          <a:xfrm>
+            <a:off x="1158240" y="3752088"/>
+            <a:ext cx="2133600" cy="1222248"/>
+          </a:xfrm>
+          <a:prstGeom prst="rect">
+            <a:avLst/>
+          </a:prstGeom>
+          <a:noFill/>
+          <a:ln>
+            <a:solidFill>
+              <a:srgbClr val="FF0000"/>
+            </a:solidFill>
+          </a:ln>
+        </p:spPr>
+        <p:style>
+          <a:lnRef idx="2">
+            <a:schemeClr val="accent1">
+              <a:shade val="50000"/>
+            </a:schemeClr>
+          </a:lnRef>
+          <a:fillRef idx="1">
+            <a:schemeClr val="accent1"/>
+          </a:fillRef>
+          <a:effectRef idx="0">
+            <a:schemeClr val="accent1"/>
+          </a:effectRef>
+          <a:fontRef idx="minor">
+            <a:schemeClr val="lt1"/>
+          </a:fontRef>
+        </p:style>
+        <p:txBody>
+          <a:bodyPr rtlCol="0" anchor="ctr"/>
+          <a:lstStyle/>
+          <a:p>
+            <a:pPr algn="ctr"/>
+            <a:endParaRPr lang="en-US"/>
+          </a:p>
+        </p:txBody>
+      </p:sp>
+    </p:spTree>
+    <p:extLst>
+      <p:ext uri="{BB962C8B-B14F-4D97-AF65-F5344CB8AC3E}">
+        <p14:creationId xmlns:p14="http://schemas.microsoft.com/office/powerpoint/2010/main" val="72236851"/>
+      </p:ext>
+    </p:extLst>
+  </p:cSld>
+  <p:clrMapOvr>
+    <a:masterClrMapping/>
+  </p:clrMapOvr>
+  <p:timing>
+    <p:tnLst>
+      <p:par>
+        <p:cTn id="1" dur="indefinite" restart="never" nodeType="tmRoot">
+          <p:childTnLst>
+            <p:seq concurrent="1" nextAc="seek">
+              <p:cTn id="2" dur="indefinite" nodeType="mainSeq">
+                <p:childTnLst>
+                  <p:par>
+                    <p:cTn id="3" fill="hold">
+                      <p:stCondLst>
+                        <p:cond delay="indefinite"/>
+                      </p:stCondLst>
+                      <p:childTnLst>
+                        <p:par>
+                          <p:cTn id="4" fill="hold">
+                            <p:stCondLst>
+                              <p:cond delay="0"/>
+                            </p:stCondLst>
+                            <p:childTnLst>
+                              <p:par>
+                                <p:cTn id="5" presetID="1" presetClass="exit" presetSubtype="0" fill="hold" grpId="1" nodeType="clickEffect">
+                                  <p:stCondLst>
+                                    <p:cond delay="0"/>
+                                  </p:stCondLst>
+                                  <p:childTnLst>
+                                    <p:set>
+                                      <p:cBhvr>
+                                        <p:cTn id="6" dur="1" fill="hold">
+                                          <p:stCondLst>
+                                            <p:cond delay="0"/>
+                                          </p:stCondLst>
+                                        </p:cTn>
+                                        <p:tgtEl>
+                                          <p:spTgt spid="6"/>
+                                        </p:tgtEl>
+                                        <p:attrNameLst>
+                                          <p:attrName>style.visibility</p:attrName>
+                                        </p:attrNameLst>
+                                      </p:cBhvr>
+                                      <p:to>
+                                        <p:strVal val="hidden"/>
+                                      </p:to>
+                                    </p:set>
+                                  </p:childTnLst>
+                                </p:cTn>
+                              </p:par>
+                              <p:par>
+                                <p:cTn id="7" presetID="1" presetClass="entr" presetSubtype="0" fill="hold" grpId="0" nodeType="withEffect">
+                                  <p:stCondLst>
+                                    <p:cond delay="0"/>
+                                  </p:stCondLst>
+                                  <p:childTnLst>
+                                    <p:set>
+                                      <p:cBhvr>
+                                        <p:cTn id="8" dur="1" fill="hold">
+                                          <p:stCondLst>
+                                            <p:cond delay="0"/>
+                                          </p:stCondLst>
+                                        </p:cTn>
+                                        <p:tgtEl>
+                                          <p:spTgt spid="8"/>
+                                        </p:tgtEl>
+                                        <p:attrNameLst>
+                                          <p:attrName>style.visibility</p:attrName>
+                                        </p:attrNameLst>
+                                      </p:cBhvr>
+                                      <p:to>
+                                        <p:strVal val="visible"/>
+                                      </p:to>
+                                    </p:set>
+                                  </p:childTnLst>
+                                </p:cTn>
+                              </p:par>
+                            </p:childTnLst>
+                          </p:cTn>
+                        </p:par>
+                      </p:childTnLst>
+                    </p:cTn>
+                  </p:par>
+                  <p:par>
+                    <p:cTn id="9" fill="hold">
+                      <p:stCondLst>
+                        <p:cond delay="indefinite"/>
+                      </p:stCondLst>
+                      <p:childTnLst>
+                        <p:par>
+                          <p:cTn id="10" fill="hold">
+                            <p:stCondLst>
+                              <p:cond delay="0"/>
+                            </p:stCondLst>
+                            <p:childTnLst>
+                              <p:par>
+                                <p:cTn id="11" presetID="1" presetClass="exit" presetSubtype="0" fill="hold" grpId="1" nodeType="clickEffect">
+                                  <p:stCondLst>
+                                    <p:cond delay="0"/>
+                                  </p:stCondLst>
+                                  <p:childTnLst>
+                                    <p:set>
+                                      <p:cBhvr>
+                                        <p:cTn id="12" dur="1" fill="hold">
+                                          <p:stCondLst>
+                                            <p:cond delay="0"/>
+                                          </p:stCondLst>
+                                        </p:cTn>
+                                        <p:tgtEl>
+                                          <p:spTgt spid="8"/>
+                                        </p:tgtEl>
+                                        <p:attrNameLst>
+                                          <p:attrName>style.visibility</p:attrName>
+                                        </p:attrNameLst>
+                                      </p:cBhvr>
+                                      <p:to>
+                                        <p:strVal val="hidden"/>
+                                      </p:to>
+                                    </p:set>
+                                  </p:childTnLst>
+                                </p:cTn>
+                              </p:par>
+                              <p:par>
+                                <p:cTn id="13" presetID="1" presetClass="entr" presetSubtype="0" fill="hold" grpId="0" nodeType="withEffect">
+                                  <p:stCondLst>
+                                    <p:cond delay="0"/>
+                                  </p:stCondLst>
+                                  <p:childTnLst>
+                                    <p:set>
+                                      <p:cBhvr>
+                                        <p:cTn id="14" dur="1" fill="hold">
+                                          <p:stCondLst>
+                                            <p:cond delay="0"/>
+                                          </p:stCondLst>
+                                        </p:cTn>
+                                        <p:tgtEl>
+                                          <p:spTgt spid="9"/>
+                                        </p:tgtEl>
+                                        <p:attrNameLst>
+                                          <p:attrName>style.visibility</p:attrName>
+                                        </p:attrNameLst>
+                                      </p:cBhvr>
+                                      <p:to>
+                                        <p:strVal val="visible"/>
+                                      </p:to>
+                                    </p:set>
+                                  </p:childTnLst>
+                                </p:cTn>
+                              </p:par>
+                            </p:childTnLst>
+                          </p:cTn>
+                        </p:par>
+                      </p:childTnLst>
+                    </p:cTn>
+                  </p:par>
+                </p:childTnLst>
+              </p:cTn>
+              <p:prevCondLst>
+                <p:cond evt="onPrev" delay="0">
+                  <p:tgtEl>
+                    <p:sldTgt/>
+                  </p:tgtEl>
+                </p:cond>
+              </p:prevCondLst>
+              <p:nextCondLst>
+                <p:cond evt="onNext" delay="0">
+                  <p:tgtEl>
+                    <p:sldTgt/>
+                  </p:tgtEl>
+                </p:cond>
+              </p:nextCondLst>
+            </p:seq>
+          </p:childTnLst>
+        </p:cTn>
+      </p:par>
+    </p:tnLst>
+    <p:bldLst>
+      <p:bldP spid="6" grpId="1" animBg="1"/>
+      <p:bldP spid="8" grpId="0" animBg="1"/>
+      <p:bldP spid="8" grpId="1" animBg="1"/>
+      <p:bldP spid="9" grpId="0" animBg="1"/>
+    </p:bldLst>
+  </p:timing>
+</p:sld>
+</file>
+
+<file path=ppt/slides/slide7.xml><?xml version="1.0" encoding="utf-8"?>
+<p:sld xmlns:a="http://schemas.openxmlformats.org/drawingml/2006/main" xmlns:r="http://schemas.openxmlformats.org/officeDocument/2006/relationships" xmlns:p="http://schemas.openxmlformats.org/presentationml/2006/main">
+  <p:cSld>
+    <p:spTree>
+      <p:nvGrpSpPr>
+        <p:cNvPr id="1" name=""/>
+        <p:cNvGrpSpPr/>
+        <p:nvPr/>
+      </p:nvGrpSpPr>
+      <p:grpSpPr>
+        <a:xfrm>
+          <a:off x="0" y="0"/>
+          <a:ext cx="0" cy="0"/>
+          <a:chOff x="0" y="0"/>
+          <a:chExt cx="0" cy="0"/>
+        </a:xfrm>
+      </p:grpSpPr>
+      <p:sp>
+        <p:nvSpPr>
+          <p:cNvPr id="2" name="Titel 1">
+            <a:extLst>
+              <a:ext uri="{FF2B5EF4-FFF2-40B4-BE49-F238E27FC236}">
+                <a16:creationId xmlns:a16="http://schemas.microsoft.com/office/drawing/2014/main" id="{4A7197C1-0C6B-4384-987C-C307C903B5BF}"/>
+              </a:ext>
+            </a:extLst>
+          </p:cNvPr>
+          <p:cNvSpPr>
+            <a:spLocks noGrp="1"/>
+          </p:cNvSpPr>
+          <p:nvPr>
+            <p:ph type="title"/>
+          </p:nvPr>
+        </p:nvSpPr>
+        <p:spPr/>
+        <p:txBody>
+          <a:bodyPr/>
+          <a:lstStyle/>
+          <a:p>
+            <a:r>
+              <a:rPr lang="en-US" dirty="0"/>
+              <a:t>Process of image classification</a:t>
+            </a:r>
+            <a:br>
+              <a:rPr lang="en-US" dirty="0"/>
+            </a:br>
+            <a:r>
+              <a:rPr lang="en-US" dirty="0"/>
+              <a:t>	 – class diagram of dispatcher</a:t>
+            </a:r>
+          </a:p>
+        </p:txBody>
+      </p:sp>
+      <p:sp>
+        <p:nvSpPr>
+          <p:cNvPr id="3" name="Fußzeilenplatzhalter 2">
+            <a:extLst>
+              <a:ext uri="{FF2B5EF4-FFF2-40B4-BE49-F238E27FC236}">
+                <a16:creationId xmlns:a16="http://schemas.microsoft.com/office/drawing/2014/main" id="{02AD2DE0-F005-4C32-974F-F7F86BE48391}"/>
+              </a:ext>
+            </a:extLst>
+          </p:cNvPr>
+          <p:cNvSpPr>
+            <a:spLocks noGrp="1"/>
+          </p:cNvSpPr>
+          <p:nvPr>
+            <p:ph type="ftr" sz="quarter" idx="10"/>
+          </p:nvPr>
+        </p:nvSpPr>
+        <p:spPr/>
+        <p:txBody>
+          <a:bodyPr/>
+          <a:lstStyle/>
+          <a:p>
+            <a:pPr>
+              <a:defRPr/>
+            </a:pPr>
+            <a:r>
+              <a:rPr lang="en-US"/>
+              <a:t>Dimitrov, Drehwald, Guneshka, Häring, Stangel</a:t>
+            </a:r>
+            <a:endParaRPr lang="en-US" dirty="0"/>
+          </a:p>
+        </p:txBody>
+      </p:sp>
+      <p:sp>
+        <p:nvSpPr>
+          <p:cNvPr id="4" name="Datumsplatzhalter 3">
+            <a:extLst>
+              <a:ext uri="{FF2B5EF4-FFF2-40B4-BE49-F238E27FC236}">
+                <a16:creationId xmlns:a16="http://schemas.microsoft.com/office/drawing/2014/main" id="{C9E939C9-C552-41F0-863D-5CADD1D70733}"/>
+              </a:ext>
+            </a:extLst>
+          </p:cNvPr>
+          <p:cNvSpPr>
+            <a:spLocks noGrp="1"/>
+          </p:cNvSpPr>
+          <p:nvPr>
+            <p:ph type="dt" sz="half" idx="11"/>
+          </p:nvPr>
+        </p:nvSpPr>
+        <p:spPr/>
+        <p:txBody>
+          <a:bodyPr/>
+          <a:lstStyle/>
+          <a:p>
+            <a:r>
+              <a:rPr lang="en-US"/>
+              <a:t>Neural Network based Image Classification System on Heterogeneous Platforms</a:t>
+            </a:r>
+          </a:p>
+          <a:p>
+            <a:endParaRPr lang="de-DE" dirty="0"/>
+          </a:p>
+        </p:txBody>
+      </p:sp>
+      <p:sp>
+        <p:nvSpPr>
+          <p:cNvPr id="5" name="Foliennummernplatzhalter 4">
+            <a:extLst>
+              <a:ext uri="{FF2B5EF4-FFF2-40B4-BE49-F238E27FC236}">
+                <a16:creationId xmlns:a16="http://schemas.microsoft.com/office/drawing/2014/main" id="{AC541923-1212-42E6-AA2B-5AFD4FD1FEB7}"/>
+              </a:ext>
+            </a:extLst>
+          </p:cNvPr>
+          <p:cNvSpPr>
+            <a:spLocks noGrp="1"/>
+          </p:cNvSpPr>
+          <p:nvPr>
+            <p:ph type="sldNum" sz="quarter" idx="12"/>
+          </p:nvPr>
+        </p:nvSpPr>
+        <p:spPr/>
+        <p:txBody>
+          <a:bodyPr/>
+          <a:lstStyle/>
+          <a:p>
+            <a:fld id="{E55ABDE9-7D1A-4CAE-9056-F713D277A78C}" type="slidenum">
+              <a:rPr lang="de-DE" smtClean="0"/>
+              <a:pPr/>
+              <a:t>7</a:t>
+            </a:fld>
+            <a:endParaRPr lang="de-DE" dirty="0"/>
+          </a:p>
+        </p:txBody>
+      </p:sp>
+      <p:pic>
+        <p:nvPicPr>
+          <p:cNvPr id="7" name="Grafik 6" descr="Ein Bild, das Text enthält.&#10;&#10;Automatisch generierte Beschreibung">
+            <a:extLst>
+              <a:ext uri="{FF2B5EF4-FFF2-40B4-BE49-F238E27FC236}">
+                <a16:creationId xmlns:a16="http://schemas.microsoft.com/office/drawing/2014/main" id="{846E56AD-3165-4FC1-B073-B49822223007}"/>
+              </a:ext>
+            </a:extLst>
+          </p:cNvPr>
+          <p:cNvPicPr>
+            <a:picLocks noChangeAspect="1"/>
+          </p:cNvPicPr>
+          <p:nvPr/>
+        </p:nvPicPr>
+        <p:blipFill>
+          <a:blip r:embed="rId3">
+            <a:extLst>
+              <a:ext uri="{28A0092B-C50C-407E-A947-70E740481C1C}">
+                <a14:useLocalDpi xmlns:a14="http://schemas.microsoft.com/office/drawing/2010/main" val="0"/>
+              </a:ext>
+            </a:extLst>
+          </a:blip>
+          <a:stretch>
+            <a:fillRect/>
+          </a:stretch>
+        </p:blipFill>
+        <p:spPr>
+          <a:xfrm>
+            <a:off x="390525" y="1158205"/>
+            <a:ext cx="7834455" cy="5040000"/>
+          </a:xfrm>
+          <a:prstGeom prst="rect">
+            <a:avLst/>
+          </a:prstGeom>
+        </p:spPr>
+      </p:pic>
+      <p:sp>
+        <p:nvSpPr>
+          <p:cNvPr id="6" name="Rechteck 5">
+            <a:extLst>
+              <a:ext uri="{FF2B5EF4-FFF2-40B4-BE49-F238E27FC236}">
+                <a16:creationId xmlns:a16="http://schemas.microsoft.com/office/drawing/2014/main" id="{15D22D55-E0C0-4F03-99A7-839B61278D5F}"/>
+              </a:ext>
+            </a:extLst>
+          </p:cNvPr>
+          <p:cNvSpPr/>
+          <p:nvPr/>
+        </p:nvSpPr>
+        <p:spPr>
+          <a:xfrm>
+            <a:off x="719328" y="2615184"/>
+            <a:ext cx="2712720" cy="1261872"/>
+          </a:xfrm>
+          <a:prstGeom prst="rect">
+            <a:avLst/>
+          </a:prstGeom>
+          <a:noFill/>
+          <a:ln>
+            <a:solidFill>
+              <a:srgbClr val="FF0000"/>
+            </a:solidFill>
+          </a:ln>
+        </p:spPr>
+        <p:style>
+          <a:lnRef idx="2">
+            <a:schemeClr val="accent1">
+              <a:shade val="50000"/>
+            </a:schemeClr>
+          </a:lnRef>
+          <a:fillRef idx="1">
+            <a:schemeClr val="accent1"/>
+          </a:fillRef>
+          <a:effectRef idx="0">
+            <a:schemeClr val="accent1"/>
+          </a:effectRef>
+          <a:fontRef idx="minor">
+            <a:schemeClr val="lt1"/>
+          </a:fontRef>
+        </p:style>
+        <p:txBody>
+          <a:bodyPr rtlCol="0" anchor="ctr"/>
+          <a:lstStyle/>
+          <a:p>
+            <a:pPr algn="ctr"/>
+            <a:endParaRPr lang="en-US"/>
+          </a:p>
+        </p:txBody>
+      </p:sp>
+      <p:sp>
+        <p:nvSpPr>
+          <p:cNvPr id="8" name="Rechteck 7">
+            <a:extLst>
+              <a:ext uri="{FF2B5EF4-FFF2-40B4-BE49-F238E27FC236}">
+                <a16:creationId xmlns:a16="http://schemas.microsoft.com/office/drawing/2014/main" id="{37B7067C-E569-43FC-A763-569F66EF5A5D}"/>
+              </a:ext>
+            </a:extLst>
+          </p:cNvPr>
+          <p:cNvSpPr/>
+          <p:nvPr/>
+        </p:nvSpPr>
+        <p:spPr>
+          <a:xfrm>
+            <a:off x="2371344" y="1158205"/>
+            <a:ext cx="6039754" cy="2115347"/>
+          </a:xfrm>
+          <a:prstGeom prst="rect">
+            <a:avLst/>
+          </a:prstGeom>
+          <a:noFill/>
+          <a:ln>
+            <a:solidFill>
+              <a:srgbClr val="FF0000"/>
+            </a:solidFill>
+          </a:ln>
+        </p:spPr>
+        <p:style>
+          <a:lnRef idx="2">
+            <a:schemeClr val="accent1">
+              <a:shade val="50000"/>
+            </a:schemeClr>
+          </a:lnRef>
+          <a:fillRef idx="1">
+            <a:schemeClr val="accent1"/>
+          </a:fillRef>
+          <a:effectRef idx="0">
+            <a:schemeClr val="accent1"/>
+          </a:effectRef>
+          <a:fontRef idx="minor">
+            <a:schemeClr val="lt1"/>
+          </a:fontRef>
+        </p:style>
+        <p:txBody>
+          <a:bodyPr rtlCol="0" anchor="ctr"/>
+          <a:lstStyle/>
+          <a:p>
+            <a:pPr algn="ctr"/>
+            <a:endParaRPr lang="en-US"/>
+          </a:p>
+        </p:txBody>
+      </p:sp>
+      <p:sp>
+        <p:nvSpPr>
+          <p:cNvPr id="9" name="Rechteck 8">
+            <a:extLst>
+              <a:ext uri="{FF2B5EF4-FFF2-40B4-BE49-F238E27FC236}">
+                <a16:creationId xmlns:a16="http://schemas.microsoft.com/office/drawing/2014/main" id="{43B5BA88-9D89-4FA8-8E15-F1FEFBD0AD1F}"/>
+              </a:ext>
+            </a:extLst>
+          </p:cNvPr>
+          <p:cNvSpPr/>
+          <p:nvPr/>
+        </p:nvSpPr>
+        <p:spPr>
+          <a:xfrm>
+            <a:off x="993648" y="3755136"/>
+            <a:ext cx="6205728" cy="2443069"/>
+          </a:xfrm>
+          <a:prstGeom prst="rect">
+            <a:avLst/>
+          </a:prstGeom>
+          <a:noFill/>
+          <a:ln>
+            <a:solidFill>
+              <a:srgbClr val="FF0000"/>
+            </a:solidFill>
+          </a:ln>
+        </p:spPr>
+        <p:style>
+          <a:lnRef idx="2">
+            <a:schemeClr val="accent1">
+              <a:shade val="50000"/>
+            </a:schemeClr>
+          </a:lnRef>
+          <a:fillRef idx="1">
+            <a:schemeClr val="accent1"/>
+          </a:fillRef>
+          <a:effectRef idx="0">
+            <a:schemeClr val="accent1"/>
+          </a:effectRef>
+          <a:fontRef idx="minor">
+            <a:schemeClr val="lt1"/>
+          </a:fontRef>
+        </p:style>
+        <p:txBody>
+          <a:bodyPr rtlCol="0" anchor="ctr"/>
+          <a:lstStyle/>
+          <a:p>
+            <a:pPr algn="ctr"/>
+            <a:endParaRPr lang="en-US"/>
+          </a:p>
+        </p:txBody>
+      </p:sp>
+    </p:spTree>
+    <p:extLst>
+      <p:ext uri="{BB962C8B-B14F-4D97-AF65-F5344CB8AC3E}">
+        <p14:creationId xmlns:p14="http://schemas.microsoft.com/office/powerpoint/2010/main" val="957922527"/>
+      </p:ext>
+    </p:extLst>
+  </p:cSld>
+  <p:clrMapOvr>
+    <a:masterClrMapping/>
+  </p:clrMapOvr>
+  <p:timing>
+    <p:tnLst>
+      <p:par>
+        <p:cTn id="1" dur="indefinite" restart="never" nodeType="tmRoot">
+          <p:childTnLst>
+            <p:seq concurrent="1" nextAc="seek">
+              <p:cTn id="2" dur="indefinite" nodeType="mainSeq">
+                <p:childTnLst>
+                  <p:par>
+                    <p:cTn id="3" fill="hold">
+                      <p:stCondLst>
+                        <p:cond delay="indefinite"/>
+                      </p:stCondLst>
+                      <p:childTnLst>
+                        <p:par>
+                          <p:cTn id="4" fill="hold">
+                            <p:stCondLst>
+                              <p:cond delay="0"/>
+                            </p:stCondLst>
+                            <p:childTnLst>
+                              <p:par>
+                                <p:cTn id="5" presetID="1" presetClass="exit" presetSubtype="0" fill="hold" grpId="1" nodeType="clickEffect">
+                                  <p:stCondLst>
+                                    <p:cond delay="0"/>
+                                  </p:stCondLst>
+                                  <p:childTnLst>
+                                    <p:set>
+                                      <p:cBhvr>
+                                        <p:cTn id="6" dur="1" fill="hold">
+                                          <p:stCondLst>
+                                            <p:cond delay="0"/>
+                                          </p:stCondLst>
+                                        </p:cTn>
+                                        <p:tgtEl>
+                                          <p:spTgt spid="9"/>
+                                        </p:tgtEl>
+                                        <p:attrNameLst>
+                                          <p:attrName>style.visibility</p:attrName>
+                                        </p:attrNameLst>
+                                      </p:cBhvr>
+                                      <p:to>
+                                        <p:strVal val="hidden"/>
+                                      </p:to>
+                                    </p:set>
+                                  </p:childTnLst>
+                                </p:cTn>
+                              </p:par>
+                              <p:par>
+                                <p:cTn id="7" presetID="1" presetClass="entr" presetSubtype="0" fill="hold" grpId="0" nodeType="withEffect">
+                                  <p:stCondLst>
+                                    <p:cond delay="0"/>
+                                  </p:stCondLst>
+                                  <p:childTnLst>
+                                    <p:set>
+                                      <p:cBhvr>
+                                        <p:cTn id="8" dur="1" fill="hold">
+                                          <p:stCondLst>
+                                            <p:cond delay="0"/>
+                                          </p:stCondLst>
+                                        </p:cTn>
+                                        <p:tgtEl>
+                                          <p:spTgt spid="6"/>
+                                        </p:tgtEl>
+                                        <p:attrNameLst>
+                                          <p:attrName>style.visibility</p:attrName>
+                                        </p:attrNameLst>
+                                      </p:cBhvr>
+                                      <p:to>
+                                        <p:strVal val="visible"/>
+                                      </p:to>
+                                    </p:set>
+                                  </p:childTnLst>
+                                </p:cTn>
+                              </p:par>
+                            </p:childTnLst>
+                          </p:cTn>
+                        </p:par>
+                      </p:childTnLst>
+                    </p:cTn>
+                  </p:par>
+                  <p:par>
+                    <p:cTn id="9" fill="hold">
+                      <p:stCondLst>
+                        <p:cond delay="indefinite"/>
+                      </p:stCondLst>
+                      <p:childTnLst>
+                        <p:par>
+                          <p:cTn id="10" fill="hold">
+                            <p:stCondLst>
+                              <p:cond delay="0"/>
+                            </p:stCondLst>
+                            <p:childTnLst>
+                              <p:par>
+                                <p:cTn id="11" presetID="1" presetClass="exit" presetSubtype="0" fill="hold" grpId="1" nodeType="clickEffect">
+                                  <p:stCondLst>
+                                    <p:cond delay="0"/>
+                                  </p:stCondLst>
+                                  <p:childTnLst>
+                                    <p:set>
+                                      <p:cBhvr>
+                                        <p:cTn id="12" dur="1" fill="hold">
+                                          <p:stCondLst>
+                                            <p:cond delay="0"/>
+                                          </p:stCondLst>
+                                        </p:cTn>
+                                        <p:tgtEl>
+                                          <p:spTgt spid="6"/>
+                                        </p:tgtEl>
+                                        <p:attrNameLst>
+                                          <p:attrName>style.visibility</p:attrName>
+                                        </p:attrNameLst>
+                                      </p:cBhvr>
+                                      <p:to>
+                                        <p:strVal val="hidden"/>
+                                      </p:to>
+                                    </p:set>
+                                  </p:childTnLst>
+                                </p:cTn>
+                              </p:par>
+                              <p:par>
+                                <p:cTn id="13" presetID="1" presetClass="entr" presetSubtype="0" fill="hold" grpId="0" nodeType="withEffect">
+                                  <p:stCondLst>
+                                    <p:cond delay="0"/>
+                                  </p:stCondLst>
+                                  <p:childTnLst>
+                                    <p:set>
+                                      <p:cBhvr>
+                                        <p:cTn id="14" dur="1" fill="hold">
+                                          <p:stCondLst>
+                                            <p:cond delay="0"/>
+                                          </p:stCondLst>
+                                        </p:cTn>
+                                        <p:tgtEl>
+                                          <p:spTgt spid="8"/>
+                                        </p:tgtEl>
+                                        <p:attrNameLst>
+                                          <p:attrName>style.visibility</p:attrName>
+                                        </p:attrNameLst>
+                                      </p:cBhvr>
+                                      <p:to>
+                                        <p:strVal val="visible"/>
+                                      </p:to>
+                                    </p:set>
+                                  </p:childTnLst>
+                                </p:cTn>
+                              </p:par>
+                            </p:childTnLst>
+                          </p:cTn>
+                        </p:par>
+                      </p:childTnLst>
+                    </p:cTn>
+                  </p:par>
+                  <p:par>
+                    <p:cTn id="15" fill="hold">
+                      <p:stCondLst>
+                        <p:cond delay="indefinite"/>
+                      </p:stCondLst>
+                      <p:childTnLst>
+                        <p:par>
+                          <p:cTn id="16" fill="hold">
+                            <p:stCondLst>
+                              <p:cond delay="0"/>
+                            </p:stCondLst>
+                            <p:childTnLst>
+                              <p:par>
+                                <p:cTn id="17" presetID="1" presetClass="exit" presetSubtype="0" fill="hold" grpId="1" nodeType="clickEffect">
+                                  <p:stCondLst>
+                                    <p:cond delay="0"/>
+                                  </p:stCondLst>
+                                  <p:childTnLst>
+                                    <p:set>
+                                      <p:cBhvr>
+                                        <p:cTn id="18" dur="1" fill="hold">
+                                          <p:stCondLst>
+                                            <p:cond delay="0"/>
+                                          </p:stCondLst>
+                                        </p:cTn>
+                                        <p:tgtEl>
+                                          <p:spTgt spid="8"/>
+                                        </p:tgtEl>
+                                        <p:attrNameLst>
+                                          <p:attrName>style.visibility</p:attrName>
+                                        </p:attrNameLst>
+                                      </p:cBhvr>
+                                      <p:to>
+                                        <p:strVal val="hidden"/>
+                                      </p:to>
+                                    </p:set>
+                                  </p:childTnLst>
+                                </p:cTn>
+                              </p:par>
+                              <p:par>
+                                <p:cTn id="19" presetID="1" presetClass="entr" presetSubtype="0" fill="hold" grpId="2" nodeType="withEffect">
+                                  <p:stCondLst>
+                                    <p:cond delay="0"/>
+                                  </p:stCondLst>
+                                  <p:childTnLst>
+                                    <p:set>
+                                      <p:cBhvr>
+                                        <p:cTn id="20" dur="1" fill="hold">
+                                          <p:stCondLst>
+                                            <p:cond delay="0"/>
+                                          </p:stCondLst>
+                                        </p:cTn>
+                                        <p:tgtEl>
+                                          <p:spTgt spid="6"/>
+                                        </p:tgtEl>
+                                        <p:attrNameLst>
+                                          <p:attrName>style.visibility</p:attrName>
+                                        </p:attrNameLst>
+                                      </p:cBhvr>
+                                      <p:to>
+                                        <p:strVal val="visible"/>
+                                      </p:to>
+                                    </p:set>
+                                  </p:childTnLst>
+                                </p:cTn>
+                              </p:par>
+                            </p:childTnLst>
+                          </p:cTn>
+                        </p:par>
+                      </p:childTnLst>
+                    </p:cTn>
+                  </p:par>
+                </p:childTnLst>
+              </p:cTn>
+              <p:prevCondLst>
+                <p:cond evt="onPrev" delay="0">
+                  <p:tgtEl>
+                    <p:sldTgt/>
+                  </p:tgtEl>
+                </p:cond>
+              </p:prevCondLst>
+              <p:nextCondLst>
+                <p:cond evt="onNext" delay="0">
+                  <p:tgtEl>
+                    <p:sldTgt/>
+                  </p:tgtEl>
+                </p:cond>
+              </p:nextCondLst>
+            </p:seq>
+          </p:childTnLst>
+        </p:cTn>
+      </p:par>
+    </p:tnLst>
+    <p:bldLst>
+      <p:bldP spid="6" grpId="0" animBg="1"/>
+      <p:bldP spid="6" grpId="1" animBg="1"/>
+      <p:bldP spid="6" grpId="2" animBg="1"/>
+      <p:bldP spid="8" grpId="0" animBg="1"/>
+      <p:bldP spid="8" grpId="1" animBg="1"/>
+      <p:bldP spid="9" grpId="1" animBg="1"/>
+    </p:bldLst>
+  </p:timing>
+</p:sld>
+</file>
+
+<file path=ppt/slides/slide8.xml><?xml version="1.0" encoding="utf-8"?>
+<p:sld xmlns:a="http://schemas.openxmlformats.org/drawingml/2006/main" xmlns:r="http://schemas.openxmlformats.org/officeDocument/2006/relationships" xmlns:p="http://schemas.openxmlformats.org/presentationml/2006/main">
+  <p:cSld>
+    <p:spTree>
+      <p:nvGrpSpPr>
+        <p:cNvPr id="1" name=""/>
+        <p:cNvGrpSpPr/>
+        <p:nvPr/>
+      </p:nvGrpSpPr>
+      <p:grpSpPr>
+        <a:xfrm>
+          <a:off x="0" y="0"/>
+          <a:ext cx="0" cy="0"/>
+          <a:chOff x="0" y="0"/>
+          <a:chExt cx="0" cy="0"/>
+        </a:xfrm>
+      </p:grpSpPr>
+      <p:sp>
+        <p:nvSpPr>
+          <p:cNvPr id="2" name="Titel 1">
+            <a:extLst>
+              <a:ext uri="{FF2B5EF4-FFF2-40B4-BE49-F238E27FC236}">
+                <a16:creationId xmlns:a16="http://schemas.microsoft.com/office/drawing/2014/main" id="{4A7197C1-0C6B-4384-987C-C307C903B5BF}"/>
+              </a:ext>
+            </a:extLst>
+          </p:cNvPr>
+          <p:cNvSpPr>
+            <a:spLocks noGrp="1"/>
+          </p:cNvSpPr>
+          <p:nvPr>
+            <p:ph type="title"/>
+          </p:nvPr>
+        </p:nvSpPr>
+        <p:spPr/>
+        <p:txBody>
+          <a:bodyPr/>
+          <a:lstStyle/>
+          <a:p>
+            <a:r>
+              <a:rPr lang="en-US" dirty="0"/>
+              <a:t>Process of image classification</a:t>
+            </a:r>
+            <a:br>
+              <a:rPr lang="en-US" dirty="0"/>
+            </a:br>
+            <a:r>
+              <a:rPr lang="en-US" dirty="0"/>
+              <a:t>	 – class diagram of communication</a:t>
+            </a:r>
+          </a:p>
+        </p:txBody>
+      </p:sp>
+      <p:sp>
+        <p:nvSpPr>
+          <p:cNvPr id="3" name="Fußzeilenplatzhalter 2">
+            <a:extLst>
+              <a:ext uri="{FF2B5EF4-FFF2-40B4-BE49-F238E27FC236}">
+                <a16:creationId xmlns:a16="http://schemas.microsoft.com/office/drawing/2014/main" id="{02AD2DE0-F005-4C32-974F-F7F86BE48391}"/>
+              </a:ext>
+            </a:extLst>
+          </p:cNvPr>
+          <p:cNvSpPr>
+            <a:spLocks noGrp="1"/>
+          </p:cNvSpPr>
+          <p:nvPr>
+            <p:ph type="ftr" sz="quarter" idx="10"/>
+          </p:nvPr>
+        </p:nvSpPr>
+        <p:spPr/>
+        <p:txBody>
+          <a:bodyPr/>
+          <a:lstStyle/>
+          <a:p>
+            <a:pPr>
+              <a:defRPr/>
+            </a:pPr>
+            <a:r>
+              <a:rPr lang="en-US"/>
+              <a:t>Dimitrov, Drehwald, Guneshka, Häring, Stangel</a:t>
+            </a:r>
+            <a:endParaRPr lang="en-US" dirty="0"/>
+          </a:p>
+        </p:txBody>
+      </p:sp>
+      <p:sp>
+        <p:nvSpPr>
+          <p:cNvPr id="4" name="Datumsplatzhalter 3">
+            <a:extLst>
+              <a:ext uri="{FF2B5EF4-FFF2-40B4-BE49-F238E27FC236}">
+                <a16:creationId xmlns:a16="http://schemas.microsoft.com/office/drawing/2014/main" id="{C9E939C9-C552-41F0-863D-5CADD1D70733}"/>
+              </a:ext>
+            </a:extLst>
+          </p:cNvPr>
+          <p:cNvSpPr>
+            <a:spLocks noGrp="1"/>
+          </p:cNvSpPr>
+          <p:nvPr>
+            <p:ph type="dt" sz="half" idx="11"/>
+          </p:nvPr>
+        </p:nvSpPr>
+        <p:spPr/>
+        <p:txBody>
+          <a:bodyPr/>
+          <a:lstStyle/>
+          <a:p>
+            <a:r>
+              <a:rPr lang="en-US"/>
+              <a:t>Neural Network based Image Classification System on Heterogeneous Platforms</a:t>
+            </a:r>
+          </a:p>
+          <a:p>
+            <a:endParaRPr lang="de-DE" dirty="0"/>
+          </a:p>
+        </p:txBody>
+      </p:sp>
+      <p:sp>
+        <p:nvSpPr>
+          <p:cNvPr id="5" name="Foliennummernplatzhalter 4">
+            <a:extLst>
+              <a:ext uri="{FF2B5EF4-FFF2-40B4-BE49-F238E27FC236}">
+                <a16:creationId xmlns:a16="http://schemas.microsoft.com/office/drawing/2014/main" id="{AC541923-1212-42E6-AA2B-5AFD4FD1FEB7}"/>
+              </a:ext>
+            </a:extLst>
+          </p:cNvPr>
+          <p:cNvSpPr>
+            <a:spLocks noGrp="1"/>
+          </p:cNvSpPr>
+          <p:nvPr>
+            <p:ph type="sldNum" sz="quarter" idx="12"/>
+          </p:nvPr>
+        </p:nvSpPr>
+        <p:spPr/>
+        <p:txBody>
+          <a:bodyPr/>
+          <a:lstStyle/>
+          <a:p>
+            <a:fld id="{E55ABDE9-7D1A-4CAE-9056-F713D277A78C}" type="slidenum">
+              <a:rPr lang="de-DE" smtClean="0"/>
+              <a:pPr/>
+              <a:t>8</a:t>
+            </a:fld>
+            <a:endParaRPr lang="de-DE" dirty="0"/>
+          </a:p>
+        </p:txBody>
+      </p:sp>
+      <p:pic>
+        <p:nvPicPr>
+          <p:cNvPr id="7" name="Grafik 6" descr="Ein Bild, das Screenshot enthält.&#10;&#10;Automatisch generierte Beschreibung">
+            <a:extLst>
+              <a:ext uri="{FF2B5EF4-FFF2-40B4-BE49-F238E27FC236}">
+                <a16:creationId xmlns:a16="http://schemas.microsoft.com/office/drawing/2014/main" id="{DC4ADC09-2A7B-4630-9C67-490335AAF86A}"/>
+              </a:ext>
+            </a:extLst>
+          </p:cNvPr>
+          <p:cNvPicPr>
+            <a:picLocks noChangeAspect="1"/>
+          </p:cNvPicPr>
+          <p:nvPr/>
+        </p:nvPicPr>
+        <p:blipFill>
+          <a:blip r:embed="rId3">
+            <a:extLst>
+              <a:ext uri="{28A0092B-C50C-407E-A947-70E740481C1C}">
+                <a14:useLocalDpi xmlns:a14="http://schemas.microsoft.com/office/drawing/2010/main" val="0"/>
+              </a:ext>
+            </a:extLst>
+          </a:blip>
+          <a:stretch>
+            <a:fillRect/>
+          </a:stretch>
+        </p:blipFill>
+        <p:spPr>
+          <a:xfrm>
+            <a:off x="448363" y="1158205"/>
+            <a:ext cx="8247273" cy="5040000"/>
+          </a:xfrm>
+          <a:prstGeom prst="rect">
+            <a:avLst/>
+          </a:prstGeom>
+        </p:spPr>
+      </p:pic>
+      <p:sp>
+        <p:nvSpPr>
+          <p:cNvPr id="6" name="Rechteck 5">
+            <a:extLst>
+              <a:ext uri="{FF2B5EF4-FFF2-40B4-BE49-F238E27FC236}">
+                <a16:creationId xmlns:a16="http://schemas.microsoft.com/office/drawing/2014/main" id="{9E5D34BC-EEEB-46DC-8103-AFB8FFE0381E}"/>
+              </a:ext>
+            </a:extLst>
+          </p:cNvPr>
+          <p:cNvSpPr/>
+          <p:nvPr/>
+        </p:nvSpPr>
+        <p:spPr>
+          <a:xfrm>
+            <a:off x="902208" y="912303"/>
+            <a:ext cx="7793428" cy="2733105"/>
+          </a:xfrm>
+          <a:prstGeom prst="rect">
+            <a:avLst/>
+          </a:prstGeom>
+          <a:noFill/>
+          <a:ln>
+            <a:solidFill>
+              <a:srgbClr val="FF0000"/>
+            </a:solidFill>
+          </a:ln>
+        </p:spPr>
+        <p:style>
+          <a:lnRef idx="2">
+            <a:schemeClr val="accent1">
+              <a:shade val="50000"/>
+            </a:schemeClr>
+          </a:lnRef>
+          <a:fillRef idx="1">
+            <a:schemeClr val="accent1"/>
+          </a:fillRef>
+          <a:effectRef idx="0">
+            <a:schemeClr val="accent1"/>
+          </a:effectRef>
+          <a:fontRef idx="minor">
+            <a:schemeClr val="lt1"/>
+          </a:fontRef>
+        </p:style>
+        <p:txBody>
+          <a:bodyPr rtlCol="0" anchor="ctr"/>
+          <a:lstStyle/>
+          <a:p>
+            <a:pPr algn="ctr"/>
+            <a:endParaRPr lang="en-US"/>
+          </a:p>
+        </p:txBody>
+      </p:sp>
+      <p:sp>
+        <p:nvSpPr>
+          <p:cNvPr id="8" name="Rechteck 7">
+            <a:extLst>
+              <a:ext uri="{FF2B5EF4-FFF2-40B4-BE49-F238E27FC236}">
+                <a16:creationId xmlns:a16="http://schemas.microsoft.com/office/drawing/2014/main" id="{C633ED7F-CFA0-4CD8-879D-9A3DDDF8AE80}"/>
+              </a:ext>
+            </a:extLst>
+          </p:cNvPr>
+          <p:cNvSpPr/>
+          <p:nvPr/>
+        </p:nvSpPr>
+        <p:spPr>
+          <a:xfrm>
+            <a:off x="902208" y="3645408"/>
+            <a:ext cx="7793428" cy="2552797"/>
+          </a:xfrm>
+          <a:prstGeom prst="rect">
+            <a:avLst/>
+          </a:prstGeom>
+          <a:noFill/>
+          <a:ln>
+            <a:solidFill>
+              <a:srgbClr val="FF0000"/>
+            </a:solidFill>
+          </a:ln>
+        </p:spPr>
+        <p:style>
+          <a:lnRef idx="2">
+            <a:schemeClr val="accent1">
+              <a:shade val="50000"/>
+            </a:schemeClr>
+          </a:lnRef>
+          <a:fillRef idx="1">
+            <a:schemeClr val="accent1"/>
+          </a:fillRef>
+          <a:effectRef idx="0">
+            <a:schemeClr val="accent1"/>
+          </a:effectRef>
+          <a:fontRef idx="minor">
+            <a:schemeClr val="lt1"/>
+          </a:fontRef>
+        </p:style>
+        <p:txBody>
+          <a:bodyPr rtlCol="0" anchor="ctr"/>
+          <a:lstStyle/>
+          <a:p>
+            <a:pPr algn="ctr"/>
+            <a:endParaRPr lang="en-US"/>
+          </a:p>
+        </p:txBody>
+      </p:sp>
+    </p:spTree>
+    <p:extLst>
+      <p:ext uri="{BB962C8B-B14F-4D97-AF65-F5344CB8AC3E}">
+        <p14:creationId xmlns:p14="http://schemas.microsoft.com/office/powerpoint/2010/main" val="2560123012"/>
+      </p:ext>
+    </p:extLst>
+  </p:cSld>
+  <p:clrMapOvr>
+    <a:masterClrMapping/>
+  </p:clrMapOvr>
+  <p:timing>
+    <p:tnLst>
+      <p:par>
+        <p:cTn id="1" dur="indefinite" restart="never" nodeType="tmRoot">
+          <p:childTnLst>
+            <p:seq concurrent="1" nextAc="seek">
+              <p:cTn id="2" dur="indefinite" nodeType="mainSeq">
+                <p:childTnLst>
+                  <p:par>
+                    <p:cTn id="3" fill="hold">
+                      <p:stCondLst>
+                        <p:cond delay="indefinite"/>
+                      </p:stCondLst>
+                      <p:childTnLst>
+                        <p:par>
+                          <p:cTn id="4" fill="hold">
+                            <p:stCondLst>
+                              <p:cond delay="0"/>
+                            </p:stCondLst>
+                            <p:childTnLst>
+                              <p:par>
+                                <p:cTn id="5" presetID="1" presetClass="exit" presetSubtype="0" fill="hold" grpId="0" nodeType="clickEffect">
+                                  <p:stCondLst>
+                                    <p:cond delay="0"/>
+                                  </p:stCondLst>
+                                  <p:childTnLst>
+                                    <p:set>
+                                      <p:cBhvr>
+                                        <p:cTn id="6" dur="1" fill="hold">
+                                          <p:stCondLst>
+                                            <p:cond delay="0"/>
+                                          </p:stCondLst>
+                                        </p:cTn>
+                                        <p:tgtEl>
+                                          <p:spTgt spid="6"/>
+                                        </p:tgtEl>
+                                        <p:attrNameLst>
+                                          <p:attrName>style.visibility</p:attrName>
+                                        </p:attrNameLst>
+                                      </p:cBhvr>
+                                      <p:to>
+                                        <p:strVal val="hidden"/>
+                                      </p:to>
+                                    </p:set>
+                                  </p:childTnLst>
+                                </p:cTn>
+                              </p:par>
+                              <p:par>
+                                <p:cTn id="7" presetID="1" presetClass="entr" presetSubtype="0" fill="hold" grpId="0" nodeType="withEffect">
+                                  <p:stCondLst>
+                                    <p:cond delay="0"/>
+                                  </p:stCondLst>
+                                  <p:childTnLst>
+                                    <p:set>
+                                      <p:cBhvr>
+                                        <p:cTn id="8" dur="1" fill="hold">
+                                          <p:stCondLst>
+                                            <p:cond delay="0"/>
+                                          </p:stCondLst>
+                                        </p:cTn>
+                                        <p:tgtEl>
+                                          <p:spTgt spid="8"/>
+                                        </p:tgtEl>
+                                        <p:attrNameLst>
+                                          <p:attrName>style.visibility</p:attrName>
+                                        </p:attrNameLst>
+                                      </p:cBhvr>
+                                      <p:to>
+                                        <p:strVal val="visible"/>
+                                      </p:to>
+                                    </p:set>
+                                  </p:childTnLst>
+                                </p:cTn>
+                              </p:par>
+                            </p:childTnLst>
+                          </p:cTn>
+                        </p:par>
+                      </p:childTnLst>
+                    </p:cTn>
+                  </p:par>
+                  <p:par>
+                    <p:cTn id="9" fill="hold">
+                      <p:stCondLst>
+                        <p:cond delay="indefinite"/>
+                      </p:stCondLst>
+                      <p:childTnLst>
+                        <p:par>
+                          <p:cTn id="10" fill="hold">
+                            <p:stCondLst>
+                              <p:cond delay="0"/>
+                            </p:stCondLst>
+                            <p:childTnLst>
+                              <p:par>
+                                <p:cTn id="11" presetID="1" presetClass="exit" presetSubtype="0" fill="hold" grpId="1" nodeType="clickEffect">
+                                  <p:stCondLst>
+                                    <p:cond delay="0"/>
+                                  </p:stCondLst>
+                                  <p:childTnLst>
+                                    <p:set>
+                                      <p:cBhvr>
+                                        <p:cTn id="12" dur="1" fill="hold">
+                                          <p:stCondLst>
+                                            <p:cond delay="0"/>
+                                          </p:stCondLst>
+                                        </p:cTn>
+                                        <p:tgtEl>
+                                          <p:spTgt spid="8"/>
+                                        </p:tgtEl>
+                                        <p:attrNameLst>
+                                          <p:attrName>style.visibility</p:attrName>
+                                        </p:attrNameLst>
+                                      </p:cBhvr>
+                                      <p:to>
+                                        <p:strVal val="hidden"/>
+                                      </p:to>
+                                    </p:set>
+                                  </p:childTnLst>
+                                </p:cTn>
+                              </p:par>
+                              <p:par>
+                                <p:cTn id="13" presetID="1" presetClass="entr" presetSubtype="0" fill="hold" grpId="1" nodeType="withEffect">
+                                  <p:stCondLst>
+                                    <p:cond delay="0"/>
+                                  </p:stCondLst>
+                                  <p:childTnLst>
+                                    <p:set>
+                                      <p:cBhvr>
+                                        <p:cTn id="14" dur="1" fill="hold">
+                                          <p:stCondLst>
+                                            <p:cond delay="0"/>
+                                          </p:stCondLst>
+                                        </p:cTn>
+                                        <p:tgtEl>
+                                          <p:spTgt spid="6"/>
+                                        </p:tgtEl>
+                                        <p:attrNameLst>
+                                          <p:attrName>style.visibility</p:attrName>
+                                        </p:attrNameLst>
+                                      </p:cBhvr>
+                                      <p:to>
+                                        <p:strVal val="visible"/>
+                                      </p:to>
+                                    </p:set>
+                                  </p:childTnLst>
+                                </p:cTn>
+                              </p:par>
+                            </p:childTnLst>
+                          </p:cTn>
+                        </p:par>
+                      </p:childTnLst>
+                    </p:cTn>
+                  </p:par>
+                </p:childTnLst>
+              </p:cTn>
+              <p:prevCondLst>
+                <p:cond evt="onPrev" delay="0">
+                  <p:tgtEl>
+                    <p:sldTgt/>
+                  </p:tgtEl>
+                </p:cond>
+              </p:prevCondLst>
+              <p:nextCondLst>
+                <p:cond evt="onNext" delay="0">
+                  <p:tgtEl>
+                    <p:sldTgt/>
+                  </p:tgtEl>
+                </p:cond>
+              </p:nextCondLst>
+            </p:seq>
+          </p:childTnLst>
+        </p:cTn>
+      </p:par>
+    </p:tnLst>
+    <p:bldLst>
+      <p:bldP spid="6" grpId="0" animBg="1"/>
+      <p:bldP spid="6" grpId="1" animBg="1"/>
+      <p:bldP spid="8" grpId="0" animBg="1"/>
+      <p:bldP spid="8" grpId="1" animBg="1"/>
+    </p:bldLst>
+  </p:timing>
+</p:sld>
+</file>
+
 <file path=ppt/slides/slide9.xml><?xml version="1.0" encoding="utf-8"?>
 <p:sld xmlns:a="http://schemas.openxmlformats.org/drawingml/2006/main" xmlns:r="http://schemas.openxmlformats.org/officeDocument/2006/relationships" xmlns:p="http://schemas.openxmlformats.org/presentationml/2006/main">
   <p:cSld>
@@ -6480,7 +9652,7 @@
           <p:cNvPr id="2" name="Titel 1">
             <a:extLst>
               <a:ext uri="{FF2B5EF4-FFF2-40B4-BE49-F238E27FC236}">
-                <a16:creationId xmlns:a16="http://schemas.microsoft.com/office/drawing/2014/main" id="{1B112619-2BC8-46BC-A2E5-89C623D7A2F7}"/>
+                <a16:creationId xmlns:a16="http://schemas.microsoft.com/office/drawing/2014/main" id="{51EEF78F-713F-4F7C-AAA4-6B800E6B93BC}"/>
               </a:ext>
             </a:extLst>
           </p:cNvPr>
@@ -6497,22 +9669,22 @@
           <a:lstStyle/>
           <a:p>
             <a:r>
-              <a:rPr lang="de-DE" dirty="0"/>
-              <a:t>Next </a:t>
-            </a:r>
-            <a:r>
               <a:rPr lang="en-US" dirty="0"/>
-              <a:t>steps</a:t>
-            </a:r>
-          </a:p>
-        </p:txBody>
-      </p:sp>
-      <p:sp>
-        <p:nvSpPr>
-          <p:cNvPr id="3" name="Inhaltsplatzhalter 2">
+              <a:t>Process of image classification</a:t>
+            </a:r>
+            <a:br>
+              <a:rPr lang="en-US" dirty="0"/>
+            </a:br>
+            <a:endParaRPr lang="en-US" dirty="0"/>
+          </a:p>
+        </p:txBody>
+      </p:sp>
+      <p:sp>
+        <p:nvSpPr>
+          <p:cNvPr id="3" name="Fußzeilenplatzhalter 2">
             <a:extLst>
               <a:ext uri="{FF2B5EF4-FFF2-40B4-BE49-F238E27FC236}">
-                <a16:creationId xmlns:a16="http://schemas.microsoft.com/office/drawing/2014/main" id="{B53E3B2B-57BC-488F-B204-35E3BF8DB4FB}"/>
+                <a16:creationId xmlns:a16="http://schemas.microsoft.com/office/drawing/2014/main" id="{757450C2-5D44-41AE-A6F6-9CB1ABC69382}"/>
               </a:ext>
             </a:extLst>
           </p:cNvPr>
@@ -6520,46 +9692,21 @@
             <a:spLocks noGrp="1"/>
           </p:cNvSpPr>
           <p:nvPr>
-            <p:ph idx="1"/>
-          </p:nvPr>
-        </p:nvSpPr>
-        <p:spPr>
-          <a:xfrm>
-            <a:off x="392113" y="1246909"/>
-            <a:ext cx="8356600" cy="4845916"/>
-          </a:xfrm>
-        </p:spPr>
+            <p:ph type="ftr" sz="quarter" idx="10"/>
+          </p:nvPr>
+        </p:nvSpPr>
+        <p:spPr/>
         <p:txBody>
           <a:bodyPr/>
           <a:lstStyle/>
           <a:p>
-            <a:r>
-              <a:rPr lang="en-US" dirty="0"/>
-              <a:t>Christmas!</a:t>
-            </a:r>
-          </a:p>
-          <a:p>
-            <a:endParaRPr lang="en-US" dirty="0"/>
-          </a:p>
-          <a:p>
-            <a:r>
-              <a:rPr lang="en-US" dirty="0"/>
-              <a:t>Implementation phase with Manuel as responsible person</a:t>
-            </a:r>
-          </a:p>
-          <a:p>
-            <a:pPr marL="0" indent="0">
-              <a:buNone/>
+            <a:pPr>
+              <a:defRPr/>
             </a:pPr>
-            <a:endParaRPr lang="en-US" dirty="0"/>
-          </a:p>
-          <a:p>
-            <a:r>
-              <a:rPr lang="en-US" dirty="0"/>
-              <a:t>Next ultimatum: 31.01.2020</a:t>
-            </a:r>
-          </a:p>
-          <a:p>
+            <a:r>
+              <a:rPr lang="en-US"/>
+              <a:t>Dimitrov, Drehwald, Guneshka, Häring, Stangel</a:t>
+            </a:r>
             <a:endParaRPr lang="en-US" dirty="0"/>
           </a:p>
         </p:txBody>
@@ -6569,7 +9716,7 @@
           <p:cNvPr id="4" name="Datumsplatzhalter 3">
             <a:extLst>
               <a:ext uri="{FF2B5EF4-FFF2-40B4-BE49-F238E27FC236}">
-                <a16:creationId xmlns:a16="http://schemas.microsoft.com/office/drawing/2014/main" id="{093C10B7-6440-4C84-8C50-684950195EE3}"/>
+                <a16:creationId xmlns:a16="http://schemas.microsoft.com/office/drawing/2014/main" id="{022CAC99-8BDB-4AAD-99AD-291A6F2B874C}"/>
               </a:ext>
             </a:extLst>
           </p:cNvPr>
@@ -6577,7 +9724,7 @@
             <a:spLocks noGrp="1"/>
           </p:cNvSpPr>
           <p:nvPr>
-            <p:ph type="dt" sz="half" idx="2"/>
+            <p:ph type="dt" sz="half" idx="11"/>
           </p:nvPr>
         </p:nvSpPr>
         <p:spPr/>
@@ -6600,7 +9747,7 @@
           <p:cNvPr id="5" name="Foliennummernplatzhalter 4">
             <a:extLst>
               <a:ext uri="{FF2B5EF4-FFF2-40B4-BE49-F238E27FC236}">
-                <a16:creationId xmlns:a16="http://schemas.microsoft.com/office/drawing/2014/main" id="{C98A3C77-F718-460E-91A4-9FD9AD7D466B}"/>
+                <a16:creationId xmlns:a16="http://schemas.microsoft.com/office/drawing/2014/main" id="{93A66837-D2A7-4234-B0E9-7FCA56754771}"/>
               </a:ext>
             </a:extLst>
           </p:cNvPr>
@@ -6608,7 +9755,7 @@
             <a:spLocks noGrp="1"/>
           </p:cNvSpPr>
           <p:nvPr>
-            <p:ph type="sldNum" sz="quarter" idx="4"/>
+            <p:ph type="sldNum" sz="quarter" idx="12"/>
           </p:nvPr>
         </p:nvSpPr>
         <p:spPr/>
@@ -6625,42 +9772,46 @@
           </a:p>
         </p:txBody>
       </p:sp>
-      <p:sp>
-        <p:nvSpPr>
-          <p:cNvPr id="6" name="Fußzeilenplatzhalter 5">
+      <p:pic>
+        <p:nvPicPr>
+          <p:cNvPr id="7" name="Grafik 6" descr="Ein Bild, das Screenshot enthält.&#10;&#10;Automatisch generierte Beschreibung">
             <a:extLst>
               <a:ext uri="{FF2B5EF4-FFF2-40B4-BE49-F238E27FC236}">
-                <a16:creationId xmlns:a16="http://schemas.microsoft.com/office/drawing/2014/main" id="{243E1856-6CA5-48B5-BD2F-A4AEA03F79AB}"/>
+                <a16:creationId xmlns:a16="http://schemas.microsoft.com/office/drawing/2014/main" id="{E872B9E5-E786-484B-A216-442CF1D141DC}"/>
               </a:ext>
             </a:extLst>
           </p:cNvPr>
-          <p:cNvSpPr>
-            <a:spLocks noGrp="1"/>
-          </p:cNvSpPr>
-          <p:nvPr>
-            <p:ph type="ftr" sz="quarter" idx="3"/>
-          </p:nvPr>
-        </p:nvSpPr>
-        <p:spPr/>
-        <p:txBody>
-          <a:bodyPr/>
-          <a:lstStyle/>
-          <a:p>
-            <a:pPr>
-              <a:defRPr/>
-            </a:pPr>
-            <a:r>
-              <a:rPr lang="en-US"/>
-              <a:t>Dimitrov, Drehwald, Guneshka, Häring, Stangel</a:t>
-            </a:r>
-            <a:endParaRPr lang="en-US" dirty="0"/>
-          </a:p>
-        </p:txBody>
-      </p:sp>
+          <p:cNvPicPr>
+            <a:picLocks noChangeAspect="1"/>
+          </p:cNvPicPr>
+          <p:nvPr/>
+        </p:nvPicPr>
+        <p:blipFill>
+          <a:blip r:embed="rId3">
+            <a:extLst>
+              <a:ext uri="{28A0092B-C50C-407E-A947-70E740481C1C}">
+                <a14:useLocalDpi xmlns:a14="http://schemas.microsoft.com/office/drawing/2010/main" val="0"/>
+              </a:ext>
+            </a:extLst>
+          </a:blip>
+          <a:stretch>
+            <a:fillRect/>
+          </a:stretch>
+        </p:blipFill>
+        <p:spPr>
+          <a:xfrm>
+            <a:off x="952186" y="1348559"/>
+            <a:ext cx="7239627" cy="4160881"/>
+          </a:xfrm>
+          <a:prstGeom prst="rect">
+            <a:avLst/>
+          </a:prstGeom>
+        </p:spPr>
+      </p:pic>
     </p:spTree>
     <p:extLst>
       <p:ext uri="{BB962C8B-B14F-4D97-AF65-F5344CB8AC3E}">
-        <p14:creationId xmlns:p14="http://schemas.microsoft.com/office/powerpoint/2010/main" val="1098885676"/>
+        <p14:creationId xmlns:p14="http://schemas.microsoft.com/office/powerpoint/2010/main" val="2379460439"/>
       </p:ext>
     </p:extLst>
   </p:cSld>
